--- a/layout/Modelo de Layout.pptx
+++ b/layout/Modelo de Layout.pptx
@@ -6,6 +6,13 @@
   </p:sldMasterIdLst>
   <p:sldIdLst>
     <p:sldId id="256" r:id="rId2"/>
+    <p:sldId id="259" r:id="rId3"/>
+    <p:sldId id="260" r:id="rId4"/>
+    <p:sldId id="262" r:id="rId5"/>
+    <p:sldId id="264" r:id="rId6"/>
+    <p:sldId id="263" r:id="rId7"/>
+    <p:sldId id="261" r:id="rId8"/>
+    <p:sldId id="258" r:id="rId9"/>
   </p:sldIdLst>
   <p:sldSz cx="12382500" cy="9525000"/>
   <p:notesSz cx="6858000" cy="9144000"/>
@@ -243,7 +250,7 @@
           <a:p>
             <a:fld id="{86A94FED-2C35-495D-9716-D20DC0AF5B1D}" type="datetimeFigureOut">
               <a:rPr lang="pt-BR" smtClean="0"/>
-              <a:t>16/04/2024</a:t>
+              <a:t>13/08/2025</a:t>
             </a:fld>
             <a:endParaRPr lang="pt-BR"/>
           </a:p>
@@ -413,7 +420,7 @@
           <a:p>
             <a:fld id="{86A94FED-2C35-495D-9716-D20DC0AF5B1D}" type="datetimeFigureOut">
               <a:rPr lang="pt-BR" smtClean="0"/>
-              <a:t>16/04/2024</a:t>
+              <a:t>13/08/2025</a:t>
             </a:fld>
             <a:endParaRPr lang="pt-BR"/>
           </a:p>
@@ -593,7 +600,7 @@
           <a:p>
             <a:fld id="{86A94FED-2C35-495D-9716-D20DC0AF5B1D}" type="datetimeFigureOut">
               <a:rPr lang="pt-BR" smtClean="0"/>
-              <a:t>16/04/2024</a:t>
+              <a:t>13/08/2025</a:t>
             </a:fld>
             <a:endParaRPr lang="pt-BR"/>
           </a:p>
@@ -763,7 +770,7 @@
           <a:p>
             <a:fld id="{86A94FED-2C35-495D-9716-D20DC0AF5B1D}" type="datetimeFigureOut">
               <a:rPr lang="pt-BR" smtClean="0"/>
-              <a:t>16/04/2024</a:t>
+              <a:t>13/08/2025</a:t>
             </a:fld>
             <a:endParaRPr lang="pt-BR"/>
           </a:p>
@@ -1007,7 +1014,7 @@
           <a:p>
             <a:fld id="{86A94FED-2C35-495D-9716-D20DC0AF5B1D}" type="datetimeFigureOut">
               <a:rPr lang="pt-BR" smtClean="0"/>
-              <a:t>16/04/2024</a:t>
+              <a:t>13/08/2025</a:t>
             </a:fld>
             <a:endParaRPr lang="pt-BR"/>
           </a:p>
@@ -1239,7 +1246,7 @@
           <a:p>
             <a:fld id="{86A94FED-2C35-495D-9716-D20DC0AF5B1D}" type="datetimeFigureOut">
               <a:rPr lang="pt-BR" smtClean="0"/>
-              <a:t>16/04/2024</a:t>
+              <a:t>13/08/2025</a:t>
             </a:fld>
             <a:endParaRPr lang="pt-BR"/>
           </a:p>
@@ -1606,7 +1613,7 @@
           <a:p>
             <a:fld id="{86A94FED-2C35-495D-9716-D20DC0AF5B1D}" type="datetimeFigureOut">
               <a:rPr lang="pt-BR" smtClean="0"/>
-              <a:t>16/04/2024</a:t>
+              <a:t>13/08/2025</a:t>
             </a:fld>
             <a:endParaRPr lang="pt-BR"/>
           </a:p>
@@ -1724,7 +1731,7 @@
           <a:p>
             <a:fld id="{86A94FED-2C35-495D-9716-D20DC0AF5B1D}" type="datetimeFigureOut">
               <a:rPr lang="pt-BR" smtClean="0"/>
-              <a:t>16/04/2024</a:t>
+              <a:t>13/08/2025</a:t>
             </a:fld>
             <a:endParaRPr lang="pt-BR"/>
           </a:p>
@@ -1819,7 +1826,7 @@
           <a:p>
             <a:fld id="{86A94FED-2C35-495D-9716-D20DC0AF5B1D}" type="datetimeFigureOut">
               <a:rPr lang="pt-BR" smtClean="0"/>
-              <a:t>16/04/2024</a:t>
+              <a:t>13/08/2025</a:t>
             </a:fld>
             <a:endParaRPr lang="pt-BR"/>
           </a:p>
@@ -2096,7 +2103,7 @@
           <a:p>
             <a:fld id="{86A94FED-2C35-495D-9716-D20DC0AF5B1D}" type="datetimeFigureOut">
               <a:rPr lang="pt-BR" smtClean="0"/>
-              <a:t>16/04/2024</a:t>
+              <a:t>13/08/2025</a:t>
             </a:fld>
             <a:endParaRPr lang="pt-BR"/>
           </a:p>
@@ -2353,7 +2360,7 @@
           <a:p>
             <a:fld id="{86A94FED-2C35-495D-9716-D20DC0AF5B1D}" type="datetimeFigureOut">
               <a:rPr lang="pt-BR" smtClean="0"/>
-              <a:t>16/04/2024</a:t>
+              <a:t>13/08/2025</a:t>
             </a:fld>
             <a:endParaRPr lang="pt-BR"/>
           </a:p>
@@ -2566,7 +2573,7 @@
           <a:p>
             <a:fld id="{86A94FED-2C35-495D-9716-D20DC0AF5B1D}" type="datetimeFigureOut">
               <a:rPr lang="pt-BR" smtClean="0"/>
-              <a:t>16/04/2024</a:t>
+              <a:t>13/08/2025</a:t>
             </a:fld>
             <a:endParaRPr lang="pt-BR"/>
           </a:p>
@@ -2973,10 +2980,6812 @@
       </p:grpSpPr>
       <p:pic>
         <p:nvPicPr>
+          <p:cNvPr id="3" name="Gráfico 2">
+            <a:extLst>
+              <a:ext uri="{FF2B5EF4-FFF2-40B4-BE49-F238E27FC236}">
+                <a16:creationId xmlns:a16="http://schemas.microsoft.com/office/drawing/2014/main" id="{8C0CC3D8-F27F-2361-D78A-DC7413C52435}"/>
+              </a:ext>
+            </a:extLst>
+          </p:cNvPr>
+          <p:cNvPicPr>
+            <a:picLocks noChangeAspect="1"/>
+          </p:cNvPicPr>
+          <p:nvPr/>
+        </p:nvPicPr>
+        <p:blipFill>
+          <a:blip r:embed="rId2">
+            <a:extLst>
+              <a:ext uri="{96DAC541-7B7A-43D3-8B79-37D633B846F1}">
+                <asvg:svgBlip xmlns:asvg="http://schemas.microsoft.com/office/drawing/2016/SVG/main" r:embed="rId3"/>
+              </a:ext>
+            </a:extLst>
+          </a:blip>
+          <a:stretch>
+            <a:fillRect/>
+          </a:stretch>
+        </p:blipFill>
+        <p:spPr>
+          <a:xfrm>
+            <a:off x="714" y="0"/>
+            <a:ext cx="12381072" cy="9525000"/>
+          </a:xfrm>
+          <a:prstGeom prst="rect">
+            <a:avLst/>
+          </a:prstGeom>
+        </p:spPr>
+      </p:pic>
+      <p:sp>
+        <p:nvSpPr>
+          <p:cNvPr id="8" name="Retângulo: Cantos Arredondados 7">
+            <a:extLst>
+              <a:ext uri="{FF2B5EF4-FFF2-40B4-BE49-F238E27FC236}">
+                <a16:creationId xmlns:a16="http://schemas.microsoft.com/office/drawing/2014/main" id="{A5743FF6-52B8-DF22-7468-C44F801CF777}"/>
+              </a:ext>
+            </a:extLst>
+          </p:cNvPr>
+          <p:cNvSpPr/>
+          <p:nvPr/>
+        </p:nvSpPr>
+        <p:spPr>
+          <a:xfrm>
+            <a:off x="152729" y="2701880"/>
+            <a:ext cx="1112109" cy="514350"/>
+          </a:xfrm>
+          <a:prstGeom prst="roundRect">
+            <a:avLst/>
+          </a:prstGeom>
+          <a:noFill/>
+          <a:ln>
+            <a:solidFill>
+              <a:schemeClr val="bg1"/>
+            </a:solidFill>
+          </a:ln>
+          <a:effectLst>
+            <a:outerShdw blurRad="50800" dist="38100" dir="2700000" algn="tl" rotWithShape="0">
+              <a:prstClr val="black">
+                <a:alpha val="40000"/>
+              </a:prstClr>
+            </a:outerShdw>
+          </a:effectLst>
+        </p:spPr>
+        <p:style>
+          <a:lnRef idx="1">
+            <a:schemeClr val="accent5"/>
+          </a:lnRef>
+          <a:fillRef idx="2">
+            <a:schemeClr val="accent5"/>
+          </a:fillRef>
+          <a:effectRef idx="1">
+            <a:schemeClr val="accent5"/>
+          </a:effectRef>
+          <a:fontRef idx="minor">
+            <a:schemeClr val="dk1"/>
+          </a:fontRef>
+        </p:style>
+        <p:txBody>
+          <a:bodyPr rtlCol="0" anchor="ctr"/>
+          <a:lstStyle/>
+          <a:p>
+            <a:pPr algn="ctr"/>
+            <a:endParaRPr lang="pt-BR"/>
+          </a:p>
+        </p:txBody>
+      </p:sp>
+      <p:sp>
+        <p:nvSpPr>
+          <p:cNvPr id="9" name="Retângulo: Cantos Arredondados 8">
+            <a:extLst>
+              <a:ext uri="{FF2B5EF4-FFF2-40B4-BE49-F238E27FC236}">
+                <a16:creationId xmlns:a16="http://schemas.microsoft.com/office/drawing/2014/main" id="{28F78B5F-1A7E-A98F-665E-814ABC9B77B7}"/>
+              </a:ext>
+            </a:extLst>
+          </p:cNvPr>
+          <p:cNvSpPr/>
+          <p:nvPr/>
+        </p:nvSpPr>
+        <p:spPr>
+          <a:xfrm>
+            <a:off x="152729" y="3376106"/>
+            <a:ext cx="1112109" cy="514350"/>
+          </a:xfrm>
+          <a:prstGeom prst="roundRect">
+            <a:avLst/>
+          </a:prstGeom>
+          <a:noFill/>
+          <a:ln>
+            <a:solidFill>
+              <a:schemeClr val="bg1"/>
+            </a:solidFill>
+          </a:ln>
+          <a:effectLst>
+            <a:outerShdw blurRad="50800" dist="38100" dir="2700000" algn="tl" rotWithShape="0">
+              <a:prstClr val="black">
+                <a:alpha val="40000"/>
+              </a:prstClr>
+            </a:outerShdw>
+          </a:effectLst>
+        </p:spPr>
+        <p:style>
+          <a:lnRef idx="1">
+            <a:schemeClr val="accent5"/>
+          </a:lnRef>
+          <a:fillRef idx="2">
+            <a:schemeClr val="accent5"/>
+          </a:fillRef>
+          <a:effectRef idx="1">
+            <a:schemeClr val="accent5"/>
+          </a:effectRef>
+          <a:fontRef idx="minor">
+            <a:schemeClr val="dk1"/>
+          </a:fontRef>
+        </p:style>
+        <p:txBody>
+          <a:bodyPr rtlCol="0" anchor="ctr"/>
+          <a:lstStyle/>
+          <a:p>
+            <a:pPr algn="ctr"/>
+            <a:endParaRPr lang="pt-BR"/>
+          </a:p>
+        </p:txBody>
+      </p:sp>
+      <p:sp>
+        <p:nvSpPr>
+          <p:cNvPr id="10" name="Retângulo: Cantos Arredondados 9">
+            <a:extLst>
+              <a:ext uri="{FF2B5EF4-FFF2-40B4-BE49-F238E27FC236}">
+                <a16:creationId xmlns:a16="http://schemas.microsoft.com/office/drawing/2014/main" id="{6CE0C088-7327-1534-50D2-BE616463C996}"/>
+              </a:ext>
+            </a:extLst>
+          </p:cNvPr>
+          <p:cNvSpPr/>
+          <p:nvPr/>
+        </p:nvSpPr>
+        <p:spPr>
+          <a:xfrm>
+            <a:off x="152729" y="4713851"/>
+            <a:ext cx="1112109" cy="514350"/>
+          </a:xfrm>
+          <a:prstGeom prst="roundRect">
+            <a:avLst/>
+          </a:prstGeom>
+          <a:noFill/>
+          <a:ln>
+            <a:solidFill>
+              <a:schemeClr val="bg1"/>
+            </a:solidFill>
+          </a:ln>
+          <a:effectLst>
+            <a:outerShdw blurRad="50800" dist="38100" dir="2700000" algn="tl" rotWithShape="0">
+              <a:prstClr val="black">
+                <a:alpha val="40000"/>
+              </a:prstClr>
+            </a:outerShdw>
+          </a:effectLst>
+        </p:spPr>
+        <p:style>
+          <a:lnRef idx="1">
+            <a:schemeClr val="accent5"/>
+          </a:lnRef>
+          <a:fillRef idx="2">
+            <a:schemeClr val="accent5"/>
+          </a:fillRef>
+          <a:effectRef idx="1">
+            <a:schemeClr val="accent5"/>
+          </a:effectRef>
+          <a:fontRef idx="minor">
+            <a:schemeClr val="dk1"/>
+          </a:fontRef>
+        </p:style>
+        <p:txBody>
+          <a:bodyPr rtlCol="0" anchor="ctr"/>
+          <a:lstStyle/>
+          <a:p>
+            <a:pPr algn="ctr"/>
+            <a:endParaRPr lang="pt-BR"/>
+          </a:p>
+        </p:txBody>
+      </p:sp>
+      <p:sp>
+        <p:nvSpPr>
+          <p:cNvPr id="11" name="Retângulo: Cantos Arredondados 10">
+            <a:extLst>
+              <a:ext uri="{FF2B5EF4-FFF2-40B4-BE49-F238E27FC236}">
+                <a16:creationId xmlns:a16="http://schemas.microsoft.com/office/drawing/2014/main" id="{F11CBFC4-9274-EF5C-1A99-6E2B0EFC4619}"/>
+              </a:ext>
+            </a:extLst>
+          </p:cNvPr>
+          <p:cNvSpPr/>
+          <p:nvPr/>
+        </p:nvSpPr>
+        <p:spPr>
+          <a:xfrm>
+            <a:off x="152729" y="4039625"/>
+            <a:ext cx="1112109" cy="514350"/>
+          </a:xfrm>
+          <a:prstGeom prst="roundRect">
+            <a:avLst/>
+          </a:prstGeom>
+          <a:noFill/>
+          <a:ln>
+            <a:solidFill>
+              <a:schemeClr val="bg1"/>
+            </a:solidFill>
+          </a:ln>
+          <a:effectLst>
+            <a:outerShdw blurRad="50800" dist="38100" dir="2700000" algn="tl" rotWithShape="0">
+              <a:prstClr val="black">
+                <a:alpha val="40000"/>
+              </a:prstClr>
+            </a:outerShdw>
+          </a:effectLst>
+        </p:spPr>
+        <p:style>
+          <a:lnRef idx="1">
+            <a:schemeClr val="accent5"/>
+          </a:lnRef>
+          <a:fillRef idx="2">
+            <a:schemeClr val="accent5"/>
+          </a:fillRef>
+          <a:effectRef idx="1">
+            <a:schemeClr val="accent5"/>
+          </a:effectRef>
+          <a:fontRef idx="minor">
+            <a:schemeClr val="dk1"/>
+          </a:fontRef>
+        </p:style>
+        <p:txBody>
+          <a:bodyPr rtlCol="0" anchor="ctr"/>
+          <a:lstStyle/>
+          <a:p>
+            <a:pPr algn="ctr"/>
+            <a:endParaRPr lang="pt-BR" dirty="0"/>
+          </a:p>
+        </p:txBody>
+      </p:sp>
+      <p:sp>
+        <p:nvSpPr>
+          <p:cNvPr id="12" name="Retângulo: Cantos Arredondados 11">
+            <a:extLst>
+              <a:ext uri="{FF2B5EF4-FFF2-40B4-BE49-F238E27FC236}">
+                <a16:creationId xmlns:a16="http://schemas.microsoft.com/office/drawing/2014/main" id="{01BD7CC7-7C18-657C-448E-A51AC6B1EE09}"/>
+              </a:ext>
+            </a:extLst>
+          </p:cNvPr>
+          <p:cNvSpPr/>
+          <p:nvPr/>
+        </p:nvSpPr>
+        <p:spPr>
+          <a:xfrm>
+            <a:off x="136914" y="2042195"/>
+            <a:ext cx="1112109" cy="447675"/>
+          </a:xfrm>
+          <a:prstGeom prst="roundRect">
+            <a:avLst/>
+          </a:prstGeom>
+          <a:noFill/>
+          <a:ln>
+            <a:solidFill>
+              <a:schemeClr val="bg1"/>
+            </a:solidFill>
+          </a:ln>
+          <a:effectLst>
+            <a:outerShdw blurRad="50800" dist="38100" dir="2700000" algn="tl" rotWithShape="0">
+              <a:prstClr val="black">
+                <a:alpha val="40000"/>
+              </a:prstClr>
+            </a:outerShdw>
+          </a:effectLst>
+        </p:spPr>
+        <p:style>
+          <a:lnRef idx="1">
+            <a:schemeClr val="accent5"/>
+          </a:lnRef>
+          <a:fillRef idx="2">
+            <a:schemeClr val="accent5"/>
+          </a:fillRef>
+          <a:effectRef idx="1">
+            <a:schemeClr val="accent5"/>
+          </a:effectRef>
+          <a:fontRef idx="minor">
+            <a:schemeClr val="dk1"/>
+          </a:fontRef>
+        </p:style>
+        <p:txBody>
+          <a:bodyPr rtlCol="0" anchor="ctr"/>
+          <a:lstStyle/>
+          <a:p>
+            <a:pPr algn="ctr"/>
+            <a:endParaRPr lang="pt-BR" dirty="0"/>
+          </a:p>
+        </p:txBody>
+      </p:sp>
+      <p:sp>
+        <p:nvSpPr>
+          <p:cNvPr id="13" name="Retângulo: Cantos Arredondados 12">
+            <a:extLst>
+              <a:ext uri="{FF2B5EF4-FFF2-40B4-BE49-F238E27FC236}">
+                <a16:creationId xmlns:a16="http://schemas.microsoft.com/office/drawing/2014/main" id="{EC23B424-7F9A-89C1-CCA1-3E30A950EEA6}"/>
+              </a:ext>
+            </a:extLst>
+          </p:cNvPr>
+          <p:cNvSpPr/>
+          <p:nvPr/>
+        </p:nvSpPr>
+        <p:spPr>
+          <a:xfrm>
+            <a:off x="83038" y="147504"/>
+            <a:ext cx="1314450" cy="1524000"/>
+          </a:xfrm>
+          <a:prstGeom prst="roundRect">
+            <a:avLst/>
+          </a:prstGeom>
+          <a:noFill/>
+          <a:ln>
+            <a:solidFill>
+              <a:schemeClr val="bg1"/>
+            </a:solidFill>
+          </a:ln>
+          <a:effectLst>
+            <a:outerShdw blurRad="50800" dist="38100" dir="2700000" algn="tl" rotWithShape="0">
+              <a:prstClr val="black">
+                <a:alpha val="40000"/>
+              </a:prstClr>
+            </a:outerShdw>
+          </a:effectLst>
+        </p:spPr>
+        <p:style>
+          <a:lnRef idx="1">
+            <a:schemeClr val="accent5"/>
+          </a:lnRef>
+          <a:fillRef idx="2">
+            <a:schemeClr val="accent5"/>
+          </a:fillRef>
+          <a:effectRef idx="1">
+            <a:schemeClr val="accent5"/>
+          </a:effectRef>
+          <a:fontRef idx="minor">
+            <a:schemeClr val="dk1"/>
+          </a:fontRef>
+        </p:style>
+        <p:txBody>
+          <a:bodyPr rtlCol="0" anchor="ctr"/>
+          <a:lstStyle/>
+          <a:p>
+            <a:pPr algn="ctr"/>
+            <a:endParaRPr lang="pt-BR" dirty="0"/>
+          </a:p>
+        </p:txBody>
+      </p:sp>
+      <p:sp>
+        <p:nvSpPr>
+          <p:cNvPr id="4" name="Retângulo: Cantos Arredondados 3">
+            <a:extLst>
+              <a:ext uri="{FF2B5EF4-FFF2-40B4-BE49-F238E27FC236}">
+                <a16:creationId xmlns:a16="http://schemas.microsoft.com/office/drawing/2014/main" id="{FE309DE6-961E-D062-F4AC-71F2B0336637}"/>
+              </a:ext>
+            </a:extLst>
+          </p:cNvPr>
+          <p:cNvSpPr/>
+          <p:nvPr/>
+        </p:nvSpPr>
+        <p:spPr>
+          <a:xfrm>
+            <a:off x="9369814" y="780916"/>
+            <a:ext cx="1104900" cy="381000"/>
+          </a:xfrm>
+          <a:prstGeom prst="roundRect">
+            <a:avLst/>
+          </a:prstGeom>
+          <a:solidFill>
+            <a:schemeClr val="bg1"/>
+          </a:solidFill>
+          <a:ln/>
+          <a:effectLst>
+            <a:outerShdw blurRad="50800" dist="38100" dir="2700000" algn="tl" rotWithShape="0">
+              <a:prstClr val="black">
+                <a:alpha val="40000"/>
+              </a:prstClr>
+            </a:outerShdw>
+          </a:effectLst>
+        </p:spPr>
+        <p:style>
+          <a:lnRef idx="1">
+            <a:schemeClr val="accent5"/>
+          </a:lnRef>
+          <a:fillRef idx="2">
+            <a:schemeClr val="accent5"/>
+          </a:fillRef>
+          <a:effectRef idx="1">
+            <a:schemeClr val="accent5"/>
+          </a:effectRef>
+          <a:fontRef idx="minor">
+            <a:schemeClr val="dk1"/>
+          </a:fontRef>
+        </p:style>
+        <p:txBody>
+          <a:bodyPr rtlCol="0" anchor="ctr"/>
+          <a:lstStyle/>
+          <a:p>
+            <a:pPr algn="ctr"/>
+            <a:endParaRPr lang="pt-BR" dirty="0"/>
+          </a:p>
+        </p:txBody>
+      </p:sp>
+      <p:sp>
+        <p:nvSpPr>
+          <p:cNvPr id="6" name="Retângulo: Cantos Arredondados 5">
+            <a:extLst>
+              <a:ext uri="{FF2B5EF4-FFF2-40B4-BE49-F238E27FC236}">
+                <a16:creationId xmlns:a16="http://schemas.microsoft.com/office/drawing/2014/main" id="{AE73511A-CB89-9A4A-BBA1-FEB159176396}"/>
+              </a:ext>
+            </a:extLst>
+          </p:cNvPr>
+          <p:cNvSpPr/>
+          <p:nvPr/>
+        </p:nvSpPr>
+        <p:spPr>
+          <a:xfrm>
+            <a:off x="10563614" y="780916"/>
+            <a:ext cx="1104900" cy="381000"/>
+          </a:xfrm>
+          <a:prstGeom prst="roundRect">
+            <a:avLst/>
+          </a:prstGeom>
+          <a:solidFill>
+            <a:schemeClr val="bg1"/>
+          </a:solidFill>
+          <a:ln/>
+          <a:effectLst>
+            <a:outerShdw blurRad="50800" dist="38100" dir="2700000" algn="tl" rotWithShape="0">
+              <a:prstClr val="black">
+                <a:alpha val="40000"/>
+              </a:prstClr>
+            </a:outerShdw>
+          </a:effectLst>
+        </p:spPr>
+        <p:style>
+          <a:lnRef idx="1">
+            <a:schemeClr val="accent5"/>
+          </a:lnRef>
+          <a:fillRef idx="2">
+            <a:schemeClr val="accent5"/>
+          </a:fillRef>
+          <a:effectRef idx="1">
+            <a:schemeClr val="accent5"/>
+          </a:effectRef>
+          <a:fontRef idx="minor">
+            <a:schemeClr val="dk1"/>
+          </a:fontRef>
+        </p:style>
+        <p:txBody>
+          <a:bodyPr rtlCol="0" anchor="ctr"/>
+          <a:lstStyle/>
+          <a:p>
+            <a:pPr algn="ctr"/>
+            <a:endParaRPr lang="pt-BR" dirty="0"/>
+          </a:p>
+        </p:txBody>
+      </p:sp>
+      <p:sp>
+        <p:nvSpPr>
+          <p:cNvPr id="2" name="Retângulo: Cantos Arredondados 1">
+            <a:extLst>
+              <a:ext uri="{FF2B5EF4-FFF2-40B4-BE49-F238E27FC236}">
+                <a16:creationId xmlns:a16="http://schemas.microsoft.com/office/drawing/2014/main" id="{10851AEB-70C3-698A-B7C6-0D5B9844F5F9}"/>
+              </a:ext>
+            </a:extLst>
+          </p:cNvPr>
+          <p:cNvSpPr/>
+          <p:nvPr/>
+        </p:nvSpPr>
+        <p:spPr>
+          <a:xfrm>
+            <a:off x="1486388" y="147504"/>
+            <a:ext cx="1333500" cy="1524000"/>
+          </a:xfrm>
+          <a:prstGeom prst="roundRect">
+            <a:avLst/>
+          </a:prstGeom>
+          <a:noFill/>
+          <a:ln>
+            <a:solidFill>
+              <a:schemeClr val="bg1"/>
+            </a:solidFill>
+          </a:ln>
+          <a:effectLst>
+            <a:outerShdw blurRad="50800" dist="38100" dir="2700000" algn="tl" rotWithShape="0">
+              <a:prstClr val="black">
+                <a:alpha val="40000"/>
+              </a:prstClr>
+            </a:outerShdw>
+          </a:effectLst>
+        </p:spPr>
+        <p:style>
+          <a:lnRef idx="1">
+            <a:schemeClr val="accent5"/>
+          </a:lnRef>
+          <a:fillRef idx="2">
+            <a:schemeClr val="accent5"/>
+          </a:fillRef>
+          <a:effectRef idx="1">
+            <a:schemeClr val="accent5"/>
+          </a:effectRef>
+          <a:fontRef idx="minor">
+            <a:schemeClr val="dk1"/>
+          </a:fontRef>
+        </p:style>
+        <p:txBody>
+          <a:bodyPr rtlCol="0" anchor="ctr"/>
+          <a:lstStyle/>
+          <a:p>
+            <a:pPr algn="ctr"/>
+            <a:endParaRPr lang="pt-BR" dirty="0"/>
+          </a:p>
+        </p:txBody>
+      </p:sp>
+    </p:spTree>
+    <p:extLst>
+      <p:ext uri="{BB962C8B-B14F-4D97-AF65-F5344CB8AC3E}">
+        <p14:creationId xmlns:p14="http://schemas.microsoft.com/office/powerpoint/2010/main" val="3090787106"/>
+      </p:ext>
+    </p:extLst>
+  </p:cSld>
+  <p:clrMapOvr>
+    <a:masterClrMapping/>
+  </p:clrMapOvr>
+</p:sld>
+</file>
+
+<file path=ppt/slides/slide2.xml><?xml version="1.0" encoding="utf-8"?>
+<p:sld xmlns:a="http://schemas.openxmlformats.org/drawingml/2006/main" xmlns:r="http://schemas.openxmlformats.org/officeDocument/2006/relationships" xmlns:p="http://schemas.openxmlformats.org/presentationml/2006/main">
+  <p:cSld>
+    <p:spTree>
+      <p:nvGrpSpPr>
+        <p:cNvPr id="1" name="">
+          <a:extLst>
+            <a:ext uri="{FF2B5EF4-FFF2-40B4-BE49-F238E27FC236}">
+              <a16:creationId xmlns:a16="http://schemas.microsoft.com/office/drawing/2014/main" id="{31112F04-0015-333A-6B3B-00E2C1D1641E}"/>
+            </a:ext>
+          </a:extLst>
+        </p:cNvPr>
+        <p:cNvGrpSpPr/>
+        <p:nvPr/>
+      </p:nvGrpSpPr>
+      <p:grpSpPr>
+        <a:xfrm>
+          <a:off x="0" y="0"/>
+          <a:ext cx="0" cy="0"/>
+          <a:chOff x="0" y="0"/>
+          <a:chExt cx="0" cy="0"/>
+        </a:xfrm>
+      </p:grpSpPr>
+      <p:pic>
+        <p:nvPicPr>
+          <p:cNvPr id="3" name="Gráfico 2">
+            <a:extLst>
+              <a:ext uri="{FF2B5EF4-FFF2-40B4-BE49-F238E27FC236}">
+                <a16:creationId xmlns:a16="http://schemas.microsoft.com/office/drawing/2014/main" id="{04496A37-D59B-BC10-1848-A2B8D1A1C207}"/>
+              </a:ext>
+            </a:extLst>
+          </p:cNvPr>
+          <p:cNvPicPr>
+            <a:picLocks noChangeAspect="1"/>
+          </p:cNvPicPr>
+          <p:nvPr/>
+        </p:nvPicPr>
+        <p:blipFill>
+          <a:blip r:embed="rId2">
+            <a:extLst>
+              <a:ext uri="{96DAC541-7B7A-43D3-8B79-37D633B846F1}">
+                <asvg:svgBlip xmlns:asvg="http://schemas.microsoft.com/office/drawing/2016/SVG/main" r:embed="rId3"/>
+              </a:ext>
+            </a:extLst>
+          </a:blip>
+          <a:stretch>
+            <a:fillRect/>
+          </a:stretch>
+        </p:blipFill>
+        <p:spPr>
+          <a:xfrm>
+            <a:off x="714" y="0"/>
+            <a:ext cx="12382500" cy="9525000"/>
+          </a:xfrm>
+          <a:prstGeom prst="rect">
+            <a:avLst/>
+          </a:prstGeom>
+        </p:spPr>
+      </p:pic>
+      <p:sp>
+        <p:nvSpPr>
+          <p:cNvPr id="16" name="Retângulo: Cantos Arredondados 15">
+            <a:extLst>
+              <a:ext uri="{FF2B5EF4-FFF2-40B4-BE49-F238E27FC236}">
+                <a16:creationId xmlns:a16="http://schemas.microsoft.com/office/drawing/2014/main" id="{4A54B505-7ED3-7434-CDF6-81ECE89F5467}"/>
+              </a:ext>
+            </a:extLst>
+          </p:cNvPr>
+          <p:cNvSpPr/>
+          <p:nvPr/>
+        </p:nvSpPr>
+        <p:spPr>
+          <a:xfrm>
+            <a:off x="91441" y="68312"/>
+            <a:ext cx="1714500" cy="1701917"/>
+          </a:xfrm>
+          <a:prstGeom prst="roundRect">
+            <a:avLst/>
+          </a:prstGeom>
+          <a:solidFill>
+            <a:schemeClr val="bg1"/>
+          </a:solidFill>
+          <a:ln/>
+          <a:effectLst>
+            <a:outerShdw blurRad="50800" dist="38100" dir="2700000" algn="tl" rotWithShape="0">
+              <a:prstClr val="black">
+                <a:alpha val="40000"/>
+              </a:prstClr>
+            </a:outerShdw>
+          </a:effectLst>
+        </p:spPr>
+        <p:style>
+          <a:lnRef idx="1">
+            <a:schemeClr val="accent5"/>
+          </a:lnRef>
+          <a:fillRef idx="2">
+            <a:schemeClr val="accent5"/>
+          </a:fillRef>
+          <a:effectRef idx="1">
+            <a:schemeClr val="accent5"/>
+          </a:effectRef>
+          <a:fontRef idx="minor">
+            <a:schemeClr val="dk1"/>
+          </a:fontRef>
+        </p:style>
+        <p:txBody>
+          <a:bodyPr rtlCol="0" anchor="ctr"/>
+          <a:lstStyle/>
+          <a:p>
+            <a:pPr algn="ctr"/>
+            <a:endParaRPr lang="pt-BR" dirty="0"/>
+          </a:p>
+        </p:txBody>
+      </p:sp>
+      <p:sp>
+        <p:nvSpPr>
+          <p:cNvPr id="17" name="Retângulo: Cantos Arredondados 16">
+            <a:extLst>
+              <a:ext uri="{FF2B5EF4-FFF2-40B4-BE49-F238E27FC236}">
+                <a16:creationId xmlns:a16="http://schemas.microsoft.com/office/drawing/2014/main" id="{15AB12C5-66D6-7141-4898-B46899E460B1}"/>
+              </a:ext>
+            </a:extLst>
+          </p:cNvPr>
+          <p:cNvSpPr/>
+          <p:nvPr/>
+        </p:nvSpPr>
+        <p:spPr>
+          <a:xfrm>
+            <a:off x="73922" y="1515950"/>
+            <a:ext cx="1101600" cy="357358"/>
+          </a:xfrm>
+          <a:prstGeom prst="roundRect">
+            <a:avLst/>
+          </a:prstGeom>
+          <a:solidFill>
+            <a:schemeClr val="bg1"/>
+          </a:solidFill>
+          <a:ln/>
+          <a:effectLst>
+            <a:outerShdw blurRad="50800" dist="38100" dir="2700000" algn="tl" rotWithShape="0">
+              <a:prstClr val="black">
+                <a:alpha val="40000"/>
+              </a:prstClr>
+            </a:outerShdw>
+          </a:effectLst>
+        </p:spPr>
+        <p:style>
+          <a:lnRef idx="1">
+            <a:schemeClr val="accent5"/>
+          </a:lnRef>
+          <a:fillRef idx="2">
+            <a:schemeClr val="accent5"/>
+          </a:fillRef>
+          <a:effectRef idx="1">
+            <a:schemeClr val="accent5"/>
+          </a:effectRef>
+          <a:fontRef idx="minor">
+            <a:schemeClr val="dk1"/>
+          </a:fontRef>
+        </p:style>
+        <p:txBody>
+          <a:bodyPr rtlCol="0" anchor="ctr"/>
+          <a:lstStyle/>
+          <a:p>
+            <a:pPr algn="ctr"/>
+            <a:endParaRPr lang="pt-BR" dirty="0"/>
+          </a:p>
+        </p:txBody>
+      </p:sp>
+      <p:sp>
+        <p:nvSpPr>
+          <p:cNvPr id="22" name="Retângulo: Cantos Arredondados 21">
+            <a:extLst>
+              <a:ext uri="{FF2B5EF4-FFF2-40B4-BE49-F238E27FC236}">
+                <a16:creationId xmlns:a16="http://schemas.microsoft.com/office/drawing/2014/main" id="{CB7A7DF8-DC12-5F54-AD0D-4A08FC2CABF7}"/>
+              </a:ext>
+            </a:extLst>
+          </p:cNvPr>
+          <p:cNvSpPr/>
+          <p:nvPr/>
+        </p:nvSpPr>
+        <p:spPr>
+          <a:xfrm>
+            <a:off x="91441" y="1978166"/>
+            <a:ext cx="1101600" cy="357358"/>
+          </a:xfrm>
+          <a:prstGeom prst="roundRect">
+            <a:avLst/>
+          </a:prstGeom>
+          <a:solidFill>
+            <a:schemeClr val="bg1"/>
+          </a:solidFill>
+          <a:ln/>
+          <a:effectLst>
+            <a:outerShdw blurRad="50800" dist="38100" dir="2700000" algn="tl" rotWithShape="0">
+              <a:prstClr val="black">
+                <a:alpha val="40000"/>
+              </a:prstClr>
+            </a:outerShdw>
+          </a:effectLst>
+        </p:spPr>
+        <p:style>
+          <a:lnRef idx="1">
+            <a:schemeClr val="accent5"/>
+          </a:lnRef>
+          <a:fillRef idx="2">
+            <a:schemeClr val="accent5"/>
+          </a:fillRef>
+          <a:effectRef idx="1">
+            <a:schemeClr val="accent5"/>
+          </a:effectRef>
+          <a:fontRef idx="minor">
+            <a:schemeClr val="dk1"/>
+          </a:fontRef>
+        </p:style>
+        <p:txBody>
+          <a:bodyPr rtlCol="0" anchor="ctr"/>
+          <a:lstStyle/>
+          <a:p>
+            <a:pPr algn="ctr"/>
+            <a:endParaRPr lang="pt-BR" dirty="0"/>
+          </a:p>
+        </p:txBody>
+      </p:sp>
+      <p:sp>
+        <p:nvSpPr>
+          <p:cNvPr id="23" name="Retângulo: Cantos Arredondados 22">
+            <a:extLst>
+              <a:ext uri="{FF2B5EF4-FFF2-40B4-BE49-F238E27FC236}">
+                <a16:creationId xmlns:a16="http://schemas.microsoft.com/office/drawing/2014/main" id="{4DB65438-6314-57E8-90BF-00E2EA3CB1B0}"/>
+              </a:ext>
+            </a:extLst>
+          </p:cNvPr>
+          <p:cNvSpPr/>
+          <p:nvPr/>
+        </p:nvSpPr>
+        <p:spPr>
+          <a:xfrm>
+            <a:off x="91441" y="2455800"/>
+            <a:ext cx="1101600" cy="357358"/>
+          </a:xfrm>
+          <a:prstGeom prst="roundRect">
+            <a:avLst/>
+          </a:prstGeom>
+          <a:solidFill>
+            <a:schemeClr val="bg1"/>
+          </a:solidFill>
+          <a:ln/>
+          <a:effectLst>
+            <a:outerShdw blurRad="50800" dist="38100" dir="2700000" algn="tl" rotWithShape="0">
+              <a:prstClr val="black">
+                <a:alpha val="40000"/>
+              </a:prstClr>
+            </a:outerShdw>
+          </a:effectLst>
+        </p:spPr>
+        <p:style>
+          <a:lnRef idx="1">
+            <a:schemeClr val="accent5"/>
+          </a:lnRef>
+          <a:fillRef idx="2">
+            <a:schemeClr val="accent5"/>
+          </a:fillRef>
+          <a:effectRef idx="1">
+            <a:schemeClr val="accent5"/>
+          </a:effectRef>
+          <a:fontRef idx="minor">
+            <a:schemeClr val="dk1"/>
+          </a:fontRef>
+        </p:style>
+        <p:txBody>
+          <a:bodyPr rtlCol="0" anchor="ctr"/>
+          <a:lstStyle/>
+          <a:p>
+            <a:pPr algn="ctr"/>
+            <a:endParaRPr lang="pt-BR" dirty="0"/>
+          </a:p>
+        </p:txBody>
+      </p:sp>
+      <p:sp>
+        <p:nvSpPr>
+          <p:cNvPr id="24" name="Retângulo: Cantos Arredondados 23">
+            <a:extLst>
+              <a:ext uri="{FF2B5EF4-FFF2-40B4-BE49-F238E27FC236}">
+                <a16:creationId xmlns:a16="http://schemas.microsoft.com/office/drawing/2014/main" id="{27CA5F2E-C16F-68E8-8552-762E72E9E837}"/>
+              </a:ext>
+            </a:extLst>
+          </p:cNvPr>
+          <p:cNvSpPr/>
+          <p:nvPr/>
+        </p:nvSpPr>
+        <p:spPr>
+          <a:xfrm>
+            <a:off x="91441" y="2953288"/>
+            <a:ext cx="1101600" cy="357358"/>
+          </a:xfrm>
+          <a:prstGeom prst="roundRect">
+            <a:avLst/>
+          </a:prstGeom>
+          <a:solidFill>
+            <a:schemeClr val="bg1"/>
+          </a:solidFill>
+          <a:ln/>
+          <a:effectLst>
+            <a:outerShdw blurRad="50800" dist="38100" dir="2700000" algn="tl" rotWithShape="0">
+              <a:prstClr val="black">
+                <a:alpha val="40000"/>
+              </a:prstClr>
+            </a:outerShdw>
+          </a:effectLst>
+        </p:spPr>
+        <p:style>
+          <a:lnRef idx="1">
+            <a:schemeClr val="accent5"/>
+          </a:lnRef>
+          <a:fillRef idx="2">
+            <a:schemeClr val="accent5"/>
+          </a:fillRef>
+          <a:effectRef idx="1">
+            <a:schemeClr val="accent5"/>
+          </a:effectRef>
+          <a:fontRef idx="minor">
+            <a:schemeClr val="dk1"/>
+          </a:fontRef>
+        </p:style>
+        <p:txBody>
+          <a:bodyPr rtlCol="0" anchor="ctr"/>
+          <a:lstStyle/>
+          <a:p>
+            <a:pPr algn="ctr"/>
+            <a:endParaRPr lang="pt-BR" dirty="0"/>
+          </a:p>
+        </p:txBody>
+      </p:sp>
+      <p:sp>
+        <p:nvSpPr>
+          <p:cNvPr id="25" name="Retângulo: Cantos Arredondados 24">
+            <a:extLst>
+              <a:ext uri="{FF2B5EF4-FFF2-40B4-BE49-F238E27FC236}">
+                <a16:creationId xmlns:a16="http://schemas.microsoft.com/office/drawing/2014/main" id="{132CCF29-222D-56CA-31C2-BA400DFD52D1}"/>
+              </a:ext>
+            </a:extLst>
+          </p:cNvPr>
+          <p:cNvSpPr/>
+          <p:nvPr/>
+        </p:nvSpPr>
+        <p:spPr>
+          <a:xfrm>
+            <a:off x="91441" y="3481072"/>
+            <a:ext cx="1101600" cy="357358"/>
+          </a:xfrm>
+          <a:prstGeom prst="roundRect">
+            <a:avLst/>
+          </a:prstGeom>
+          <a:solidFill>
+            <a:schemeClr val="bg1"/>
+          </a:solidFill>
+          <a:ln/>
+          <a:effectLst>
+            <a:outerShdw blurRad="50800" dist="38100" dir="2700000" algn="tl" rotWithShape="0">
+              <a:prstClr val="black">
+                <a:alpha val="40000"/>
+              </a:prstClr>
+            </a:outerShdw>
+          </a:effectLst>
+        </p:spPr>
+        <p:style>
+          <a:lnRef idx="1">
+            <a:schemeClr val="accent5"/>
+          </a:lnRef>
+          <a:fillRef idx="2">
+            <a:schemeClr val="accent5"/>
+          </a:fillRef>
+          <a:effectRef idx="1">
+            <a:schemeClr val="accent5"/>
+          </a:effectRef>
+          <a:fontRef idx="minor">
+            <a:schemeClr val="dk1"/>
+          </a:fontRef>
+        </p:style>
+        <p:txBody>
+          <a:bodyPr rtlCol="0" anchor="ctr"/>
+          <a:lstStyle/>
+          <a:p>
+            <a:pPr algn="ctr"/>
+            <a:endParaRPr lang="pt-BR" dirty="0"/>
+          </a:p>
+        </p:txBody>
+      </p:sp>
+      <p:sp>
+        <p:nvSpPr>
+          <p:cNvPr id="26" name="Retângulo: Cantos Arredondados 25">
+            <a:extLst>
+              <a:ext uri="{FF2B5EF4-FFF2-40B4-BE49-F238E27FC236}">
+                <a16:creationId xmlns:a16="http://schemas.microsoft.com/office/drawing/2014/main" id="{71BF47DD-792A-1E25-55B0-699F7F2998ED}"/>
+              </a:ext>
+            </a:extLst>
+          </p:cNvPr>
+          <p:cNvSpPr/>
+          <p:nvPr/>
+        </p:nvSpPr>
+        <p:spPr>
+          <a:xfrm>
+            <a:off x="1959515" y="69766"/>
+            <a:ext cx="1857375" cy="813138"/>
+          </a:xfrm>
+          <a:prstGeom prst="roundRect">
+            <a:avLst/>
+          </a:prstGeom>
+          <a:solidFill>
+            <a:schemeClr val="bg1"/>
+          </a:solidFill>
+          <a:ln/>
+          <a:effectLst>
+            <a:outerShdw blurRad="50800" dist="38100" dir="2700000" algn="tl" rotWithShape="0">
+              <a:prstClr val="black">
+                <a:alpha val="40000"/>
+              </a:prstClr>
+            </a:outerShdw>
+          </a:effectLst>
+        </p:spPr>
+        <p:style>
+          <a:lnRef idx="1">
+            <a:schemeClr val="accent5"/>
+          </a:lnRef>
+          <a:fillRef idx="2">
+            <a:schemeClr val="accent5"/>
+          </a:fillRef>
+          <a:effectRef idx="1">
+            <a:schemeClr val="accent5"/>
+          </a:effectRef>
+          <a:fontRef idx="minor">
+            <a:schemeClr val="dk1"/>
+          </a:fontRef>
+        </p:style>
+        <p:txBody>
+          <a:bodyPr rtlCol="0" anchor="ctr"/>
+          <a:lstStyle/>
+          <a:p>
+            <a:pPr algn="ctr"/>
+            <a:endParaRPr lang="pt-BR" dirty="0"/>
+          </a:p>
+        </p:txBody>
+      </p:sp>
+    </p:spTree>
+    <p:extLst>
+      <p:ext uri="{BB962C8B-B14F-4D97-AF65-F5344CB8AC3E}">
+        <p14:creationId xmlns:p14="http://schemas.microsoft.com/office/powerpoint/2010/main" val="1123732695"/>
+      </p:ext>
+    </p:extLst>
+  </p:cSld>
+  <p:clrMapOvr>
+    <a:masterClrMapping/>
+  </p:clrMapOvr>
+</p:sld>
+</file>
+
+<file path=ppt/slides/slide3.xml><?xml version="1.0" encoding="utf-8"?>
+<p:sld xmlns:a="http://schemas.openxmlformats.org/drawingml/2006/main" xmlns:r="http://schemas.openxmlformats.org/officeDocument/2006/relationships" xmlns:p="http://schemas.openxmlformats.org/presentationml/2006/main">
+  <p:cSld>
+    <p:spTree>
+      <p:nvGrpSpPr>
+        <p:cNvPr id="1" name="">
+          <a:extLst>
+            <a:ext uri="{FF2B5EF4-FFF2-40B4-BE49-F238E27FC236}">
+              <a16:creationId xmlns:a16="http://schemas.microsoft.com/office/drawing/2014/main" id="{45F5F59D-BEC8-D1F7-8AEB-009269C5D650}"/>
+            </a:ext>
+          </a:extLst>
+        </p:cNvPr>
+        <p:cNvGrpSpPr/>
+        <p:nvPr/>
+      </p:nvGrpSpPr>
+      <p:grpSpPr>
+        <a:xfrm>
+          <a:off x="0" y="0"/>
+          <a:ext cx="0" cy="0"/>
+          <a:chOff x="0" y="0"/>
+          <a:chExt cx="0" cy="0"/>
+        </a:xfrm>
+      </p:grpSpPr>
+      <p:sp>
+        <p:nvSpPr>
+          <p:cNvPr id="8" name="Retângulo: Cantos Arredondados 7">
+            <a:extLst>
+              <a:ext uri="{FF2B5EF4-FFF2-40B4-BE49-F238E27FC236}">
+                <a16:creationId xmlns:a16="http://schemas.microsoft.com/office/drawing/2014/main" id="{19AB9A95-AF5B-D5CF-1431-847DA73E6433}"/>
+              </a:ext>
+            </a:extLst>
+          </p:cNvPr>
+          <p:cNvSpPr/>
+          <p:nvPr/>
+        </p:nvSpPr>
+        <p:spPr>
+          <a:xfrm>
+            <a:off x="152729" y="2701880"/>
+            <a:ext cx="1112109" cy="514350"/>
+          </a:xfrm>
+          <a:prstGeom prst="roundRect">
+            <a:avLst/>
+          </a:prstGeom>
+          <a:ln/>
+          <a:effectLst>
+            <a:outerShdw blurRad="50800" dist="38100" dir="2700000" algn="tl" rotWithShape="0">
+              <a:prstClr val="black">
+                <a:alpha val="40000"/>
+              </a:prstClr>
+            </a:outerShdw>
+          </a:effectLst>
+        </p:spPr>
+        <p:style>
+          <a:lnRef idx="1">
+            <a:schemeClr val="accent5"/>
+          </a:lnRef>
+          <a:fillRef idx="2">
+            <a:schemeClr val="accent5"/>
+          </a:fillRef>
+          <a:effectRef idx="1">
+            <a:schemeClr val="accent5"/>
+          </a:effectRef>
+          <a:fontRef idx="minor">
+            <a:schemeClr val="dk1"/>
+          </a:fontRef>
+        </p:style>
+        <p:txBody>
+          <a:bodyPr rtlCol="0" anchor="ctr"/>
+          <a:lstStyle/>
+          <a:p>
+            <a:pPr algn="ctr"/>
+            <a:endParaRPr lang="pt-BR"/>
+          </a:p>
+        </p:txBody>
+      </p:sp>
+      <p:sp>
+        <p:nvSpPr>
+          <p:cNvPr id="9" name="Retângulo: Cantos Arredondados 8">
+            <a:extLst>
+              <a:ext uri="{FF2B5EF4-FFF2-40B4-BE49-F238E27FC236}">
+                <a16:creationId xmlns:a16="http://schemas.microsoft.com/office/drawing/2014/main" id="{44892DE8-86C9-B39D-75EA-D2546C68F5B7}"/>
+              </a:ext>
+            </a:extLst>
+          </p:cNvPr>
+          <p:cNvSpPr/>
+          <p:nvPr/>
+        </p:nvSpPr>
+        <p:spPr>
+          <a:xfrm>
+            <a:off x="152729" y="3376106"/>
+            <a:ext cx="1112109" cy="514350"/>
+          </a:xfrm>
+          <a:prstGeom prst="roundRect">
+            <a:avLst/>
+          </a:prstGeom>
+          <a:ln/>
+          <a:effectLst>
+            <a:outerShdw blurRad="50800" dist="38100" dir="2700000" algn="tl" rotWithShape="0">
+              <a:prstClr val="black">
+                <a:alpha val="40000"/>
+              </a:prstClr>
+            </a:outerShdw>
+          </a:effectLst>
+        </p:spPr>
+        <p:style>
+          <a:lnRef idx="1">
+            <a:schemeClr val="accent5"/>
+          </a:lnRef>
+          <a:fillRef idx="2">
+            <a:schemeClr val="accent5"/>
+          </a:fillRef>
+          <a:effectRef idx="1">
+            <a:schemeClr val="accent5"/>
+          </a:effectRef>
+          <a:fontRef idx="minor">
+            <a:schemeClr val="dk1"/>
+          </a:fontRef>
+        </p:style>
+        <p:txBody>
+          <a:bodyPr rtlCol="0" anchor="ctr"/>
+          <a:lstStyle/>
+          <a:p>
+            <a:pPr algn="ctr"/>
+            <a:endParaRPr lang="pt-BR"/>
+          </a:p>
+        </p:txBody>
+      </p:sp>
+      <p:sp>
+        <p:nvSpPr>
+          <p:cNvPr id="10" name="Retângulo: Cantos Arredondados 9">
+            <a:extLst>
+              <a:ext uri="{FF2B5EF4-FFF2-40B4-BE49-F238E27FC236}">
+                <a16:creationId xmlns:a16="http://schemas.microsoft.com/office/drawing/2014/main" id="{A0A00A0C-FE8D-3820-4EA9-0634E906B147}"/>
+              </a:ext>
+            </a:extLst>
+          </p:cNvPr>
+          <p:cNvSpPr/>
+          <p:nvPr/>
+        </p:nvSpPr>
+        <p:spPr>
+          <a:xfrm>
+            <a:off x="152729" y="4713851"/>
+            <a:ext cx="1112109" cy="514350"/>
+          </a:xfrm>
+          <a:prstGeom prst="roundRect">
+            <a:avLst/>
+          </a:prstGeom>
+          <a:ln/>
+          <a:effectLst>
+            <a:outerShdw blurRad="50800" dist="38100" dir="2700000" algn="tl" rotWithShape="0">
+              <a:prstClr val="black">
+                <a:alpha val="40000"/>
+              </a:prstClr>
+            </a:outerShdw>
+          </a:effectLst>
+        </p:spPr>
+        <p:style>
+          <a:lnRef idx="1">
+            <a:schemeClr val="accent5"/>
+          </a:lnRef>
+          <a:fillRef idx="2">
+            <a:schemeClr val="accent5"/>
+          </a:fillRef>
+          <a:effectRef idx="1">
+            <a:schemeClr val="accent5"/>
+          </a:effectRef>
+          <a:fontRef idx="minor">
+            <a:schemeClr val="dk1"/>
+          </a:fontRef>
+        </p:style>
+        <p:txBody>
+          <a:bodyPr rtlCol="0" anchor="ctr"/>
+          <a:lstStyle/>
+          <a:p>
+            <a:pPr algn="ctr"/>
+            <a:endParaRPr lang="pt-BR"/>
+          </a:p>
+        </p:txBody>
+      </p:sp>
+      <p:sp>
+        <p:nvSpPr>
+          <p:cNvPr id="11" name="Retângulo: Cantos Arredondados 10">
+            <a:extLst>
+              <a:ext uri="{FF2B5EF4-FFF2-40B4-BE49-F238E27FC236}">
+                <a16:creationId xmlns:a16="http://schemas.microsoft.com/office/drawing/2014/main" id="{BA435281-79FC-DF79-50C2-4750B6205432}"/>
+              </a:ext>
+            </a:extLst>
+          </p:cNvPr>
+          <p:cNvSpPr/>
+          <p:nvPr/>
+        </p:nvSpPr>
+        <p:spPr>
+          <a:xfrm>
+            <a:off x="152729" y="4039625"/>
+            <a:ext cx="1112109" cy="514350"/>
+          </a:xfrm>
+          <a:prstGeom prst="roundRect">
+            <a:avLst/>
+          </a:prstGeom>
+          <a:ln/>
+          <a:effectLst>
+            <a:outerShdw blurRad="50800" dist="38100" dir="2700000" algn="tl" rotWithShape="0">
+              <a:prstClr val="black">
+                <a:alpha val="40000"/>
+              </a:prstClr>
+            </a:outerShdw>
+          </a:effectLst>
+        </p:spPr>
+        <p:style>
+          <a:lnRef idx="1">
+            <a:schemeClr val="accent5"/>
+          </a:lnRef>
+          <a:fillRef idx="2">
+            <a:schemeClr val="accent5"/>
+          </a:fillRef>
+          <a:effectRef idx="1">
+            <a:schemeClr val="accent5"/>
+          </a:effectRef>
+          <a:fontRef idx="minor">
+            <a:schemeClr val="dk1"/>
+          </a:fontRef>
+        </p:style>
+        <p:txBody>
+          <a:bodyPr rtlCol="0" anchor="ctr"/>
+          <a:lstStyle/>
+          <a:p>
+            <a:pPr algn="ctr"/>
+            <a:endParaRPr lang="pt-BR" dirty="0"/>
+          </a:p>
+        </p:txBody>
+      </p:sp>
+      <p:sp>
+        <p:nvSpPr>
+          <p:cNvPr id="12" name="Retângulo: Cantos Arredondados 11">
+            <a:extLst>
+              <a:ext uri="{FF2B5EF4-FFF2-40B4-BE49-F238E27FC236}">
+                <a16:creationId xmlns:a16="http://schemas.microsoft.com/office/drawing/2014/main" id="{ED12830B-65BB-2272-4E60-7D110D6A1F57}"/>
+              </a:ext>
+            </a:extLst>
+          </p:cNvPr>
+          <p:cNvSpPr/>
+          <p:nvPr/>
+        </p:nvSpPr>
+        <p:spPr>
+          <a:xfrm>
+            <a:off x="136914" y="2042195"/>
+            <a:ext cx="1112109" cy="447675"/>
+          </a:xfrm>
+          <a:prstGeom prst="roundRect">
+            <a:avLst/>
+          </a:prstGeom>
+          <a:ln/>
+          <a:effectLst>
+            <a:outerShdw blurRad="50800" dist="38100" dir="2700000" algn="tl" rotWithShape="0">
+              <a:prstClr val="black">
+                <a:alpha val="40000"/>
+              </a:prstClr>
+            </a:outerShdw>
+          </a:effectLst>
+        </p:spPr>
+        <p:style>
+          <a:lnRef idx="1">
+            <a:schemeClr val="accent5"/>
+          </a:lnRef>
+          <a:fillRef idx="2">
+            <a:schemeClr val="accent5"/>
+          </a:fillRef>
+          <a:effectRef idx="1">
+            <a:schemeClr val="accent5"/>
+          </a:effectRef>
+          <a:fontRef idx="minor">
+            <a:schemeClr val="dk1"/>
+          </a:fontRef>
+        </p:style>
+        <p:txBody>
+          <a:bodyPr rtlCol="0" anchor="ctr"/>
+          <a:lstStyle/>
+          <a:p>
+            <a:pPr algn="ctr"/>
+            <a:endParaRPr lang="pt-BR" dirty="0"/>
+          </a:p>
+        </p:txBody>
+      </p:sp>
+      <p:sp>
+        <p:nvSpPr>
+          <p:cNvPr id="13" name="Retângulo: Cantos Arredondados 12">
+            <a:extLst>
+              <a:ext uri="{FF2B5EF4-FFF2-40B4-BE49-F238E27FC236}">
+                <a16:creationId xmlns:a16="http://schemas.microsoft.com/office/drawing/2014/main" id="{1B3CC9C7-FC4A-3F19-D57A-518AD366A70E}"/>
+              </a:ext>
+            </a:extLst>
+          </p:cNvPr>
+          <p:cNvSpPr/>
+          <p:nvPr/>
+        </p:nvSpPr>
+        <p:spPr>
+          <a:xfrm>
+            <a:off x="83038" y="147504"/>
+            <a:ext cx="1809750" cy="1714500"/>
+          </a:xfrm>
+          <a:prstGeom prst="roundRect">
+            <a:avLst/>
+          </a:prstGeom>
+          <a:ln/>
+          <a:effectLst>
+            <a:outerShdw blurRad="50800" dist="38100" dir="2700000" algn="tl" rotWithShape="0">
+              <a:prstClr val="black">
+                <a:alpha val="40000"/>
+              </a:prstClr>
+            </a:outerShdw>
+          </a:effectLst>
+        </p:spPr>
+        <p:style>
+          <a:lnRef idx="1">
+            <a:schemeClr val="accent5"/>
+          </a:lnRef>
+          <a:fillRef idx="2">
+            <a:schemeClr val="accent5"/>
+          </a:fillRef>
+          <a:effectRef idx="1">
+            <a:schemeClr val="accent5"/>
+          </a:effectRef>
+          <a:fontRef idx="minor">
+            <a:schemeClr val="dk1"/>
+          </a:fontRef>
+        </p:style>
+        <p:txBody>
+          <a:bodyPr rtlCol="0" anchor="ctr"/>
+          <a:lstStyle/>
+          <a:p>
+            <a:pPr algn="ctr"/>
+            <a:endParaRPr lang="pt-BR" dirty="0"/>
+          </a:p>
+        </p:txBody>
+      </p:sp>
+      <p:sp>
+        <p:nvSpPr>
+          <p:cNvPr id="16" name="Retângulo: Cantos Arredondados 15">
+            <a:extLst>
+              <a:ext uri="{FF2B5EF4-FFF2-40B4-BE49-F238E27FC236}">
+                <a16:creationId xmlns:a16="http://schemas.microsoft.com/office/drawing/2014/main" id="{7D11006E-63D7-013B-4B2D-744F89B95B28}"/>
+              </a:ext>
+            </a:extLst>
+          </p:cNvPr>
+          <p:cNvSpPr/>
+          <p:nvPr/>
+        </p:nvSpPr>
+        <p:spPr>
+          <a:xfrm>
+            <a:off x="91441" y="68313"/>
+            <a:ext cx="1714500" cy="1714500"/>
+          </a:xfrm>
+          <a:prstGeom prst="roundRect">
+            <a:avLst/>
+          </a:prstGeom>
+          <a:ln/>
+          <a:effectLst>
+            <a:outerShdw blurRad="50800" dist="38100" dir="2700000" algn="tl" rotWithShape="0">
+              <a:prstClr val="black">
+                <a:alpha val="40000"/>
+              </a:prstClr>
+            </a:outerShdw>
+          </a:effectLst>
+        </p:spPr>
+        <p:style>
+          <a:lnRef idx="1">
+            <a:schemeClr val="accent5"/>
+          </a:lnRef>
+          <a:fillRef idx="2">
+            <a:schemeClr val="accent5"/>
+          </a:fillRef>
+          <a:effectRef idx="1">
+            <a:schemeClr val="accent5"/>
+          </a:effectRef>
+          <a:fontRef idx="minor">
+            <a:schemeClr val="dk1"/>
+          </a:fontRef>
+        </p:style>
+        <p:txBody>
+          <a:bodyPr rtlCol="0" anchor="ctr"/>
+          <a:lstStyle/>
+          <a:p>
+            <a:pPr algn="ctr"/>
+            <a:endParaRPr lang="pt-BR" dirty="0"/>
+          </a:p>
+        </p:txBody>
+      </p:sp>
+      <p:sp>
+        <p:nvSpPr>
+          <p:cNvPr id="17" name="Retângulo: Cantos Arredondados 16">
+            <a:extLst>
+              <a:ext uri="{FF2B5EF4-FFF2-40B4-BE49-F238E27FC236}">
+                <a16:creationId xmlns:a16="http://schemas.microsoft.com/office/drawing/2014/main" id="{3ACE9743-BB37-7738-2CCA-C6E8D88C3EA5}"/>
+              </a:ext>
+            </a:extLst>
+          </p:cNvPr>
+          <p:cNvSpPr/>
+          <p:nvPr/>
+        </p:nvSpPr>
+        <p:spPr>
+          <a:xfrm>
+            <a:off x="80259" y="1878183"/>
+            <a:ext cx="1101600" cy="360000"/>
+          </a:xfrm>
+          <a:prstGeom prst="roundRect">
+            <a:avLst/>
+          </a:prstGeom>
+          <a:ln/>
+          <a:effectLst>
+            <a:outerShdw blurRad="50800" dist="38100" dir="2700000" algn="tl" rotWithShape="0">
+              <a:prstClr val="black">
+                <a:alpha val="40000"/>
+              </a:prstClr>
+            </a:outerShdw>
+          </a:effectLst>
+        </p:spPr>
+        <p:style>
+          <a:lnRef idx="1">
+            <a:schemeClr val="accent5"/>
+          </a:lnRef>
+          <a:fillRef idx="2">
+            <a:schemeClr val="accent5"/>
+          </a:fillRef>
+          <a:effectRef idx="1">
+            <a:schemeClr val="accent5"/>
+          </a:effectRef>
+          <a:fontRef idx="minor">
+            <a:schemeClr val="dk1"/>
+          </a:fontRef>
+        </p:style>
+        <p:txBody>
+          <a:bodyPr rtlCol="0" anchor="ctr"/>
+          <a:lstStyle/>
+          <a:p>
+            <a:pPr algn="ctr"/>
+            <a:endParaRPr lang="pt-BR" dirty="0"/>
+          </a:p>
+        </p:txBody>
+      </p:sp>
+      <p:sp>
+        <p:nvSpPr>
+          <p:cNvPr id="22" name="Retângulo: Cantos Arredondados 21">
+            <a:extLst>
+              <a:ext uri="{FF2B5EF4-FFF2-40B4-BE49-F238E27FC236}">
+                <a16:creationId xmlns:a16="http://schemas.microsoft.com/office/drawing/2014/main" id="{2DFC4CCA-00A4-2B57-A388-EE9010B10A3E}"/>
+              </a:ext>
+            </a:extLst>
+          </p:cNvPr>
+          <p:cNvSpPr/>
+          <p:nvPr/>
+        </p:nvSpPr>
+        <p:spPr>
+          <a:xfrm>
+            <a:off x="80259" y="2311063"/>
+            <a:ext cx="1101600" cy="360000"/>
+          </a:xfrm>
+          <a:prstGeom prst="roundRect">
+            <a:avLst/>
+          </a:prstGeom>
+          <a:ln/>
+          <a:effectLst>
+            <a:outerShdw blurRad="50800" dist="38100" dir="2700000" algn="tl" rotWithShape="0">
+              <a:prstClr val="black">
+                <a:alpha val="40000"/>
+              </a:prstClr>
+            </a:outerShdw>
+          </a:effectLst>
+        </p:spPr>
+        <p:style>
+          <a:lnRef idx="1">
+            <a:schemeClr val="accent5"/>
+          </a:lnRef>
+          <a:fillRef idx="2">
+            <a:schemeClr val="accent5"/>
+          </a:fillRef>
+          <a:effectRef idx="1">
+            <a:schemeClr val="accent5"/>
+          </a:effectRef>
+          <a:fontRef idx="minor">
+            <a:schemeClr val="dk1"/>
+          </a:fontRef>
+        </p:style>
+        <p:txBody>
+          <a:bodyPr rtlCol="0" anchor="ctr"/>
+          <a:lstStyle/>
+          <a:p>
+            <a:pPr algn="ctr"/>
+            <a:endParaRPr lang="pt-BR" dirty="0"/>
+          </a:p>
+        </p:txBody>
+      </p:sp>
+      <p:sp>
+        <p:nvSpPr>
+          <p:cNvPr id="23" name="Retângulo: Cantos Arredondados 22">
+            <a:extLst>
+              <a:ext uri="{FF2B5EF4-FFF2-40B4-BE49-F238E27FC236}">
+                <a16:creationId xmlns:a16="http://schemas.microsoft.com/office/drawing/2014/main" id="{65149B77-5673-ED9B-4893-F31C75F5D8AF}"/>
+              </a:ext>
+            </a:extLst>
+          </p:cNvPr>
+          <p:cNvSpPr/>
+          <p:nvPr/>
+        </p:nvSpPr>
+        <p:spPr>
+          <a:xfrm>
+            <a:off x="73922" y="2785503"/>
+            <a:ext cx="1101600" cy="360000"/>
+          </a:xfrm>
+          <a:prstGeom prst="roundRect">
+            <a:avLst/>
+          </a:prstGeom>
+          <a:ln/>
+          <a:effectLst>
+            <a:outerShdw blurRad="50800" dist="38100" dir="2700000" algn="tl" rotWithShape="0">
+              <a:prstClr val="black">
+                <a:alpha val="40000"/>
+              </a:prstClr>
+            </a:outerShdw>
+          </a:effectLst>
+        </p:spPr>
+        <p:style>
+          <a:lnRef idx="1">
+            <a:schemeClr val="accent5"/>
+          </a:lnRef>
+          <a:fillRef idx="2">
+            <a:schemeClr val="accent5"/>
+          </a:fillRef>
+          <a:effectRef idx="1">
+            <a:schemeClr val="accent5"/>
+          </a:effectRef>
+          <a:fontRef idx="minor">
+            <a:schemeClr val="dk1"/>
+          </a:fontRef>
+        </p:style>
+        <p:txBody>
+          <a:bodyPr rtlCol="0" anchor="ctr"/>
+          <a:lstStyle/>
+          <a:p>
+            <a:pPr algn="ctr"/>
+            <a:endParaRPr lang="pt-BR" dirty="0"/>
+          </a:p>
+        </p:txBody>
+      </p:sp>
+      <p:sp>
+        <p:nvSpPr>
+          <p:cNvPr id="24" name="Retângulo: Cantos Arredondados 23">
+            <a:extLst>
+              <a:ext uri="{FF2B5EF4-FFF2-40B4-BE49-F238E27FC236}">
+                <a16:creationId xmlns:a16="http://schemas.microsoft.com/office/drawing/2014/main" id="{2C5F4549-B6DB-9255-569F-D7A74CA1BA46}"/>
+              </a:ext>
+            </a:extLst>
+          </p:cNvPr>
+          <p:cNvSpPr/>
+          <p:nvPr/>
+        </p:nvSpPr>
+        <p:spPr>
+          <a:xfrm>
+            <a:off x="82371" y="3248240"/>
+            <a:ext cx="1101600" cy="360000"/>
+          </a:xfrm>
+          <a:prstGeom prst="roundRect">
+            <a:avLst/>
+          </a:prstGeom>
+          <a:ln/>
+          <a:effectLst>
+            <a:outerShdw blurRad="50800" dist="38100" dir="2700000" algn="tl" rotWithShape="0">
+              <a:prstClr val="black">
+                <a:alpha val="40000"/>
+              </a:prstClr>
+            </a:outerShdw>
+          </a:effectLst>
+        </p:spPr>
+        <p:style>
+          <a:lnRef idx="1">
+            <a:schemeClr val="accent5"/>
+          </a:lnRef>
+          <a:fillRef idx="2">
+            <a:schemeClr val="accent5"/>
+          </a:fillRef>
+          <a:effectRef idx="1">
+            <a:schemeClr val="accent5"/>
+          </a:effectRef>
+          <a:fontRef idx="minor">
+            <a:schemeClr val="dk1"/>
+          </a:fontRef>
+        </p:style>
+        <p:txBody>
+          <a:bodyPr rtlCol="0" anchor="ctr"/>
+          <a:lstStyle/>
+          <a:p>
+            <a:pPr algn="ctr"/>
+            <a:endParaRPr lang="pt-BR" dirty="0"/>
+          </a:p>
+        </p:txBody>
+      </p:sp>
+      <p:sp>
+        <p:nvSpPr>
+          <p:cNvPr id="25" name="Retângulo: Cantos Arredondados 24">
+            <a:extLst>
+              <a:ext uri="{FF2B5EF4-FFF2-40B4-BE49-F238E27FC236}">
+                <a16:creationId xmlns:a16="http://schemas.microsoft.com/office/drawing/2014/main" id="{C6B6C081-69E0-0FA3-81C2-B6DC2B9697DC}"/>
+              </a:ext>
+            </a:extLst>
+          </p:cNvPr>
+          <p:cNvSpPr/>
+          <p:nvPr/>
+        </p:nvSpPr>
+        <p:spPr>
+          <a:xfrm>
+            <a:off x="73922" y="3710456"/>
+            <a:ext cx="1101600" cy="360000"/>
+          </a:xfrm>
+          <a:prstGeom prst="roundRect">
+            <a:avLst/>
+          </a:prstGeom>
+          <a:ln/>
+          <a:effectLst>
+            <a:outerShdw blurRad="50800" dist="38100" dir="2700000" algn="tl" rotWithShape="0">
+              <a:prstClr val="black">
+                <a:alpha val="40000"/>
+              </a:prstClr>
+            </a:outerShdw>
+          </a:effectLst>
+        </p:spPr>
+        <p:style>
+          <a:lnRef idx="1">
+            <a:schemeClr val="accent5"/>
+          </a:lnRef>
+          <a:fillRef idx="2">
+            <a:schemeClr val="accent5"/>
+          </a:fillRef>
+          <a:effectRef idx="1">
+            <a:schemeClr val="accent5"/>
+          </a:effectRef>
+          <a:fontRef idx="minor">
+            <a:schemeClr val="dk1"/>
+          </a:fontRef>
+        </p:style>
+        <p:txBody>
+          <a:bodyPr rtlCol="0" anchor="ctr"/>
+          <a:lstStyle/>
+          <a:p>
+            <a:pPr algn="ctr"/>
+            <a:endParaRPr lang="pt-BR" dirty="0"/>
+          </a:p>
+        </p:txBody>
+      </p:sp>
+      <p:sp>
+        <p:nvSpPr>
+          <p:cNvPr id="26" name="Retângulo: Cantos Arredondados 25">
+            <a:extLst>
+              <a:ext uri="{FF2B5EF4-FFF2-40B4-BE49-F238E27FC236}">
+                <a16:creationId xmlns:a16="http://schemas.microsoft.com/office/drawing/2014/main" id="{454B9ABA-3802-BFDE-F1A2-A3FB1EE17B52}"/>
+              </a:ext>
+            </a:extLst>
+          </p:cNvPr>
+          <p:cNvSpPr/>
+          <p:nvPr/>
+        </p:nvSpPr>
+        <p:spPr>
+          <a:xfrm>
+            <a:off x="1959515" y="69767"/>
+            <a:ext cx="1857375" cy="819150"/>
+          </a:xfrm>
+          <a:prstGeom prst="roundRect">
+            <a:avLst/>
+          </a:prstGeom>
+          <a:ln/>
+          <a:effectLst>
+            <a:outerShdw blurRad="50800" dist="38100" dir="2700000" algn="tl" rotWithShape="0">
+              <a:prstClr val="black">
+                <a:alpha val="40000"/>
+              </a:prstClr>
+            </a:outerShdw>
+          </a:effectLst>
+        </p:spPr>
+        <p:style>
+          <a:lnRef idx="1">
+            <a:schemeClr val="accent5"/>
+          </a:lnRef>
+          <a:fillRef idx="2">
+            <a:schemeClr val="accent5"/>
+          </a:fillRef>
+          <a:effectRef idx="1">
+            <a:schemeClr val="accent5"/>
+          </a:effectRef>
+          <a:fontRef idx="minor">
+            <a:schemeClr val="dk1"/>
+          </a:fontRef>
+        </p:style>
+        <p:txBody>
+          <a:bodyPr rtlCol="0" anchor="ctr"/>
+          <a:lstStyle/>
+          <a:p>
+            <a:pPr algn="ctr"/>
+            <a:endParaRPr lang="pt-BR" dirty="0"/>
+          </a:p>
+        </p:txBody>
+      </p:sp>
+      <p:pic>
+        <p:nvPicPr>
+          <p:cNvPr id="3" name="Gráfico 2">
+            <a:extLst>
+              <a:ext uri="{FF2B5EF4-FFF2-40B4-BE49-F238E27FC236}">
+                <a16:creationId xmlns:a16="http://schemas.microsoft.com/office/drawing/2014/main" id="{736A9396-D639-54FF-20CD-55F5B140F081}"/>
+              </a:ext>
+            </a:extLst>
+          </p:cNvPr>
+          <p:cNvPicPr>
+            <a:picLocks noChangeAspect="1"/>
+          </p:cNvPicPr>
+          <p:nvPr/>
+        </p:nvPicPr>
+        <p:blipFill>
+          <a:blip r:embed="rId2">
+            <a:extLst>
+              <a:ext uri="{96DAC541-7B7A-43D3-8B79-37D633B846F1}">
+                <asvg:svgBlip xmlns:asvg="http://schemas.microsoft.com/office/drawing/2016/SVG/main" r:embed="rId3"/>
+              </a:ext>
+            </a:extLst>
+          </a:blip>
+          <a:stretch>
+            <a:fillRect/>
+          </a:stretch>
+        </p:blipFill>
+        <p:spPr>
+          <a:xfrm>
+            <a:off x="0" y="-18536"/>
+            <a:ext cx="12382500" cy="7207817"/>
+          </a:xfrm>
+          <a:prstGeom prst="rect">
+            <a:avLst/>
+          </a:prstGeom>
+        </p:spPr>
+      </p:pic>
+      <p:sp>
+        <p:nvSpPr>
+          <p:cNvPr id="2" name="Retângulo 1">
+            <a:extLst>
+              <a:ext uri="{FF2B5EF4-FFF2-40B4-BE49-F238E27FC236}">
+                <a16:creationId xmlns:a16="http://schemas.microsoft.com/office/drawing/2014/main" id="{F0AB1CFE-6B15-F819-4DDB-AE508C35AE9A}"/>
+              </a:ext>
+            </a:extLst>
+          </p:cNvPr>
+          <p:cNvSpPr/>
+          <p:nvPr/>
+        </p:nvSpPr>
+        <p:spPr>
+          <a:xfrm>
+            <a:off x="0" y="6159500"/>
+            <a:ext cx="12382500" cy="3365500"/>
+          </a:xfrm>
+          <a:prstGeom prst="rect">
+            <a:avLst/>
+          </a:prstGeom>
+          <a:solidFill>
+            <a:srgbClr val="1A1B22"/>
+          </a:solidFill>
+        </p:spPr>
+        <p:style>
+          <a:lnRef idx="2">
+            <a:schemeClr val="accent1">
+              <a:shade val="15000"/>
+            </a:schemeClr>
+          </a:lnRef>
+          <a:fillRef idx="1">
+            <a:schemeClr val="accent1"/>
+          </a:fillRef>
+          <a:effectRef idx="0">
+            <a:schemeClr val="accent1"/>
+          </a:effectRef>
+          <a:fontRef idx="minor">
+            <a:schemeClr val="lt1"/>
+          </a:fontRef>
+        </p:style>
+        <p:txBody>
+          <a:bodyPr rtlCol="0" anchor="ctr"/>
+          <a:lstStyle/>
+          <a:p>
+            <a:pPr algn="ctr"/>
+            <a:endParaRPr lang="pt-BR"/>
+          </a:p>
+        </p:txBody>
+      </p:sp>
+      <p:sp>
+        <p:nvSpPr>
+          <p:cNvPr id="4" name="Retângulo: Cantos Arredondados 3">
+            <a:extLst>
+              <a:ext uri="{FF2B5EF4-FFF2-40B4-BE49-F238E27FC236}">
+                <a16:creationId xmlns:a16="http://schemas.microsoft.com/office/drawing/2014/main" id="{CEC2DA1B-4C29-B33A-DDFC-27FD21A422D8}"/>
+              </a:ext>
+            </a:extLst>
+          </p:cNvPr>
+          <p:cNvSpPr/>
+          <p:nvPr/>
+        </p:nvSpPr>
+        <p:spPr>
+          <a:xfrm>
+            <a:off x="9757409" y="520655"/>
+            <a:ext cx="2533650" cy="2438400"/>
+          </a:xfrm>
+          <a:prstGeom prst="roundRect">
+            <a:avLst>
+              <a:gd name="adj" fmla="val 9896"/>
+            </a:avLst>
+          </a:prstGeom>
+          <a:noFill/>
+          <a:ln>
+            <a:solidFill>
+              <a:schemeClr val="bg1"/>
+            </a:solidFill>
+          </a:ln>
+          <a:effectLst>
+            <a:outerShdw blurRad="50800" dist="38100" dir="2700000" algn="tl" rotWithShape="0">
+              <a:prstClr val="black">
+                <a:alpha val="40000"/>
+              </a:prstClr>
+            </a:outerShdw>
+          </a:effectLst>
+        </p:spPr>
+        <p:style>
+          <a:lnRef idx="1">
+            <a:schemeClr val="accent5"/>
+          </a:lnRef>
+          <a:fillRef idx="2">
+            <a:schemeClr val="accent5"/>
+          </a:fillRef>
+          <a:effectRef idx="1">
+            <a:schemeClr val="accent5"/>
+          </a:effectRef>
+          <a:fontRef idx="minor">
+            <a:schemeClr val="dk1"/>
+          </a:fontRef>
+        </p:style>
+        <p:txBody>
+          <a:bodyPr rtlCol="0" anchor="ctr"/>
+          <a:lstStyle/>
+          <a:p>
+            <a:pPr algn="ctr"/>
+            <a:endParaRPr lang="pt-BR" dirty="0"/>
+          </a:p>
+        </p:txBody>
+      </p:sp>
+      <p:sp>
+        <p:nvSpPr>
+          <p:cNvPr id="6" name="Retângulo: Cantos Arredondados 5">
+            <a:extLst>
+              <a:ext uri="{FF2B5EF4-FFF2-40B4-BE49-F238E27FC236}">
+                <a16:creationId xmlns:a16="http://schemas.microsoft.com/office/drawing/2014/main" id="{0B16DF2F-83A9-E894-1110-9D86A8DCEAAE}"/>
+              </a:ext>
+            </a:extLst>
+          </p:cNvPr>
+          <p:cNvSpPr/>
+          <p:nvPr/>
+        </p:nvSpPr>
+        <p:spPr>
+          <a:xfrm>
+            <a:off x="139026" y="1787437"/>
+            <a:ext cx="1101600" cy="360000"/>
+          </a:xfrm>
+          <a:prstGeom prst="roundRect">
+            <a:avLst/>
+          </a:prstGeom>
+          <a:noFill/>
+          <a:ln>
+            <a:solidFill>
+              <a:schemeClr val="bg1"/>
+            </a:solidFill>
+          </a:ln>
+          <a:effectLst>
+            <a:outerShdw blurRad="50800" dist="38100" dir="2700000" algn="tl" rotWithShape="0">
+              <a:prstClr val="black">
+                <a:alpha val="40000"/>
+              </a:prstClr>
+            </a:outerShdw>
+          </a:effectLst>
+        </p:spPr>
+        <p:style>
+          <a:lnRef idx="1">
+            <a:schemeClr val="accent5"/>
+          </a:lnRef>
+          <a:fillRef idx="2">
+            <a:schemeClr val="accent5"/>
+          </a:fillRef>
+          <a:effectRef idx="1">
+            <a:schemeClr val="accent5"/>
+          </a:effectRef>
+          <a:fontRef idx="minor">
+            <a:schemeClr val="dk1"/>
+          </a:fontRef>
+        </p:style>
+        <p:txBody>
+          <a:bodyPr rtlCol="0" anchor="ctr"/>
+          <a:lstStyle/>
+          <a:p>
+            <a:pPr algn="ctr"/>
+            <a:endParaRPr lang="pt-BR" dirty="0"/>
+          </a:p>
+        </p:txBody>
+      </p:sp>
+      <p:sp>
+        <p:nvSpPr>
+          <p:cNvPr id="15" name="Retângulo: Cantos Arredondados 14">
+            <a:extLst>
+              <a:ext uri="{FF2B5EF4-FFF2-40B4-BE49-F238E27FC236}">
+                <a16:creationId xmlns:a16="http://schemas.microsoft.com/office/drawing/2014/main" id="{D42F4540-754C-3A66-A48C-FDB9C1682A6B}"/>
+              </a:ext>
+            </a:extLst>
+          </p:cNvPr>
+          <p:cNvSpPr/>
+          <p:nvPr/>
+        </p:nvSpPr>
+        <p:spPr>
+          <a:xfrm>
+            <a:off x="139026" y="2220317"/>
+            <a:ext cx="1101600" cy="360000"/>
+          </a:xfrm>
+          <a:prstGeom prst="roundRect">
+            <a:avLst/>
+          </a:prstGeom>
+          <a:noFill/>
+          <a:ln>
+            <a:solidFill>
+              <a:schemeClr val="bg1"/>
+            </a:solidFill>
+          </a:ln>
+          <a:effectLst>
+            <a:outerShdw blurRad="50800" dist="38100" dir="2700000" algn="tl" rotWithShape="0">
+              <a:prstClr val="black">
+                <a:alpha val="40000"/>
+              </a:prstClr>
+            </a:outerShdw>
+          </a:effectLst>
+        </p:spPr>
+        <p:style>
+          <a:lnRef idx="1">
+            <a:schemeClr val="accent5"/>
+          </a:lnRef>
+          <a:fillRef idx="2">
+            <a:schemeClr val="accent5"/>
+          </a:fillRef>
+          <a:effectRef idx="1">
+            <a:schemeClr val="accent5"/>
+          </a:effectRef>
+          <a:fontRef idx="minor">
+            <a:schemeClr val="dk1"/>
+          </a:fontRef>
+        </p:style>
+        <p:txBody>
+          <a:bodyPr rtlCol="0" anchor="ctr"/>
+          <a:lstStyle/>
+          <a:p>
+            <a:pPr algn="ctr"/>
+            <a:endParaRPr lang="pt-BR" dirty="0"/>
+          </a:p>
+        </p:txBody>
+      </p:sp>
+      <p:sp>
+        <p:nvSpPr>
+          <p:cNvPr id="18" name="Retângulo: Cantos Arredondados 17">
+            <a:extLst>
+              <a:ext uri="{FF2B5EF4-FFF2-40B4-BE49-F238E27FC236}">
+                <a16:creationId xmlns:a16="http://schemas.microsoft.com/office/drawing/2014/main" id="{F3F2817E-42CE-F610-7B58-1BF42D0B301F}"/>
+              </a:ext>
+            </a:extLst>
+          </p:cNvPr>
+          <p:cNvSpPr/>
+          <p:nvPr/>
+        </p:nvSpPr>
+        <p:spPr>
+          <a:xfrm>
+            <a:off x="136914" y="2669863"/>
+            <a:ext cx="1112109" cy="360000"/>
+          </a:xfrm>
+          <a:prstGeom prst="roundRect">
+            <a:avLst/>
+          </a:prstGeom>
+          <a:noFill/>
+          <a:ln>
+            <a:solidFill>
+              <a:schemeClr val="bg1"/>
+            </a:solidFill>
+          </a:ln>
+          <a:effectLst>
+            <a:outerShdw blurRad="50800" dist="38100" dir="2700000" algn="tl" rotWithShape="0">
+              <a:prstClr val="black">
+                <a:alpha val="40000"/>
+              </a:prstClr>
+            </a:outerShdw>
+          </a:effectLst>
+        </p:spPr>
+        <p:style>
+          <a:lnRef idx="1">
+            <a:schemeClr val="accent5"/>
+          </a:lnRef>
+          <a:fillRef idx="2">
+            <a:schemeClr val="accent5"/>
+          </a:fillRef>
+          <a:effectRef idx="1">
+            <a:schemeClr val="accent5"/>
+          </a:effectRef>
+          <a:fontRef idx="minor">
+            <a:schemeClr val="dk1"/>
+          </a:fontRef>
+        </p:style>
+        <p:txBody>
+          <a:bodyPr rtlCol="0" anchor="ctr"/>
+          <a:lstStyle/>
+          <a:p>
+            <a:pPr algn="ctr"/>
+            <a:endParaRPr lang="pt-BR" dirty="0"/>
+          </a:p>
+        </p:txBody>
+      </p:sp>
+      <p:sp>
+        <p:nvSpPr>
+          <p:cNvPr id="19" name="Retângulo: Cantos Arredondados 18">
+            <a:extLst>
+              <a:ext uri="{FF2B5EF4-FFF2-40B4-BE49-F238E27FC236}">
+                <a16:creationId xmlns:a16="http://schemas.microsoft.com/office/drawing/2014/main" id="{6433B639-5BBE-8359-9F84-93CBB28A5FA2}"/>
+              </a:ext>
+            </a:extLst>
+          </p:cNvPr>
+          <p:cNvSpPr/>
+          <p:nvPr/>
+        </p:nvSpPr>
+        <p:spPr>
+          <a:xfrm>
+            <a:off x="147422" y="3118666"/>
+            <a:ext cx="1093204" cy="360000"/>
+          </a:xfrm>
+          <a:prstGeom prst="roundRect">
+            <a:avLst/>
+          </a:prstGeom>
+          <a:noFill/>
+          <a:ln>
+            <a:solidFill>
+              <a:schemeClr val="bg1"/>
+            </a:solidFill>
+          </a:ln>
+          <a:effectLst>
+            <a:outerShdw blurRad="50800" dist="38100" dir="2700000" algn="tl" rotWithShape="0">
+              <a:prstClr val="black">
+                <a:alpha val="40000"/>
+              </a:prstClr>
+            </a:outerShdw>
+          </a:effectLst>
+        </p:spPr>
+        <p:style>
+          <a:lnRef idx="1">
+            <a:schemeClr val="accent5"/>
+          </a:lnRef>
+          <a:fillRef idx="2">
+            <a:schemeClr val="accent5"/>
+          </a:fillRef>
+          <a:effectRef idx="1">
+            <a:schemeClr val="accent5"/>
+          </a:effectRef>
+          <a:fontRef idx="minor">
+            <a:schemeClr val="dk1"/>
+          </a:fontRef>
+        </p:style>
+        <p:txBody>
+          <a:bodyPr rtlCol="0" anchor="ctr"/>
+          <a:lstStyle/>
+          <a:p>
+            <a:pPr algn="ctr"/>
+            <a:endParaRPr lang="pt-BR" dirty="0"/>
+          </a:p>
+        </p:txBody>
+      </p:sp>
+      <p:sp>
+        <p:nvSpPr>
+          <p:cNvPr id="20" name="Retângulo: Cantos Arredondados 19">
+            <a:extLst>
+              <a:ext uri="{FF2B5EF4-FFF2-40B4-BE49-F238E27FC236}">
+                <a16:creationId xmlns:a16="http://schemas.microsoft.com/office/drawing/2014/main" id="{4985E334-BB6E-754B-3433-2ECF66EC04A1}"/>
+              </a:ext>
+            </a:extLst>
+          </p:cNvPr>
+          <p:cNvSpPr/>
+          <p:nvPr/>
+        </p:nvSpPr>
+        <p:spPr>
+          <a:xfrm>
+            <a:off x="155819" y="3583281"/>
+            <a:ext cx="1084807" cy="360000"/>
+          </a:xfrm>
+          <a:prstGeom prst="roundRect">
+            <a:avLst/>
+          </a:prstGeom>
+          <a:noFill/>
+          <a:ln>
+            <a:solidFill>
+              <a:schemeClr val="bg1"/>
+            </a:solidFill>
+          </a:ln>
+          <a:effectLst>
+            <a:outerShdw blurRad="50800" dist="38100" dir="2700000" algn="tl" rotWithShape="0">
+              <a:prstClr val="black">
+                <a:alpha val="40000"/>
+              </a:prstClr>
+            </a:outerShdw>
+          </a:effectLst>
+        </p:spPr>
+        <p:style>
+          <a:lnRef idx="1">
+            <a:schemeClr val="accent5"/>
+          </a:lnRef>
+          <a:fillRef idx="2">
+            <a:schemeClr val="accent5"/>
+          </a:fillRef>
+          <a:effectRef idx="1">
+            <a:schemeClr val="accent5"/>
+          </a:effectRef>
+          <a:fontRef idx="minor">
+            <a:schemeClr val="dk1"/>
+          </a:fontRef>
+        </p:style>
+        <p:txBody>
+          <a:bodyPr rtlCol="0" anchor="ctr"/>
+          <a:lstStyle/>
+          <a:p>
+            <a:pPr algn="ctr"/>
+            <a:endParaRPr lang="pt-BR" dirty="0"/>
+          </a:p>
+        </p:txBody>
+      </p:sp>
+      <p:sp>
+        <p:nvSpPr>
+          <p:cNvPr id="21" name="Retângulo: Cantos Arredondados 20">
+            <a:extLst>
+              <a:ext uri="{FF2B5EF4-FFF2-40B4-BE49-F238E27FC236}">
+                <a16:creationId xmlns:a16="http://schemas.microsoft.com/office/drawing/2014/main" id="{E1A26FAF-6557-053D-A84E-59BE39996580}"/>
+              </a:ext>
+            </a:extLst>
+          </p:cNvPr>
+          <p:cNvSpPr/>
+          <p:nvPr/>
+        </p:nvSpPr>
+        <p:spPr>
+          <a:xfrm>
+            <a:off x="2113089" y="131673"/>
+            <a:ext cx="1857375" cy="819150"/>
+          </a:xfrm>
+          <a:prstGeom prst="roundRect">
+            <a:avLst/>
+          </a:prstGeom>
+          <a:noFill/>
+          <a:ln>
+            <a:solidFill>
+              <a:schemeClr val="bg1"/>
+            </a:solidFill>
+          </a:ln>
+          <a:effectLst>
+            <a:outerShdw blurRad="50800" dist="38100" dir="2700000" algn="tl" rotWithShape="0">
+              <a:prstClr val="black">
+                <a:alpha val="40000"/>
+              </a:prstClr>
+            </a:outerShdw>
+          </a:effectLst>
+        </p:spPr>
+        <p:style>
+          <a:lnRef idx="1">
+            <a:schemeClr val="accent5"/>
+          </a:lnRef>
+          <a:fillRef idx="2">
+            <a:schemeClr val="accent5"/>
+          </a:fillRef>
+          <a:effectRef idx="1">
+            <a:schemeClr val="accent5"/>
+          </a:effectRef>
+          <a:fontRef idx="minor">
+            <a:schemeClr val="dk1"/>
+          </a:fontRef>
+        </p:style>
+        <p:txBody>
+          <a:bodyPr rtlCol="0" anchor="ctr"/>
+          <a:lstStyle/>
+          <a:p>
+            <a:pPr algn="ctr"/>
+            <a:endParaRPr lang="pt-BR" dirty="0"/>
+          </a:p>
+        </p:txBody>
+      </p:sp>
+      <p:sp>
+        <p:nvSpPr>
+          <p:cNvPr id="32" name="Retângulo: Cantos Arredondados 31">
+            <a:extLst>
+              <a:ext uri="{FF2B5EF4-FFF2-40B4-BE49-F238E27FC236}">
+                <a16:creationId xmlns:a16="http://schemas.microsoft.com/office/drawing/2014/main" id="{3F491422-3BCC-CCF0-7D8C-05600C12654C}"/>
+              </a:ext>
+            </a:extLst>
+          </p:cNvPr>
+          <p:cNvSpPr/>
+          <p:nvPr/>
+        </p:nvSpPr>
+        <p:spPr>
+          <a:xfrm>
+            <a:off x="73922" y="62877"/>
+            <a:ext cx="1551678" cy="1610627"/>
+          </a:xfrm>
+          <a:prstGeom prst="roundRect">
+            <a:avLst/>
+          </a:prstGeom>
+          <a:noFill/>
+          <a:ln>
+            <a:solidFill>
+              <a:schemeClr val="bg1"/>
+            </a:solidFill>
+          </a:ln>
+          <a:effectLst>
+            <a:outerShdw blurRad="50800" dist="38100" dir="2700000" algn="tl" rotWithShape="0">
+              <a:prstClr val="black">
+                <a:alpha val="40000"/>
+              </a:prstClr>
+            </a:outerShdw>
+          </a:effectLst>
+        </p:spPr>
+        <p:style>
+          <a:lnRef idx="1">
+            <a:schemeClr val="accent5"/>
+          </a:lnRef>
+          <a:fillRef idx="2">
+            <a:schemeClr val="accent5"/>
+          </a:fillRef>
+          <a:effectRef idx="1">
+            <a:schemeClr val="accent5"/>
+          </a:effectRef>
+          <a:fontRef idx="minor">
+            <a:schemeClr val="dk1"/>
+          </a:fontRef>
+        </p:style>
+        <p:txBody>
+          <a:bodyPr rtlCol="0" anchor="ctr"/>
+          <a:lstStyle/>
+          <a:p>
+            <a:pPr algn="ctr"/>
+            <a:endParaRPr lang="pt-BR" dirty="0"/>
+          </a:p>
+        </p:txBody>
+      </p:sp>
+      <p:sp>
+        <p:nvSpPr>
+          <p:cNvPr id="33" name="Retângulo: Cantos Arredondados 32">
+            <a:extLst>
+              <a:ext uri="{FF2B5EF4-FFF2-40B4-BE49-F238E27FC236}">
+                <a16:creationId xmlns:a16="http://schemas.microsoft.com/office/drawing/2014/main" id="{136D326F-A58F-EEB4-1DD1-DCE706D5AB70}"/>
+              </a:ext>
+            </a:extLst>
+          </p:cNvPr>
+          <p:cNvSpPr/>
+          <p:nvPr/>
+        </p:nvSpPr>
+        <p:spPr>
+          <a:xfrm>
+            <a:off x="6784078" y="6124148"/>
+            <a:ext cx="5524500" cy="3365500"/>
+          </a:xfrm>
+          <a:prstGeom prst="roundRect">
+            <a:avLst>
+              <a:gd name="adj" fmla="val 9896"/>
+            </a:avLst>
+          </a:prstGeom>
+          <a:noFill/>
+          <a:ln>
+            <a:solidFill>
+              <a:schemeClr val="bg1"/>
+            </a:solidFill>
+          </a:ln>
+          <a:effectLst>
+            <a:outerShdw blurRad="50800" dist="38100" dir="2700000" algn="tl" rotWithShape="0">
+              <a:prstClr val="black">
+                <a:alpha val="40000"/>
+              </a:prstClr>
+            </a:outerShdw>
+          </a:effectLst>
+        </p:spPr>
+        <p:style>
+          <a:lnRef idx="1">
+            <a:schemeClr val="accent5"/>
+          </a:lnRef>
+          <a:fillRef idx="2">
+            <a:schemeClr val="accent5"/>
+          </a:fillRef>
+          <a:effectRef idx="1">
+            <a:schemeClr val="accent5"/>
+          </a:effectRef>
+          <a:fontRef idx="minor">
+            <a:schemeClr val="dk1"/>
+          </a:fontRef>
+        </p:style>
+        <p:txBody>
+          <a:bodyPr rtlCol="0" anchor="ctr"/>
+          <a:lstStyle/>
+          <a:p>
+            <a:pPr algn="ctr"/>
+            <a:endParaRPr lang="pt-BR" dirty="0"/>
+          </a:p>
+        </p:txBody>
+      </p:sp>
+      <p:sp>
+        <p:nvSpPr>
+          <p:cNvPr id="34" name="Retângulo: Cantos Arredondados 33">
+            <a:extLst>
+              <a:ext uri="{FF2B5EF4-FFF2-40B4-BE49-F238E27FC236}">
+                <a16:creationId xmlns:a16="http://schemas.microsoft.com/office/drawing/2014/main" id="{264DAFF9-CF92-F044-57E6-CCEF7093B211}"/>
+              </a:ext>
+            </a:extLst>
+          </p:cNvPr>
+          <p:cNvSpPr/>
+          <p:nvPr/>
+        </p:nvSpPr>
+        <p:spPr>
+          <a:xfrm>
+            <a:off x="73922" y="6698823"/>
+            <a:ext cx="5676900" cy="2790825"/>
+          </a:xfrm>
+          <a:prstGeom prst="roundRect">
+            <a:avLst>
+              <a:gd name="adj" fmla="val 9896"/>
+            </a:avLst>
+          </a:prstGeom>
+          <a:noFill/>
+          <a:ln>
+            <a:solidFill>
+              <a:schemeClr val="bg1"/>
+            </a:solidFill>
+          </a:ln>
+          <a:effectLst>
+            <a:outerShdw blurRad="50800" dist="38100" dir="2700000" algn="tl" rotWithShape="0">
+              <a:prstClr val="black">
+                <a:alpha val="40000"/>
+              </a:prstClr>
+            </a:outerShdw>
+          </a:effectLst>
+        </p:spPr>
+        <p:style>
+          <a:lnRef idx="1">
+            <a:schemeClr val="accent5"/>
+          </a:lnRef>
+          <a:fillRef idx="2">
+            <a:schemeClr val="accent5"/>
+          </a:fillRef>
+          <a:effectRef idx="1">
+            <a:schemeClr val="accent5"/>
+          </a:effectRef>
+          <a:fontRef idx="minor">
+            <a:schemeClr val="dk1"/>
+          </a:fontRef>
+        </p:style>
+        <p:txBody>
+          <a:bodyPr rtlCol="0" anchor="ctr"/>
+          <a:lstStyle/>
+          <a:p>
+            <a:pPr algn="ctr"/>
+            <a:endParaRPr lang="pt-BR" dirty="0"/>
+          </a:p>
+        </p:txBody>
+      </p:sp>
+    </p:spTree>
+    <p:extLst>
+      <p:ext uri="{BB962C8B-B14F-4D97-AF65-F5344CB8AC3E}">
+        <p14:creationId xmlns:p14="http://schemas.microsoft.com/office/powerpoint/2010/main" val="4248962101"/>
+      </p:ext>
+    </p:extLst>
+  </p:cSld>
+  <p:clrMapOvr>
+    <a:masterClrMapping/>
+  </p:clrMapOvr>
+</p:sld>
+</file>
+
+<file path=ppt/slides/slide4.xml><?xml version="1.0" encoding="utf-8"?>
+<p:sld xmlns:a="http://schemas.openxmlformats.org/drawingml/2006/main" xmlns:r="http://schemas.openxmlformats.org/officeDocument/2006/relationships" xmlns:p="http://schemas.openxmlformats.org/presentationml/2006/main">
+  <p:cSld>
+    <p:spTree>
+      <p:nvGrpSpPr>
+        <p:cNvPr id="1" name="">
+          <a:extLst>
+            <a:ext uri="{FF2B5EF4-FFF2-40B4-BE49-F238E27FC236}">
+              <a16:creationId xmlns:a16="http://schemas.microsoft.com/office/drawing/2014/main" id="{0711ED50-FFCB-7AA3-D82D-ADA116A44A60}"/>
+            </a:ext>
+          </a:extLst>
+        </p:cNvPr>
+        <p:cNvGrpSpPr/>
+        <p:nvPr/>
+      </p:nvGrpSpPr>
+      <p:grpSpPr>
+        <a:xfrm>
+          <a:off x="0" y="0"/>
+          <a:ext cx="0" cy="0"/>
+          <a:chOff x="0" y="0"/>
+          <a:chExt cx="0" cy="0"/>
+        </a:xfrm>
+      </p:grpSpPr>
+      <p:sp>
+        <p:nvSpPr>
+          <p:cNvPr id="8" name="Retângulo: Cantos Arredondados 7">
+            <a:extLst>
+              <a:ext uri="{FF2B5EF4-FFF2-40B4-BE49-F238E27FC236}">
+                <a16:creationId xmlns:a16="http://schemas.microsoft.com/office/drawing/2014/main" id="{328AB9AC-46BA-F55F-6583-674E1BF47BA3}"/>
+              </a:ext>
+            </a:extLst>
+          </p:cNvPr>
+          <p:cNvSpPr/>
+          <p:nvPr/>
+        </p:nvSpPr>
+        <p:spPr>
+          <a:xfrm>
+            <a:off x="152729" y="2701880"/>
+            <a:ext cx="1112109" cy="514350"/>
+          </a:xfrm>
+          <a:prstGeom prst="roundRect">
+            <a:avLst/>
+          </a:prstGeom>
+          <a:ln/>
+          <a:effectLst>
+            <a:outerShdw blurRad="50800" dist="38100" dir="2700000" algn="tl" rotWithShape="0">
+              <a:prstClr val="black">
+                <a:alpha val="40000"/>
+              </a:prstClr>
+            </a:outerShdw>
+          </a:effectLst>
+        </p:spPr>
+        <p:style>
+          <a:lnRef idx="1">
+            <a:schemeClr val="accent5"/>
+          </a:lnRef>
+          <a:fillRef idx="2">
+            <a:schemeClr val="accent5"/>
+          </a:fillRef>
+          <a:effectRef idx="1">
+            <a:schemeClr val="accent5"/>
+          </a:effectRef>
+          <a:fontRef idx="minor">
+            <a:schemeClr val="dk1"/>
+          </a:fontRef>
+        </p:style>
+        <p:txBody>
+          <a:bodyPr rtlCol="0" anchor="ctr"/>
+          <a:lstStyle/>
+          <a:p>
+            <a:pPr algn="ctr"/>
+            <a:endParaRPr lang="pt-BR"/>
+          </a:p>
+        </p:txBody>
+      </p:sp>
+      <p:sp>
+        <p:nvSpPr>
+          <p:cNvPr id="9" name="Retângulo: Cantos Arredondados 8">
+            <a:extLst>
+              <a:ext uri="{FF2B5EF4-FFF2-40B4-BE49-F238E27FC236}">
+                <a16:creationId xmlns:a16="http://schemas.microsoft.com/office/drawing/2014/main" id="{B64065CE-F1AC-65B0-3614-D06F237AEA6B}"/>
+              </a:ext>
+            </a:extLst>
+          </p:cNvPr>
+          <p:cNvSpPr/>
+          <p:nvPr/>
+        </p:nvSpPr>
+        <p:spPr>
+          <a:xfrm>
+            <a:off x="152729" y="3376106"/>
+            <a:ext cx="1112109" cy="514350"/>
+          </a:xfrm>
+          <a:prstGeom prst="roundRect">
+            <a:avLst/>
+          </a:prstGeom>
+          <a:ln/>
+          <a:effectLst>
+            <a:outerShdw blurRad="50800" dist="38100" dir="2700000" algn="tl" rotWithShape="0">
+              <a:prstClr val="black">
+                <a:alpha val="40000"/>
+              </a:prstClr>
+            </a:outerShdw>
+          </a:effectLst>
+        </p:spPr>
+        <p:style>
+          <a:lnRef idx="1">
+            <a:schemeClr val="accent5"/>
+          </a:lnRef>
+          <a:fillRef idx="2">
+            <a:schemeClr val="accent5"/>
+          </a:fillRef>
+          <a:effectRef idx="1">
+            <a:schemeClr val="accent5"/>
+          </a:effectRef>
+          <a:fontRef idx="minor">
+            <a:schemeClr val="dk1"/>
+          </a:fontRef>
+        </p:style>
+        <p:txBody>
+          <a:bodyPr rtlCol="0" anchor="ctr"/>
+          <a:lstStyle/>
+          <a:p>
+            <a:pPr algn="ctr"/>
+            <a:endParaRPr lang="pt-BR"/>
+          </a:p>
+        </p:txBody>
+      </p:sp>
+      <p:sp>
+        <p:nvSpPr>
+          <p:cNvPr id="10" name="Retângulo: Cantos Arredondados 9">
+            <a:extLst>
+              <a:ext uri="{FF2B5EF4-FFF2-40B4-BE49-F238E27FC236}">
+                <a16:creationId xmlns:a16="http://schemas.microsoft.com/office/drawing/2014/main" id="{90DF0018-9DE6-70A2-4659-01B20CF2C7D4}"/>
+              </a:ext>
+            </a:extLst>
+          </p:cNvPr>
+          <p:cNvSpPr/>
+          <p:nvPr/>
+        </p:nvSpPr>
+        <p:spPr>
+          <a:xfrm>
+            <a:off x="152729" y="4713851"/>
+            <a:ext cx="1112109" cy="514350"/>
+          </a:xfrm>
+          <a:prstGeom prst="roundRect">
+            <a:avLst/>
+          </a:prstGeom>
+          <a:ln/>
+          <a:effectLst>
+            <a:outerShdw blurRad="50800" dist="38100" dir="2700000" algn="tl" rotWithShape="0">
+              <a:prstClr val="black">
+                <a:alpha val="40000"/>
+              </a:prstClr>
+            </a:outerShdw>
+          </a:effectLst>
+        </p:spPr>
+        <p:style>
+          <a:lnRef idx="1">
+            <a:schemeClr val="accent5"/>
+          </a:lnRef>
+          <a:fillRef idx="2">
+            <a:schemeClr val="accent5"/>
+          </a:fillRef>
+          <a:effectRef idx="1">
+            <a:schemeClr val="accent5"/>
+          </a:effectRef>
+          <a:fontRef idx="minor">
+            <a:schemeClr val="dk1"/>
+          </a:fontRef>
+        </p:style>
+        <p:txBody>
+          <a:bodyPr rtlCol="0" anchor="ctr"/>
+          <a:lstStyle/>
+          <a:p>
+            <a:pPr algn="ctr"/>
+            <a:endParaRPr lang="pt-BR"/>
+          </a:p>
+        </p:txBody>
+      </p:sp>
+      <p:sp>
+        <p:nvSpPr>
+          <p:cNvPr id="11" name="Retângulo: Cantos Arredondados 10">
+            <a:extLst>
+              <a:ext uri="{FF2B5EF4-FFF2-40B4-BE49-F238E27FC236}">
+                <a16:creationId xmlns:a16="http://schemas.microsoft.com/office/drawing/2014/main" id="{CB47B0E0-2231-48D4-C577-840897E9CD62}"/>
+              </a:ext>
+            </a:extLst>
+          </p:cNvPr>
+          <p:cNvSpPr/>
+          <p:nvPr/>
+        </p:nvSpPr>
+        <p:spPr>
+          <a:xfrm>
+            <a:off x="152729" y="4039625"/>
+            <a:ext cx="1112109" cy="514350"/>
+          </a:xfrm>
+          <a:prstGeom prst="roundRect">
+            <a:avLst/>
+          </a:prstGeom>
+          <a:ln/>
+          <a:effectLst>
+            <a:outerShdw blurRad="50800" dist="38100" dir="2700000" algn="tl" rotWithShape="0">
+              <a:prstClr val="black">
+                <a:alpha val="40000"/>
+              </a:prstClr>
+            </a:outerShdw>
+          </a:effectLst>
+        </p:spPr>
+        <p:style>
+          <a:lnRef idx="1">
+            <a:schemeClr val="accent5"/>
+          </a:lnRef>
+          <a:fillRef idx="2">
+            <a:schemeClr val="accent5"/>
+          </a:fillRef>
+          <a:effectRef idx="1">
+            <a:schemeClr val="accent5"/>
+          </a:effectRef>
+          <a:fontRef idx="minor">
+            <a:schemeClr val="dk1"/>
+          </a:fontRef>
+        </p:style>
+        <p:txBody>
+          <a:bodyPr rtlCol="0" anchor="ctr"/>
+          <a:lstStyle/>
+          <a:p>
+            <a:pPr algn="ctr"/>
+            <a:endParaRPr lang="pt-BR" dirty="0"/>
+          </a:p>
+        </p:txBody>
+      </p:sp>
+      <p:sp>
+        <p:nvSpPr>
+          <p:cNvPr id="12" name="Retângulo: Cantos Arredondados 11">
+            <a:extLst>
+              <a:ext uri="{FF2B5EF4-FFF2-40B4-BE49-F238E27FC236}">
+                <a16:creationId xmlns:a16="http://schemas.microsoft.com/office/drawing/2014/main" id="{1BB8D323-C7F4-6377-1613-7C40586DDA9E}"/>
+              </a:ext>
+            </a:extLst>
+          </p:cNvPr>
+          <p:cNvSpPr/>
+          <p:nvPr/>
+        </p:nvSpPr>
+        <p:spPr>
+          <a:xfrm>
+            <a:off x="136914" y="2042195"/>
+            <a:ext cx="1112109" cy="447675"/>
+          </a:xfrm>
+          <a:prstGeom prst="roundRect">
+            <a:avLst/>
+          </a:prstGeom>
+          <a:ln/>
+          <a:effectLst>
+            <a:outerShdw blurRad="50800" dist="38100" dir="2700000" algn="tl" rotWithShape="0">
+              <a:prstClr val="black">
+                <a:alpha val="40000"/>
+              </a:prstClr>
+            </a:outerShdw>
+          </a:effectLst>
+        </p:spPr>
+        <p:style>
+          <a:lnRef idx="1">
+            <a:schemeClr val="accent5"/>
+          </a:lnRef>
+          <a:fillRef idx="2">
+            <a:schemeClr val="accent5"/>
+          </a:fillRef>
+          <a:effectRef idx="1">
+            <a:schemeClr val="accent5"/>
+          </a:effectRef>
+          <a:fontRef idx="minor">
+            <a:schemeClr val="dk1"/>
+          </a:fontRef>
+        </p:style>
+        <p:txBody>
+          <a:bodyPr rtlCol="0" anchor="ctr"/>
+          <a:lstStyle/>
+          <a:p>
+            <a:pPr algn="ctr"/>
+            <a:endParaRPr lang="pt-BR" dirty="0"/>
+          </a:p>
+        </p:txBody>
+      </p:sp>
+      <p:sp>
+        <p:nvSpPr>
+          <p:cNvPr id="13" name="Retângulo: Cantos Arredondados 12">
+            <a:extLst>
+              <a:ext uri="{FF2B5EF4-FFF2-40B4-BE49-F238E27FC236}">
+                <a16:creationId xmlns:a16="http://schemas.microsoft.com/office/drawing/2014/main" id="{6AC453AB-F4CB-1142-35B4-2A01FD5715D8}"/>
+              </a:ext>
+            </a:extLst>
+          </p:cNvPr>
+          <p:cNvSpPr/>
+          <p:nvPr/>
+        </p:nvSpPr>
+        <p:spPr>
+          <a:xfrm>
+            <a:off x="83038" y="147504"/>
+            <a:ext cx="1809750" cy="1714500"/>
+          </a:xfrm>
+          <a:prstGeom prst="roundRect">
+            <a:avLst/>
+          </a:prstGeom>
+          <a:ln/>
+          <a:effectLst>
+            <a:outerShdw blurRad="50800" dist="38100" dir="2700000" algn="tl" rotWithShape="0">
+              <a:prstClr val="black">
+                <a:alpha val="40000"/>
+              </a:prstClr>
+            </a:outerShdw>
+          </a:effectLst>
+        </p:spPr>
+        <p:style>
+          <a:lnRef idx="1">
+            <a:schemeClr val="accent5"/>
+          </a:lnRef>
+          <a:fillRef idx="2">
+            <a:schemeClr val="accent5"/>
+          </a:fillRef>
+          <a:effectRef idx="1">
+            <a:schemeClr val="accent5"/>
+          </a:effectRef>
+          <a:fontRef idx="minor">
+            <a:schemeClr val="dk1"/>
+          </a:fontRef>
+        </p:style>
+        <p:txBody>
+          <a:bodyPr rtlCol="0" anchor="ctr"/>
+          <a:lstStyle/>
+          <a:p>
+            <a:pPr algn="ctr"/>
+            <a:endParaRPr lang="pt-BR" dirty="0"/>
+          </a:p>
+        </p:txBody>
+      </p:sp>
+      <p:sp>
+        <p:nvSpPr>
+          <p:cNvPr id="16" name="Retângulo: Cantos Arredondados 15">
+            <a:extLst>
+              <a:ext uri="{FF2B5EF4-FFF2-40B4-BE49-F238E27FC236}">
+                <a16:creationId xmlns:a16="http://schemas.microsoft.com/office/drawing/2014/main" id="{DB3F3968-0DAF-30CD-8B98-79C0352904A8}"/>
+              </a:ext>
+            </a:extLst>
+          </p:cNvPr>
+          <p:cNvSpPr/>
+          <p:nvPr/>
+        </p:nvSpPr>
+        <p:spPr>
+          <a:xfrm>
+            <a:off x="91441" y="68313"/>
+            <a:ext cx="1714500" cy="1714500"/>
+          </a:xfrm>
+          <a:prstGeom prst="roundRect">
+            <a:avLst/>
+          </a:prstGeom>
+          <a:ln/>
+          <a:effectLst>
+            <a:outerShdw blurRad="50800" dist="38100" dir="2700000" algn="tl" rotWithShape="0">
+              <a:prstClr val="black">
+                <a:alpha val="40000"/>
+              </a:prstClr>
+            </a:outerShdw>
+          </a:effectLst>
+        </p:spPr>
+        <p:style>
+          <a:lnRef idx="1">
+            <a:schemeClr val="accent5"/>
+          </a:lnRef>
+          <a:fillRef idx="2">
+            <a:schemeClr val="accent5"/>
+          </a:fillRef>
+          <a:effectRef idx="1">
+            <a:schemeClr val="accent5"/>
+          </a:effectRef>
+          <a:fontRef idx="minor">
+            <a:schemeClr val="dk1"/>
+          </a:fontRef>
+        </p:style>
+        <p:txBody>
+          <a:bodyPr rtlCol="0" anchor="ctr"/>
+          <a:lstStyle/>
+          <a:p>
+            <a:pPr algn="ctr"/>
+            <a:endParaRPr lang="pt-BR" dirty="0"/>
+          </a:p>
+        </p:txBody>
+      </p:sp>
+      <p:sp>
+        <p:nvSpPr>
+          <p:cNvPr id="17" name="Retângulo: Cantos Arredondados 16">
+            <a:extLst>
+              <a:ext uri="{FF2B5EF4-FFF2-40B4-BE49-F238E27FC236}">
+                <a16:creationId xmlns:a16="http://schemas.microsoft.com/office/drawing/2014/main" id="{3C414830-8352-73F2-2589-A0695F040F29}"/>
+              </a:ext>
+            </a:extLst>
+          </p:cNvPr>
+          <p:cNvSpPr/>
+          <p:nvPr/>
+        </p:nvSpPr>
+        <p:spPr>
+          <a:xfrm>
+            <a:off x="80259" y="1878183"/>
+            <a:ext cx="1101600" cy="360000"/>
+          </a:xfrm>
+          <a:prstGeom prst="roundRect">
+            <a:avLst/>
+          </a:prstGeom>
+          <a:ln/>
+          <a:effectLst>
+            <a:outerShdw blurRad="50800" dist="38100" dir="2700000" algn="tl" rotWithShape="0">
+              <a:prstClr val="black">
+                <a:alpha val="40000"/>
+              </a:prstClr>
+            </a:outerShdw>
+          </a:effectLst>
+        </p:spPr>
+        <p:style>
+          <a:lnRef idx="1">
+            <a:schemeClr val="accent5"/>
+          </a:lnRef>
+          <a:fillRef idx="2">
+            <a:schemeClr val="accent5"/>
+          </a:fillRef>
+          <a:effectRef idx="1">
+            <a:schemeClr val="accent5"/>
+          </a:effectRef>
+          <a:fontRef idx="minor">
+            <a:schemeClr val="dk1"/>
+          </a:fontRef>
+        </p:style>
+        <p:txBody>
+          <a:bodyPr rtlCol="0" anchor="ctr"/>
+          <a:lstStyle/>
+          <a:p>
+            <a:pPr algn="ctr"/>
+            <a:endParaRPr lang="pt-BR" dirty="0"/>
+          </a:p>
+        </p:txBody>
+      </p:sp>
+      <p:sp>
+        <p:nvSpPr>
+          <p:cNvPr id="22" name="Retângulo: Cantos Arredondados 21">
+            <a:extLst>
+              <a:ext uri="{FF2B5EF4-FFF2-40B4-BE49-F238E27FC236}">
+                <a16:creationId xmlns:a16="http://schemas.microsoft.com/office/drawing/2014/main" id="{CDDB589A-46CC-8579-8B62-B2F1C4FDF8A2}"/>
+              </a:ext>
+            </a:extLst>
+          </p:cNvPr>
+          <p:cNvSpPr/>
+          <p:nvPr/>
+        </p:nvSpPr>
+        <p:spPr>
+          <a:xfrm>
+            <a:off x="80259" y="2311063"/>
+            <a:ext cx="1101600" cy="360000"/>
+          </a:xfrm>
+          <a:prstGeom prst="roundRect">
+            <a:avLst/>
+          </a:prstGeom>
+          <a:ln/>
+          <a:effectLst>
+            <a:outerShdw blurRad="50800" dist="38100" dir="2700000" algn="tl" rotWithShape="0">
+              <a:prstClr val="black">
+                <a:alpha val="40000"/>
+              </a:prstClr>
+            </a:outerShdw>
+          </a:effectLst>
+        </p:spPr>
+        <p:style>
+          <a:lnRef idx="1">
+            <a:schemeClr val="accent5"/>
+          </a:lnRef>
+          <a:fillRef idx="2">
+            <a:schemeClr val="accent5"/>
+          </a:fillRef>
+          <a:effectRef idx="1">
+            <a:schemeClr val="accent5"/>
+          </a:effectRef>
+          <a:fontRef idx="minor">
+            <a:schemeClr val="dk1"/>
+          </a:fontRef>
+        </p:style>
+        <p:txBody>
+          <a:bodyPr rtlCol="0" anchor="ctr"/>
+          <a:lstStyle/>
+          <a:p>
+            <a:pPr algn="ctr"/>
+            <a:endParaRPr lang="pt-BR" dirty="0"/>
+          </a:p>
+        </p:txBody>
+      </p:sp>
+      <p:sp>
+        <p:nvSpPr>
+          <p:cNvPr id="23" name="Retângulo: Cantos Arredondados 22">
+            <a:extLst>
+              <a:ext uri="{FF2B5EF4-FFF2-40B4-BE49-F238E27FC236}">
+                <a16:creationId xmlns:a16="http://schemas.microsoft.com/office/drawing/2014/main" id="{FFC36B3E-11C4-D783-8573-3412E3FD2252}"/>
+              </a:ext>
+            </a:extLst>
+          </p:cNvPr>
+          <p:cNvSpPr/>
+          <p:nvPr/>
+        </p:nvSpPr>
+        <p:spPr>
+          <a:xfrm>
+            <a:off x="73922" y="2785503"/>
+            <a:ext cx="1101600" cy="360000"/>
+          </a:xfrm>
+          <a:prstGeom prst="roundRect">
+            <a:avLst/>
+          </a:prstGeom>
+          <a:ln/>
+          <a:effectLst>
+            <a:outerShdw blurRad="50800" dist="38100" dir="2700000" algn="tl" rotWithShape="0">
+              <a:prstClr val="black">
+                <a:alpha val="40000"/>
+              </a:prstClr>
+            </a:outerShdw>
+          </a:effectLst>
+        </p:spPr>
+        <p:style>
+          <a:lnRef idx="1">
+            <a:schemeClr val="accent5"/>
+          </a:lnRef>
+          <a:fillRef idx="2">
+            <a:schemeClr val="accent5"/>
+          </a:fillRef>
+          <a:effectRef idx="1">
+            <a:schemeClr val="accent5"/>
+          </a:effectRef>
+          <a:fontRef idx="minor">
+            <a:schemeClr val="dk1"/>
+          </a:fontRef>
+        </p:style>
+        <p:txBody>
+          <a:bodyPr rtlCol="0" anchor="ctr"/>
+          <a:lstStyle/>
+          <a:p>
+            <a:pPr algn="ctr"/>
+            <a:endParaRPr lang="pt-BR" dirty="0"/>
+          </a:p>
+        </p:txBody>
+      </p:sp>
+      <p:sp>
+        <p:nvSpPr>
+          <p:cNvPr id="24" name="Retângulo: Cantos Arredondados 23">
+            <a:extLst>
+              <a:ext uri="{FF2B5EF4-FFF2-40B4-BE49-F238E27FC236}">
+                <a16:creationId xmlns:a16="http://schemas.microsoft.com/office/drawing/2014/main" id="{60B86EF3-4114-3359-F673-A1553CFC0A12}"/>
+              </a:ext>
+            </a:extLst>
+          </p:cNvPr>
+          <p:cNvSpPr/>
+          <p:nvPr/>
+        </p:nvSpPr>
+        <p:spPr>
+          <a:xfrm>
+            <a:off x="82371" y="3248240"/>
+            <a:ext cx="1101600" cy="360000"/>
+          </a:xfrm>
+          <a:prstGeom prst="roundRect">
+            <a:avLst/>
+          </a:prstGeom>
+          <a:ln/>
+          <a:effectLst>
+            <a:outerShdw blurRad="50800" dist="38100" dir="2700000" algn="tl" rotWithShape="0">
+              <a:prstClr val="black">
+                <a:alpha val="40000"/>
+              </a:prstClr>
+            </a:outerShdw>
+          </a:effectLst>
+        </p:spPr>
+        <p:style>
+          <a:lnRef idx="1">
+            <a:schemeClr val="accent5"/>
+          </a:lnRef>
+          <a:fillRef idx="2">
+            <a:schemeClr val="accent5"/>
+          </a:fillRef>
+          <a:effectRef idx="1">
+            <a:schemeClr val="accent5"/>
+          </a:effectRef>
+          <a:fontRef idx="minor">
+            <a:schemeClr val="dk1"/>
+          </a:fontRef>
+        </p:style>
+        <p:txBody>
+          <a:bodyPr rtlCol="0" anchor="ctr"/>
+          <a:lstStyle/>
+          <a:p>
+            <a:pPr algn="ctr"/>
+            <a:endParaRPr lang="pt-BR" dirty="0"/>
+          </a:p>
+        </p:txBody>
+      </p:sp>
+      <p:sp>
+        <p:nvSpPr>
+          <p:cNvPr id="25" name="Retângulo: Cantos Arredondados 24">
+            <a:extLst>
+              <a:ext uri="{FF2B5EF4-FFF2-40B4-BE49-F238E27FC236}">
+                <a16:creationId xmlns:a16="http://schemas.microsoft.com/office/drawing/2014/main" id="{871F9B18-80FE-D90F-6009-952AD537E16F}"/>
+              </a:ext>
+            </a:extLst>
+          </p:cNvPr>
+          <p:cNvSpPr/>
+          <p:nvPr/>
+        </p:nvSpPr>
+        <p:spPr>
+          <a:xfrm>
+            <a:off x="73922" y="3710456"/>
+            <a:ext cx="1101600" cy="360000"/>
+          </a:xfrm>
+          <a:prstGeom prst="roundRect">
+            <a:avLst/>
+          </a:prstGeom>
+          <a:ln/>
+          <a:effectLst>
+            <a:outerShdw blurRad="50800" dist="38100" dir="2700000" algn="tl" rotWithShape="0">
+              <a:prstClr val="black">
+                <a:alpha val="40000"/>
+              </a:prstClr>
+            </a:outerShdw>
+          </a:effectLst>
+        </p:spPr>
+        <p:style>
+          <a:lnRef idx="1">
+            <a:schemeClr val="accent5"/>
+          </a:lnRef>
+          <a:fillRef idx="2">
+            <a:schemeClr val="accent5"/>
+          </a:fillRef>
+          <a:effectRef idx="1">
+            <a:schemeClr val="accent5"/>
+          </a:effectRef>
+          <a:fontRef idx="minor">
+            <a:schemeClr val="dk1"/>
+          </a:fontRef>
+        </p:style>
+        <p:txBody>
+          <a:bodyPr rtlCol="0" anchor="ctr"/>
+          <a:lstStyle/>
+          <a:p>
+            <a:pPr algn="ctr"/>
+            <a:endParaRPr lang="pt-BR" dirty="0"/>
+          </a:p>
+        </p:txBody>
+      </p:sp>
+      <p:sp>
+        <p:nvSpPr>
+          <p:cNvPr id="26" name="Retângulo: Cantos Arredondados 25">
+            <a:extLst>
+              <a:ext uri="{FF2B5EF4-FFF2-40B4-BE49-F238E27FC236}">
+                <a16:creationId xmlns:a16="http://schemas.microsoft.com/office/drawing/2014/main" id="{84D02151-96E0-868D-06D0-BBBAA7A0A6CF}"/>
+              </a:ext>
+            </a:extLst>
+          </p:cNvPr>
+          <p:cNvSpPr/>
+          <p:nvPr/>
+        </p:nvSpPr>
+        <p:spPr>
+          <a:xfrm>
+            <a:off x="1959515" y="69767"/>
+            <a:ext cx="1857375" cy="819150"/>
+          </a:xfrm>
+          <a:prstGeom prst="roundRect">
+            <a:avLst/>
+          </a:prstGeom>
+          <a:ln/>
+          <a:effectLst>
+            <a:outerShdw blurRad="50800" dist="38100" dir="2700000" algn="tl" rotWithShape="0">
+              <a:prstClr val="black">
+                <a:alpha val="40000"/>
+              </a:prstClr>
+            </a:outerShdw>
+          </a:effectLst>
+        </p:spPr>
+        <p:style>
+          <a:lnRef idx="1">
+            <a:schemeClr val="accent5"/>
+          </a:lnRef>
+          <a:fillRef idx="2">
+            <a:schemeClr val="accent5"/>
+          </a:fillRef>
+          <a:effectRef idx="1">
+            <a:schemeClr val="accent5"/>
+          </a:effectRef>
+          <a:fontRef idx="minor">
+            <a:schemeClr val="dk1"/>
+          </a:fontRef>
+        </p:style>
+        <p:txBody>
+          <a:bodyPr rtlCol="0" anchor="ctr"/>
+          <a:lstStyle/>
+          <a:p>
+            <a:pPr algn="ctr"/>
+            <a:endParaRPr lang="pt-BR" dirty="0"/>
+          </a:p>
+        </p:txBody>
+      </p:sp>
+      <p:pic>
+        <p:nvPicPr>
+          <p:cNvPr id="3" name="Gráfico 2">
+            <a:extLst>
+              <a:ext uri="{FF2B5EF4-FFF2-40B4-BE49-F238E27FC236}">
+                <a16:creationId xmlns:a16="http://schemas.microsoft.com/office/drawing/2014/main" id="{215545AA-31EE-4848-52BD-97747D0BD2F4}"/>
+              </a:ext>
+            </a:extLst>
+          </p:cNvPr>
+          <p:cNvPicPr>
+            <a:picLocks noChangeAspect="1"/>
+          </p:cNvPicPr>
+          <p:nvPr/>
+        </p:nvPicPr>
+        <p:blipFill>
+          <a:blip r:embed="rId2">
+            <a:extLst>
+              <a:ext uri="{96DAC541-7B7A-43D3-8B79-37D633B846F1}">
+                <asvg:svgBlip xmlns:asvg="http://schemas.microsoft.com/office/drawing/2016/SVG/main" r:embed="rId3"/>
+              </a:ext>
+            </a:extLst>
+          </a:blip>
+          <a:stretch>
+            <a:fillRect/>
+          </a:stretch>
+        </p:blipFill>
+        <p:spPr>
+          <a:xfrm>
+            <a:off x="0" y="-18536"/>
+            <a:ext cx="12382500" cy="7207817"/>
+          </a:xfrm>
+          <a:prstGeom prst="rect">
+            <a:avLst/>
+          </a:prstGeom>
+        </p:spPr>
+      </p:pic>
+      <p:sp>
+        <p:nvSpPr>
+          <p:cNvPr id="2" name="Retângulo 1">
+            <a:extLst>
+              <a:ext uri="{FF2B5EF4-FFF2-40B4-BE49-F238E27FC236}">
+                <a16:creationId xmlns:a16="http://schemas.microsoft.com/office/drawing/2014/main" id="{BD89CB83-E5AE-E93C-AF8F-6A5E6BFF62D4}"/>
+              </a:ext>
+            </a:extLst>
+          </p:cNvPr>
+          <p:cNvSpPr/>
+          <p:nvPr/>
+        </p:nvSpPr>
+        <p:spPr>
+          <a:xfrm>
+            <a:off x="0" y="4971026"/>
+            <a:ext cx="12382500" cy="4642874"/>
+          </a:xfrm>
+          <a:prstGeom prst="rect">
+            <a:avLst/>
+          </a:prstGeom>
+          <a:solidFill>
+            <a:srgbClr val="1A1B22"/>
+          </a:solidFill>
+        </p:spPr>
+        <p:style>
+          <a:lnRef idx="2">
+            <a:schemeClr val="accent1">
+              <a:shade val="15000"/>
+            </a:schemeClr>
+          </a:lnRef>
+          <a:fillRef idx="1">
+            <a:schemeClr val="accent1"/>
+          </a:fillRef>
+          <a:effectRef idx="0">
+            <a:schemeClr val="accent1"/>
+          </a:effectRef>
+          <a:fontRef idx="minor">
+            <a:schemeClr val="lt1"/>
+          </a:fontRef>
+        </p:style>
+        <p:txBody>
+          <a:bodyPr rtlCol="0" anchor="ctr"/>
+          <a:lstStyle/>
+          <a:p>
+            <a:pPr algn="ctr"/>
+            <a:endParaRPr lang="pt-BR" dirty="0"/>
+          </a:p>
+        </p:txBody>
+      </p:sp>
+      <p:sp>
+        <p:nvSpPr>
+          <p:cNvPr id="6" name="Retângulo: Cantos Arredondados 5">
+            <a:extLst>
+              <a:ext uri="{FF2B5EF4-FFF2-40B4-BE49-F238E27FC236}">
+                <a16:creationId xmlns:a16="http://schemas.microsoft.com/office/drawing/2014/main" id="{6DB29E5C-CE60-E1A9-40C2-14FC7DEC6F30}"/>
+              </a:ext>
+            </a:extLst>
+          </p:cNvPr>
+          <p:cNvSpPr/>
+          <p:nvPr/>
+        </p:nvSpPr>
+        <p:spPr>
+          <a:xfrm>
+            <a:off x="139026" y="1787437"/>
+            <a:ext cx="1101600" cy="360000"/>
+          </a:xfrm>
+          <a:prstGeom prst="roundRect">
+            <a:avLst/>
+          </a:prstGeom>
+          <a:noFill/>
+          <a:ln>
+            <a:solidFill>
+              <a:schemeClr val="bg1"/>
+            </a:solidFill>
+          </a:ln>
+          <a:effectLst>
+            <a:outerShdw blurRad="50800" dist="38100" dir="2700000" algn="tl" rotWithShape="0">
+              <a:prstClr val="black">
+                <a:alpha val="40000"/>
+              </a:prstClr>
+            </a:outerShdw>
+          </a:effectLst>
+        </p:spPr>
+        <p:style>
+          <a:lnRef idx="1">
+            <a:schemeClr val="accent5"/>
+          </a:lnRef>
+          <a:fillRef idx="2">
+            <a:schemeClr val="accent5"/>
+          </a:fillRef>
+          <a:effectRef idx="1">
+            <a:schemeClr val="accent5"/>
+          </a:effectRef>
+          <a:fontRef idx="minor">
+            <a:schemeClr val="dk1"/>
+          </a:fontRef>
+        </p:style>
+        <p:txBody>
+          <a:bodyPr rtlCol="0" anchor="ctr"/>
+          <a:lstStyle/>
+          <a:p>
+            <a:pPr algn="ctr"/>
+            <a:endParaRPr lang="pt-BR" dirty="0"/>
+          </a:p>
+        </p:txBody>
+      </p:sp>
+      <p:sp>
+        <p:nvSpPr>
+          <p:cNvPr id="15" name="Retângulo: Cantos Arredondados 14">
+            <a:extLst>
+              <a:ext uri="{FF2B5EF4-FFF2-40B4-BE49-F238E27FC236}">
+                <a16:creationId xmlns:a16="http://schemas.microsoft.com/office/drawing/2014/main" id="{50A9B8D4-2330-AC36-4290-EAC8656E4ADB}"/>
+              </a:ext>
+            </a:extLst>
+          </p:cNvPr>
+          <p:cNvSpPr/>
+          <p:nvPr/>
+        </p:nvSpPr>
+        <p:spPr>
+          <a:xfrm>
+            <a:off x="139026" y="2220317"/>
+            <a:ext cx="1101600" cy="360000"/>
+          </a:xfrm>
+          <a:prstGeom prst="roundRect">
+            <a:avLst/>
+          </a:prstGeom>
+          <a:noFill/>
+          <a:ln>
+            <a:solidFill>
+              <a:schemeClr val="bg1"/>
+            </a:solidFill>
+          </a:ln>
+          <a:effectLst>
+            <a:outerShdw blurRad="50800" dist="38100" dir="2700000" algn="tl" rotWithShape="0">
+              <a:prstClr val="black">
+                <a:alpha val="40000"/>
+              </a:prstClr>
+            </a:outerShdw>
+          </a:effectLst>
+        </p:spPr>
+        <p:style>
+          <a:lnRef idx="1">
+            <a:schemeClr val="accent5"/>
+          </a:lnRef>
+          <a:fillRef idx="2">
+            <a:schemeClr val="accent5"/>
+          </a:fillRef>
+          <a:effectRef idx="1">
+            <a:schemeClr val="accent5"/>
+          </a:effectRef>
+          <a:fontRef idx="minor">
+            <a:schemeClr val="dk1"/>
+          </a:fontRef>
+        </p:style>
+        <p:txBody>
+          <a:bodyPr rtlCol="0" anchor="ctr"/>
+          <a:lstStyle/>
+          <a:p>
+            <a:pPr algn="ctr"/>
+            <a:endParaRPr lang="pt-BR" dirty="0"/>
+          </a:p>
+        </p:txBody>
+      </p:sp>
+      <p:sp>
+        <p:nvSpPr>
+          <p:cNvPr id="18" name="Retângulo: Cantos Arredondados 17">
+            <a:extLst>
+              <a:ext uri="{FF2B5EF4-FFF2-40B4-BE49-F238E27FC236}">
+                <a16:creationId xmlns:a16="http://schemas.microsoft.com/office/drawing/2014/main" id="{105CA292-98FC-CE96-3EDC-86B7ECD402FD}"/>
+              </a:ext>
+            </a:extLst>
+          </p:cNvPr>
+          <p:cNvSpPr/>
+          <p:nvPr/>
+        </p:nvSpPr>
+        <p:spPr>
+          <a:xfrm>
+            <a:off x="136914" y="2669863"/>
+            <a:ext cx="1112109" cy="360000"/>
+          </a:xfrm>
+          <a:prstGeom prst="roundRect">
+            <a:avLst/>
+          </a:prstGeom>
+          <a:noFill/>
+          <a:ln>
+            <a:solidFill>
+              <a:schemeClr val="bg1"/>
+            </a:solidFill>
+          </a:ln>
+          <a:effectLst>
+            <a:outerShdw blurRad="50800" dist="38100" dir="2700000" algn="tl" rotWithShape="0">
+              <a:prstClr val="black">
+                <a:alpha val="40000"/>
+              </a:prstClr>
+            </a:outerShdw>
+          </a:effectLst>
+        </p:spPr>
+        <p:style>
+          <a:lnRef idx="1">
+            <a:schemeClr val="accent5"/>
+          </a:lnRef>
+          <a:fillRef idx="2">
+            <a:schemeClr val="accent5"/>
+          </a:fillRef>
+          <a:effectRef idx="1">
+            <a:schemeClr val="accent5"/>
+          </a:effectRef>
+          <a:fontRef idx="minor">
+            <a:schemeClr val="dk1"/>
+          </a:fontRef>
+        </p:style>
+        <p:txBody>
+          <a:bodyPr rtlCol="0" anchor="ctr"/>
+          <a:lstStyle/>
+          <a:p>
+            <a:pPr algn="ctr"/>
+            <a:endParaRPr lang="pt-BR" dirty="0"/>
+          </a:p>
+        </p:txBody>
+      </p:sp>
+      <p:sp>
+        <p:nvSpPr>
+          <p:cNvPr id="19" name="Retângulo: Cantos Arredondados 18">
+            <a:extLst>
+              <a:ext uri="{FF2B5EF4-FFF2-40B4-BE49-F238E27FC236}">
+                <a16:creationId xmlns:a16="http://schemas.microsoft.com/office/drawing/2014/main" id="{98629AD2-A0DD-08F6-3627-7AD2AFF1C777}"/>
+              </a:ext>
+            </a:extLst>
+          </p:cNvPr>
+          <p:cNvSpPr/>
+          <p:nvPr/>
+        </p:nvSpPr>
+        <p:spPr>
+          <a:xfrm>
+            <a:off x="147422" y="3118666"/>
+            <a:ext cx="1093204" cy="360000"/>
+          </a:xfrm>
+          <a:prstGeom prst="roundRect">
+            <a:avLst/>
+          </a:prstGeom>
+          <a:noFill/>
+          <a:ln>
+            <a:solidFill>
+              <a:schemeClr val="bg1"/>
+            </a:solidFill>
+          </a:ln>
+          <a:effectLst>
+            <a:outerShdw blurRad="50800" dist="38100" dir="2700000" algn="tl" rotWithShape="0">
+              <a:prstClr val="black">
+                <a:alpha val="40000"/>
+              </a:prstClr>
+            </a:outerShdw>
+          </a:effectLst>
+        </p:spPr>
+        <p:style>
+          <a:lnRef idx="1">
+            <a:schemeClr val="accent5"/>
+          </a:lnRef>
+          <a:fillRef idx="2">
+            <a:schemeClr val="accent5"/>
+          </a:fillRef>
+          <a:effectRef idx="1">
+            <a:schemeClr val="accent5"/>
+          </a:effectRef>
+          <a:fontRef idx="minor">
+            <a:schemeClr val="dk1"/>
+          </a:fontRef>
+        </p:style>
+        <p:txBody>
+          <a:bodyPr rtlCol="0" anchor="ctr"/>
+          <a:lstStyle/>
+          <a:p>
+            <a:pPr algn="ctr"/>
+            <a:endParaRPr lang="pt-BR" dirty="0"/>
+          </a:p>
+        </p:txBody>
+      </p:sp>
+      <p:sp>
+        <p:nvSpPr>
+          <p:cNvPr id="20" name="Retângulo: Cantos Arredondados 19">
+            <a:extLst>
+              <a:ext uri="{FF2B5EF4-FFF2-40B4-BE49-F238E27FC236}">
+                <a16:creationId xmlns:a16="http://schemas.microsoft.com/office/drawing/2014/main" id="{73B55948-26E1-E99C-41E3-8EA70FEAE456}"/>
+              </a:ext>
+            </a:extLst>
+          </p:cNvPr>
+          <p:cNvSpPr/>
+          <p:nvPr/>
+        </p:nvSpPr>
+        <p:spPr>
+          <a:xfrm>
+            <a:off x="155819" y="3583281"/>
+            <a:ext cx="1084807" cy="360000"/>
+          </a:xfrm>
+          <a:prstGeom prst="roundRect">
+            <a:avLst/>
+          </a:prstGeom>
+          <a:noFill/>
+          <a:ln>
+            <a:solidFill>
+              <a:schemeClr val="bg1"/>
+            </a:solidFill>
+          </a:ln>
+          <a:effectLst>
+            <a:outerShdw blurRad="50800" dist="38100" dir="2700000" algn="tl" rotWithShape="0">
+              <a:prstClr val="black">
+                <a:alpha val="40000"/>
+              </a:prstClr>
+            </a:outerShdw>
+          </a:effectLst>
+        </p:spPr>
+        <p:style>
+          <a:lnRef idx="1">
+            <a:schemeClr val="accent5"/>
+          </a:lnRef>
+          <a:fillRef idx="2">
+            <a:schemeClr val="accent5"/>
+          </a:fillRef>
+          <a:effectRef idx="1">
+            <a:schemeClr val="accent5"/>
+          </a:effectRef>
+          <a:fontRef idx="minor">
+            <a:schemeClr val="dk1"/>
+          </a:fontRef>
+        </p:style>
+        <p:txBody>
+          <a:bodyPr rtlCol="0" anchor="ctr"/>
+          <a:lstStyle/>
+          <a:p>
+            <a:pPr algn="ctr"/>
+            <a:endParaRPr lang="pt-BR" dirty="0"/>
+          </a:p>
+        </p:txBody>
+      </p:sp>
+      <p:sp>
+        <p:nvSpPr>
+          <p:cNvPr id="21" name="Retângulo: Cantos Arredondados 20">
+            <a:extLst>
+              <a:ext uri="{FF2B5EF4-FFF2-40B4-BE49-F238E27FC236}">
+                <a16:creationId xmlns:a16="http://schemas.microsoft.com/office/drawing/2014/main" id="{66FC9D54-0394-1E7C-9F31-A9731E80E42B}"/>
+              </a:ext>
+            </a:extLst>
+          </p:cNvPr>
+          <p:cNvSpPr/>
+          <p:nvPr/>
+        </p:nvSpPr>
+        <p:spPr>
+          <a:xfrm>
+            <a:off x="2113089" y="131673"/>
+            <a:ext cx="1857375" cy="819150"/>
+          </a:xfrm>
+          <a:prstGeom prst="roundRect">
+            <a:avLst/>
+          </a:prstGeom>
+          <a:noFill/>
+          <a:ln>
+            <a:solidFill>
+              <a:schemeClr val="bg1"/>
+            </a:solidFill>
+          </a:ln>
+          <a:effectLst>
+            <a:outerShdw blurRad="50800" dist="38100" dir="2700000" algn="tl" rotWithShape="0">
+              <a:prstClr val="black">
+                <a:alpha val="40000"/>
+              </a:prstClr>
+            </a:outerShdw>
+          </a:effectLst>
+        </p:spPr>
+        <p:style>
+          <a:lnRef idx="1">
+            <a:schemeClr val="accent5"/>
+          </a:lnRef>
+          <a:fillRef idx="2">
+            <a:schemeClr val="accent5"/>
+          </a:fillRef>
+          <a:effectRef idx="1">
+            <a:schemeClr val="accent5"/>
+          </a:effectRef>
+          <a:fontRef idx="minor">
+            <a:schemeClr val="dk1"/>
+          </a:fontRef>
+        </p:style>
+        <p:txBody>
+          <a:bodyPr rtlCol="0" anchor="ctr"/>
+          <a:lstStyle/>
+          <a:p>
+            <a:pPr algn="ctr"/>
+            <a:endParaRPr lang="pt-BR" dirty="0"/>
+          </a:p>
+        </p:txBody>
+      </p:sp>
+      <p:sp>
+        <p:nvSpPr>
+          <p:cNvPr id="32" name="Retângulo: Cantos Arredondados 31">
+            <a:extLst>
+              <a:ext uri="{FF2B5EF4-FFF2-40B4-BE49-F238E27FC236}">
+                <a16:creationId xmlns:a16="http://schemas.microsoft.com/office/drawing/2014/main" id="{688E4EB7-5F5A-DF78-2A38-CE5F79D3134C}"/>
+              </a:ext>
+            </a:extLst>
+          </p:cNvPr>
+          <p:cNvSpPr/>
+          <p:nvPr/>
+        </p:nvSpPr>
+        <p:spPr>
+          <a:xfrm>
+            <a:off x="73922" y="62877"/>
+            <a:ext cx="1551678" cy="1610627"/>
+          </a:xfrm>
+          <a:prstGeom prst="roundRect">
+            <a:avLst/>
+          </a:prstGeom>
+          <a:noFill/>
+          <a:ln>
+            <a:solidFill>
+              <a:schemeClr val="bg1"/>
+            </a:solidFill>
+          </a:ln>
+          <a:effectLst>
+            <a:outerShdw blurRad="50800" dist="38100" dir="2700000" algn="tl" rotWithShape="0">
+              <a:prstClr val="black">
+                <a:alpha val="40000"/>
+              </a:prstClr>
+            </a:outerShdw>
+          </a:effectLst>
+        </p:spPr>
+        <p:style>
+          <a:lnRef idx="1">
+            <a:schemeClr val="accent5"/>
+          </a:lnRef>
+          <a:fillRef idx="2">
+            <a:schemeClr val="accent5"/>
+          </a:fillRef>
+          <a:effectRef idx="1">
+            <a:schemeClr val="accent5"/>
+          </a:effectRef>
+          <a:fontRef idx="minor">
+            <a:schemeClr val="dk1"/>
+          </a:fontRef>
+        </p:style>
+        <p:txBody>
+          <a:bodyPr rtlCol="0" anchor="ctr"/>
+          <a:lstStyle/>
+          <a:p>
+            <a:pPr algn="ctr"/>
+            <a:endParaRPr lang="pt-BR" dirty="0"/>
+          </a:p>
+        </p:txBody>
+      </p:sp>
+      <p:sp>
+        <p:nvSpPr>
+          <p:cNvPr id="33" name="Retângulo: Cantos Arredondados 32">
+            <a:extLst>
+              <a:ext uri="{FF2B5EF4-FFF2-40B4-BE49-F238E27FC236}">
+                <a16:creationId xmlns:a16="http://schemas.microsoft.com/office/drawing/2014/main" id="{22D81753-2A47-6735-6D07-4FFD7C9A452E}"/>
+              </a:ext>
+            </a:extLst>
+          </p:cNvPr>
+          <p:cNvSpPr/>
+          <p:nvPr/>
+        </p:nvSpPr>
+        <p:spPr>
+          <a:xfrm>
+            <a:off x="5785299" y="4956739"/>
+            <a:ext cx="6534150" cy="4486275"/>
+          </a:xfrm>
+          <a:prstGeom prst="roundRect">
+            <a:avLst>
+              <a:gd name="adj" fmla="val 2472"/>
+            </a:avLst>
+          </a:prstGeom>
+          <a:noFill/>
+          <a:ln>
+            <a:solidFill>
+              <a:schemeClr val="bg1"/>
+            </a:solidFill>
+          </a:ln>
+          <a:effectLst>
+            <a:outerShdw blurRad="50800" dist="38100" dir="2700000" algn="tl" rotWithShape="0">
+              <a:prstClr val="black">
+                <a:alpha val="40000"/>
+              </a:prstClr>
+            </a:outerShdw>
+          </a:effectLst>
+        </p:spPr>
+        <p:style>
+          <a:lnRef idx="1">
+            <a:schemeClr val="accent5"/>
+          </a:lnRef>
+          <a:fillRef idx="2">
+            <a:schemeClr val="accent5"/>
+          </a:fillRef>
+          <a:effectRef idx="1">
+            <a:schemeClr val="accent5"/>
+          </a:effectRef>
+          <a:fontRef idx="minor">
+            <a:schemeClr val="dk1"/>
+          </a:fontRef>
+        </p:style>
+        <p:txBody>
+          <a:bodyPr rtlCol="0" anchor="ctr"/>
+          <a:lstStyle/>
+          <a:p>
+            <a:pPr algn="ctr"/>
+            <a:endParaRPr lang="pt-BR" dirty="0"/>
+          </a:p>
+        </p:txBody>
+      </p:sp>
+      <p:sp>
+        <p:nvSpPr>
+          <p:cNvPr id="34" name="Retângulo: Cantos Arredondados 33">
+            <a:extLst>
+              <a:ext uri="{FF2B5EF4-FFF2-40B4-BE49-F238E27FC236}">
+                <a16:creationId xmlns:a16="http://schemas.microsoft.com/office/drawing/2014/main" id="{E6E90744-C588-F776-0409-48B9FA0D8FDC}"/>
+              </a:ext>
+            </a:extLst>
+          </p:cNvPr>
+          <p:cNvSpPr/>
+          <p:nvPr/>
+        </p:nvSpPr>
+        <p:spPr>
+          <a:xfrm>
+            <a:off x="73923" y="4971027"/>
+            <a:ext cx="5648325" cy="4457700"/>
+          </a:xfrm>
+          <a:prstGeom prst="roundRect">
+            <a:avLst>
+              <a:gd name="adj" fmla="val 2472"/>
+            </a:avLst>
+          </a:prstGeom>
+          <a:noFill/>
+          <a:ln>
+            <a:solidFill>
+              <a:schemeClr val="bg1"/>
+            </a:solidFill>
+          </a:ln>
+          <a:effectLst>
+            <a:outerShdw blurRad="50800" dist="38100" dir="2700000" algn="tl" rotWithShape="0">
+              <a:prstClr val="black">
+                <a:alpha val="40000"/>
+              </a:prstClr>
+            </a:outerShdw>
+          </a:effectLst>
+        </p:spPr>
+        <p:style>
+          <a:lnRef idx="1">
+            <a:schemeClr val="accent5"/>
+          </a:lnRef>
+          <a:fillRef idx="2">
+            <a:schemeClr val="accent5"/>
+          </a:fillRef>
+          <a:effectRef idx="1">
+            <a:schemeClr val="accent5"/>
+          </a:effectRef>
+          <a:fontRef idx="minor">
+            <a:schemeClr val="dk1"/>
+          </a:fontRef>
+        </p:style>
+        <p:txBody>
+          <a:bodyPr rtlCol="0" anchor="ctr"/>
+          <a:lstStyle/>
+          <a:p>
+            <a:pPr algn="ctr"/>
+            <a:endParaRPr lang="pt-BR" dirty="0"/>
+          </a:p>
+        </p:txBody>
+      </p:sp>
+    </p:spTree>
+    <p:extLst>
+      <p:ext uri="{BB962C8B-B14F-4D97-AF65-F5344CB8AC3E}">
+        <p14:creationId xmlns:p14="http://schemas.microsoft.com/office/powerpoint/2010/main" val="2100465409"/>
+      </p:ext>
+    </p:extLst>
+  </p:cSld>
+  <p:clrMapOvr>
+    <a:masterClrMapping/>
+  </p:clrMapOvr>
+</p:sld>
+</file>
+
+<file path=ppt/slides/slide5.xml><?xml version="1.0" encoding="utf-8"?>
+<p:sld xmlns:a="http://schemas.openxmlformats.org/drawingml/2006/main" xmlns:r="http://schemas.openxmlformats.org/officeDocument/2006/relationships" xmlns:p="http://schemas.openxmlformats.org/presentationml/2006/main">
+  <p:cSld>
+    <p:spTree>
+      <p:nvGrpSpPr>
+        <p:cNvPr id="1" name="">
+          <a:extLst>
+            <a:ext uri="{FF2B5EF4-FFF2-40B4-BE49-F238E27FC236}">
+              <a16:creationId xmlns:a16="http://schemas.microsoft.com/office/drawing/2014/main" id="{A65216F7-AF8C-CBBA-0A27-893235057165}"/>
+            </a:ext>
+          </a:extLst>
+        </p:cNvPr>
+        <p:cNvGrpSpPr/>
+        <p:nvPr/>
+      </p:nvGrpSpPr>
+      <p:grpSpPr>
+        <a:xfrm>
+          <a:off x="0" y="0"/>
+          <a:ext cx="0" cy="0"/>
+          <a:chOff x="0" y="0"/>
+          <a:chExt cx="0" cy="0"/>
+        </a:xfrm>
+      </p:grpSpPr>
+      <p:sp>
+        <p:nvSpPr>
+          <p:cNvPr id="8" name="Retângulo: Cantos Arredondados 7">
+            <a:extLst>
+              <a:ext uri="{FF2B5EF4-FFF2-40B4-BE49-F238E27FC236}">
+                <a16:creationId xmlns:a16="http://schemas.microsoft.com/office/drawing/2014/main" id="{302BF6DD-0333-5B03-5775-4FC0884FE72E}"/>
+              </a:ext>
+            </a:extLst>
+          </p:cNvPr>
+          <p:cNvSpPr/>
+          <p:nvPr/>
+        </p:nvSpPr>
+        <p:spPr>
+          <a:xfrm>
+            <a:off x="152729" y="2701880"/>
+            <a:ext cx="1112109" cy="514350"/>
+          </a:xfrm>
+          <a:prstGeom prst="roundRect">
+            <a:avLst/>
+          </a:prstGeom>
+          <a:ln/>
+          <a:effectLst>
+            <a:outerShdw blurRad="50800" dist="38100" dir="2700000" algn="tl" rotWithShape="0">
+              <a:prstClr val="black">
+                <a:alpha val="40000"/>
+              </a:prstClr>
+            </a:outerShdw>
+          </a:effectLst>
+        </p:spPr>
+        <p:style>
+          <a:lnRef idx="1">
+            <a:schemeClr val="accent5"/>
+          </a:lnRef>
+          <a:fillRef idx="2">
+            <a:schemeClr val="accent5"/>
+          </a:fillRef>
+          <a:effectRef idx="1">
+            <a:schemeClr val="accent5"/>
+          </a:effectRef>
+          <a:fontRef idx="minor">
+            <a:schemeClr val="dk1"/>
+          </a:fontRef>
+        </p:style>
+        <p:txBody>
+          <a:bodyPr rtlCol="0" anchor="ctr"/>
+          <a:lstStyle/>
+          <a:p>
+            <a:pPr algn="ctr"/>
+            <a:endParaRPr lang="pt-BR"/>
+          </a:p>
+        </p:txBody>
+      </p:sp>
+      <p:sp>
+        <p:nvSpPr>
+          <p:cNvPr id="9" name="Retângulo: Cantos Arredondados 8">
+            <a:extLst>
+              <a:ext uri="{FF2B5EF4-FFF2-40B4-BE49-F238E27FC236}">
+                <a16:creationId xmlns:a16="http://schemas.microsoft.com/office/drawing/2014/main" id="{F9F44AF1-996A-F44B-E5EB-4B65A9C13609}"/>
+              </a:ext>
+            </a:extLst>
+          </p:cNvPr>
+          <p:cNvSpPr/>
+          <p:nvPr/>
+        </p:nvSpPr>
+        <p:spPr>
+          <a:xfrm>
+            <a:off x="152729" y="3376106"/>
+            <a:ext cx="1112109" cy="514350"/>
+          </a:xfrm>
+          <a:prstGeom prst="roundRect">
+            <a:avLst/>
+          </a:prstGeom>
+          <a:ln/>
+          <a:effectLst>
+            <a:outerShdw blurRad="50800" dist="38100" dir="2700000" algn="tl" rotWithShape="0">
+              <a:prstClr val="black">
+                <a:alpha val="40000"/>
+              </a:prstClr>
+            </a:outerShdw>
+          </a:effectLst>
+        </p:spPr>
+        <p:style>
+          <a:lnRef idx="1">
+            <a:schemeClr val="accent5"/>
+          </a:lnRef>
+          <a:fillRef idx="2">
+            <a:schemeClr val="accent5"/>
+          </a:fillRef>
+          <a:effectRef idx="1">
+            <a:schemeClr val="accent5"/>
+          </a:effectRef>
+          <a:fontRef idx="minor">
+            <a:schemeClr val="dk1"/>
+          </a:fontRef>
+        </p:style>
+        <p:txBody>
+          <a:bodyPr rtlCol="0" anchor="ctr"/>
+          <a:lstStyle/>
+          <a:p>
+            <a:pPr algn="ctr"/>
+            <a:endParaRPr lang="pt-BR"/>
+          </a:p>
+        </p:txBody>
+      </p:sp>
+      <p:sp>
+        <p:nvSpPr>
+          <p:cNvPr id="10" name="Retângulo: Cantos Arredondados 9">
+            <a:extLst>
+              <a:ext uri="{FF2B5EF4-FFF2-40B4-BE49-F238E27FC236}">
+                <a16:creationId xmlns:a16="http://schemas.microsoft.com/office/drawing/2014/main" id="{19BCD8B7-4170-D925-BCF4-6D61116EC542}"/>
+              </a:ext>
+            </a:extLst>
+          </p:cNvPr>
+          <p:cNvSpPr/>
+          <p:nvPr/>
+        </p:nvSpPr>
+        <p:spPr>
+          <a:xfrm>
+            <a:off x="152729" y="4713851"/>
+            <a:ext cx="1112109" cy="514350"/>
+          </a:xfrm>
+          <a:prstGeom prst="roundRect">
+            <a:avLst/>
+          </a:prstGeom>
+          <a:ln/>
+          <a:effectLst>
+            <a:outerShdw blurRad="50800" dist="38100" dir="2700000" algn="tl" rotWithShape="0">
+              <a:prstClr val="black">
+                <a:alpha val="40000"/>
+              </a:prstClr>
+            </a:outerShdw>
+          </a:effectLst>
+        </p:spPr>
+        <p:style>
+          <a:lnRef idx="1">
+            <a:schemeClr val="accent5"/>
+          </a:lnRef>
+          <a:fillRef idx="2">
+            <a:schemeClr val="accent5"/>
+          </a:fillRef>
+          <a:effectRef idx="1">
+            <a:schemeClr val="accent5"/>
+          </a:effectRef>
+          <a:fontRef idx="minor">
+            <a:schemeClr val="dk1"/>
+          </a:fontRef>
+        </p:style>
+        <p:txBody>
+          <a:bodyPr rtlCol="0" anchor="ctr"/>
+          <a:lstStyle/>
+          <a:p>
+            <a:pPr algn="ctr"/>
+            <a:endParaRPr lang="pt-BR"/>
+          </a:p>
+        </p:txBody>
+      </p:sp>
+      <p:sp>
+        <p:nvSpPr>
+          <p:cNvPr id="11" name="Retângulo: Cantos Arredondados 10">
+            <a:extLst>
+              <a:ext uri="{FF2B5EF4-FFF2-40B4-BE49-F238E27FC236}">
+                <a16:creationId xmlns:a16="http://schemas.microsoft.com/office/drawing/2014/main" id="{46B502A9-35E3-37B1-7AFE-607D0A74CFC4}"/>
+              </a:ext>
+            </a:extLst>
+          </p:cNvPr>
+          <p:cNvSpPr/>
+          <p:nvPr/>
+        </p:nvSpPr>
+        <p:spPr>
+          <a:xfrm>
+            <a:off x="152729" y="4039625"/>
+            <a:ext cx="1112109" cy="514350"/>
+          </a:xfrm>
+          <a:prstGeom prst="roundRect">
+            <a:avLst/>
+          </a:prstGeom>
+          <a:ln/>
+          <a:effectLst>
+            <a:outerShdw blurRad="50800" dist="38100" dir="2700000" algn="tl" rotWithShape="0">
+              <a:prstClr val="black">
+                <a:alpha val="40000"/>
+              </a:prstClr>
+            </a:outerShdw>
+          </a:effectLst>
+        </p:spPr>
+        <p:style>
+          <a:lnRef idx="1">
+            <a:schemeClr val="accent5"/>
+          </a:lnRef>
+          <a:fillRef idx="2">
+            <a:schemeClr val="accent5"/>
+          </a:fillRef>
+          <a:effectRef idx="1">
+            <a:schemeClr val="accent5"/>
+          </a:effectRef>
+          <a:fontRef idx="minor">
+            <a:schemeClr val="dk1"/>
+          </a:fontRef>
+        </p:style>
+        <p:txBody>
+          <a:bodyPr rtlCol="0" anchor="ctr"/>
+          <a:lstStyle/>
+          <a:p>
+            <a:pPr algn="ctr"/>
+            <a:endParaRPr lang="pt-BR" dirty="0"/>
+          </a:p>
+        </p:txBody>
+      </p:sp>
+      <p:sp>
+        <p:nvSpPr>
+          <p:cNvPr id="12" name="Retângulo: Cantos Arredondados 11">
+            <a:extLst>
+              <a:ext uri="{FF2B5EF4-FFF2-40B4-BE49-F238E27FC236}">
+                <a16:creationId xmlns:a16="http://schemas.microsoft.com/office/drawing/2014/main" id="{C1146840-D015-8D0D-6C00-5401585793E7}"/>
+              </a:ext>
+            </a:extLst>
+          </p:cNvPr>
+          <p:cNvSpPr/>
+          <p:nvPr/>
+        </p:nvSpPr>
+        <p:spPr>
+          <a:xfrm>
+            <a:off x="136914" y="2042195"/>
+            <a:ext cx="1112109" cy="447675"/>
+          </a:xfrm>
+          <a:prstGeom prst="roundRect">
+            <a:avLst/>
+          </a:prstGeom>
+          <a:ln/>
+          <a:effectLst>
+            <a:outerShdw blurRad="50800" dist="38100" dir="2700000" algn="tl" rotWithShape="0">
+              <a:prstClr val="black">
+                <a:alpha val="40000"/>
+              </a:prstClr>
+            </a:outerShdw>
+          </a:effectLst>
+        </p:spPr>
+        <p:style>
+          <a:lnRef idx="1">
+            <a:schemeClr val="accent5"/>
+          </a:lnRef>
+          <a:fillRef idx="2">
+            <a:schemeClr val="accent5"/>
+          </a:fillRef>
+          <a:effectRef idx="1">
+            <a:schemeClr val="accent5"/>
+          </a:effectRef>
+          <a:fontRef idx="minor">
+            <a:schemeClr val="dk1"/>
+          </a:fontRef>
+        </p:style>
+        <p:txBody>
+          <a:bodyPr rtlCol="0" anchor="ctr"/>
+          <a:lstStyle/>
+          <a:p>
+            <a:pPr algn="ctr"/>
+            <a:endParaRPr lang="pt-BR" dirty="0"/>
+          </a:p>
+        </p:txBody>
+      </p:sp>
+      <p:sp>
+        <p:nvSpPr>
+          <p:cNvPr id="13" name="Retângulo: Cantos Arredondados 12">
+            <a:extLst>
+              <a:ext uri="{FF2B5EF4-FFF2-40B4-BE49-F238E27FC236}">
+                <a16:creationId xmlns:a16="http://schemas.microsoft.com/office/drawing/2014/main" id="{B40AE43A-F1C6-1EBC-845D-E46AA06C4A42}"/>
+              </a:ext>
+            </a:extLst>
+          </p:cNvPr>
+          <p:cNvSpPr/>
+          <p:nvPr/>
+        </p:nvSpPr>
+        <p:spPr>
+          <a:xfrm>
+            <a:off x="83038" y="147504"/>
+            <a:ext cx="1809750" cy="1714500"/>
+          </a:xfrm>
+          <a:prstGeom prst="roundRect">
+            <a:avLst/>
+          </a:prstGeom>
+          <a:ln/>
+          <a:effectLst>
+            <a:outerShdw blurRad="50800" dist="38100" dir="2700000" algn="tl" rotWithShape="0">
+              <a:prstClr val="black">
+                <a:alpha val="40000"/>
+              </a:prstClr>
+            </a:outerShdw>
+          </a:effectLst>
+        </p:spPr>
+        <p:style>
+          <a:lnRef idx="1">
+            <a:schemeClr val="accent5"/>
+          </a:lnRef>
+          <a:fillRef idx="2">
+            <a:schemeClr val="accent5"/>
+          </a:fillRef>
+          <a:effectRef idx="1">
+            <a:schemeClr val="accent5"/>
+          </a:effectRef>
+          <a:fontRef idx="minor">
+            <a:schemeClr val="dk1"/>
+          </a:fontRef>
+        </p:style>
+        <p:txBody>
+          <a:bodyPr rtlCol="0" anchor="ctr"/>
+          <a:lstStyle/>
+          <a:p>
+            <a:pPr algn="ctr"/>
+            <a:endParaRPr lang="pt-BR" dirty="0"/>
+          </a:p>
+        </p:txBody>
+      </p:sp>
+      <p:sp>
+        <p:nvSpPr>
+          <p:cNvPr id="16" name="Retângulo: Cantos Arredondados 15">
+            <a:extLst>
+              <a:ext uri="{FF2B5EF4-FFF2-40B4-BE49-F238E27FC236}">
+                <a16:creationId xmlns:a16="http://schemas.microsoft.com/office/drawing/2014/main" id="{B669C0DB-8F70-FFA1-DDE9-4D90554131C0}"/>
+              </a:ext>
+            </a:extLst>
+          </p:cNvPr>
+          <p:cNvSpPr/>
+          <p:nvPr/>
+        </p:nvSpPr>
+        <p:spPr>
+          <a:xfrm>
+            <a:off x="91441" y="68313"/>
+            <a:ext cx="1714500" cy="1714500"/>
+          </a:xfrm>
+          <a:prstGeom prst="roundRect">
+            <a:avLst/>
+          </a:prstGeom>
+          <a:ln/>
+          <a:effectLst>
+            <a:outerShdw blurRad="50800" dist="38100" dir="2700000" algn="tl" rotWithShape="0">
+              <a:prstClr val="black">
+                <a:alpha val="40000"/>
+              </a:prstClr>
+            </a:outerShdw>
+          </a:effectLst>
+        </p:spPr>
+        <p:style>
+          <a:lnRef idx="1">
+            <a:schemeClr val="accent5"/>
+          </a:lnRef>
+          <a:fillRef idx="2">
+            <a:schemeClr val="accent5"/>
+          </a:fillRef>
+          <a:effectRef idx="1">
+            <a:schemeClr val="accent5"/>
+          </a:effectRef>
+          <a:fontRef idx="minor">
+            <a:schemeClr val="dk1"/>
+          </a:fontRef>
+        </p:style>
+        <p:txBody>
+          <a:bodyPr rtlCol="0" anchor="ctr"/>
+          <a:lstStyle/>
+          <a:p>
+            <a:pPr algn="ctr"/>
+            <a:endParaRPr lang="pt-BR" dirty="0"/>
+          </a:p>
+        </p:txBody>
+      </p:sp>
+      <p:sp>
+        <p:nvSpPr>
+          <p:cNvPr id="17" name="Retângulo: Cantos Arredondados 16">
+            <a:extLst>
+              <a:ext uri="{FF2B5EF4-FFF2-40B4-BE49-F238E27FC236}">
+                <a16:creationId xmlns:a16="http://schemas.microsoft.com/office/drawing/2014/main" id="{AEE85DBB-5104-F037-ACC9-FB597EF583D9}"/>
+              </a:ext>
+            </a:extLst>
+          </p:cNvPr>
+          <p:cNvSpPr/>
+          <p:nvPr/>
+        </p:nvSpPr>
+        <p:spPr>
+          <a:xfrm>
+            <a:off x="80259" y="1878183"/>
+            <a:ext cx="1101600" cy="360000"/>
+          </a:xfrm>
+          <a:prstGeom prst="roundRect">
+            <a:avLst/>
+          </a:prstGeom>
+          <a:ln/>
+          <a:effectLst>
+            <a:outerShdw blurRad="50800" dist="38100" dir="2700000" algn="tl" rotWithShape="0">
+              <a:prstClr val="black">
+                <a:alpha val="40000"/>
+              </a:prstClr>
+            </a:outerShdw>
+          </a:effectLst>
+        </p:spPr>
+        <p:style>
+          <a:lnRef idx="1">
+            <a:schemeClr val="accent5"/>
+          </a:lnRef>
+          <a:fillRef idx="2">
+            <a:schemeClr val="accent5"/>
+          </a:fillRef>
+          <a:effectRef idx="1">
+            <a:schemeClr val="accent5"/>
+          </a:effectRef>
+          <a:fontRef idx="minor">
+            <a:schemeClr val="dk1"/>
+          </a:fontRef>
+        </p:style>
+        <p:txBody>
+          <a:bodyPr rtlCol="0" anchor="ctr"/>
+          <a:lstStyle/>
+          <a:p>
+            <a:pPr algn="ctr"/>
+            <a:endParaRPr lang="pt-BR" dirty="0"/>
+          </a:p>
+        </p:txBody>
+      </p:sp>
+      <p:sp>
+        <p:nvSpPr>
+          <p:cNvPr id="22" name="Retângulo: Cantos Arredondados 21">
+            <a:extLst>
+              <a:ext uri="{FF2B5EF4-FFF2-40B4-BE49-F238E27FC236}">
+                <a16:creationId xmlns:a16="http://schemas.microsoft.com/office/drawing/2014/main" id="{5E9AE385-DEFB-111A-DF4D-B286A3B6B40D}"/>
+              </a:ext>
+            </a:extLst>
+          </p:cNvPr>
+          <p:cNvSpPr/>
+          <p:nvPr/>
+        </p:nvSpPr>
+        <p:spPr>
+          <a:xfrm>
+            <a:off x="80259" y="2311063"/>
+            <a:ext cx="1101600" cy="360000"/>
+          </a:xfrm>
+          <a:prstGeom prst="roundRect">
+            <a:avLst/>
+          </a:prstGeom>
+          <a:ln/>
+          <a:effectLst>
+            <a:outerShdw blurRad="50800" dist="38100" dir="2700000" algn="tl" rotWithShape="0">
+              <a:prstClr val="black">
+                <a:alpha val="40000"/>
+              </a:prstClr>
+            </a:outerShdw>
+          </a:effectLst>
+        </p:spPr>
+        <p:style>
+          <a:lnRef idx="1">
+            <a:schemeClr val="accent5"/>
+          </a:lnRef>
+          <a:fillRef idx="2">
+            <a:schemeClr val="accent5"/>
+          </a:fillRef>
+          <a:effectRef idx="1">
+            <a:schemeClr val="accent5"/>
+          </a:effectRef>
+          <a:fontRef idx="minor">
+            <a:schemeClr val="dk1"/>
+          </a:fontRef>
+        </p:style>
+        <p:txBody>
+          <a:bodyPr rtlCol="0" anchor="ctr"/>
+          <a:lstStyle/>
+          <a:p>
+            <a:pPr algn="ctr"/>
+            <a:endParaRPr lang="pt-BR" dirty="0"/>
+          </a:p>
+        </p:txBody>
+      </p:sp>
+      <p:sp>
+        <p:nvSpPr>
+          <p:cNvPr id="23" name="Retângulo: Cantos Arredondados 22">
+            <a:extLst>
+              <a:ext uri="{FF2B5EF4-FFF2-40B4-BE49-F238E27FC236}">
+                <a16:creationId xmlns:a16="http://schemas.microsoft.com/office/drawing/2014/main" id="{A7D7F37C-E547-3710-47F6-9A2DA2AFF907}"/>
+              </a:ext>
+            </a:extLst>
+          </p:cNvPr>
+          <p:cNvSpPr/>
+          <p:nvPr/>
+        </p:nvSpPr>
+        <p:spPr>
+          <a:xfrm>
+            <a:off x="73922" y="2785503"/>
+            <a:ext cx="1101600" cy="360000"/>
+          </a:xfrm>
+          <a:prstGeom prst="roundRect">
+            <a:avLst/>
+          </a:prstGeom>
+          <a:ln/>
+          <a:effectLst>
+            <a:outerShdw blurRad="50800" dist="38100" dir="2700000" algn="tl" rotWithShape="0">
+              <a:prstClr val="black">
+                <a:alpha val="40000"/>
+              </a:prstClr>
+            </a:outerShdw>
+          </a:effectLst>
+        </p:spPr>
+        <p:style>
+          <a:lnRef idx="1">
+            <a:schemeClr val="accent5"/>
+          </a:lnRef>
+          <a:fillRef idx="2">
+            <a:schemeClr val="accent5"/>
+          </a:fillRef>
+          <a:effectRef idx="1">
+            <a:schemeClr val="accent5"/>
+          </a:effectRef>
+          <a:fontRef idx="minor">
+            <a:schemeClr val="dk1"/>
+          </a:fontRef>
+        </p:style>
+        <p:txBody>
+          <a:bodyPr rtlCol="0" anchor="ctr"/>
+          <a:lstStyle/>
+          <a:p>
+            <a:pPr algn="ctr"/>
+            <a:endParaRPr lang="pt-BR" dirty="0"/>
+          </a:p>
+        </p:txBody>
+      </p:sp>
+      <p:sp>
+        <p:nvSpPr>
+          <p:cNvPr id="24" name="Retângulo: Cantos Arredondados 23">
+            <a:extLst>
+              <a:ext uri="{FF2B5EF4-FFF2-40B4-BE49-F238E27FC236}">
+                <a16:creationId xmlns:a16="http://schemas.microsoft.com/office/drawing/2014/main" id="{2A2E63D3-96E4-A8D3-346F-7084195F2361}"/>
+              </a:ext>
+            </a:extLst>
+          </p:cNvPr>
+          <p:cNvSpPr/>
+          <p:nvPr/>
+        </p:nvSpPr>
+        <p:spPr>
+          <a:xfrm>
+            <a:off x="82371" y="3248240"/>
+            <a:ext cx="1101600" cy="360000"/>
+          </a:xfrm>
+          <a:prstGeom prst="roundRect">
+            <a:avLst/>
+          </a:prstGeom>
+          <a:ln/>
+          <a:effectLst>
+            <a:outerShdw blurRad="50800" dist="38100" dir="2700000" algn="tl" rotWithShape="0">
+              <a:prstClr val="black">
+                <a:alpha val="40000"/>
+              </a:prstClr>
+            </a:outerShdw>
+          </a:effectLst>
+        </p:spPr>
+        <p:style>
+          <a:lnRef idx="1">
+            <a:schemeClr val="accent5"/>
+          </a:lnRef>
+          <a:fillRef idx="2">
+            <a:schemeClr val="accent5"/>
+          </a:fillRef>
+          <a:effectRef idx="1">
+            <a:schemeClr val="accent5"/>
+          </a:effectRef>
+          <a:fontRef idx="minor">
+            <a:schemeClr val="dk1"/>
+          </a:fontRef>
+        </p:style>
+        <p:txBody>
+          <a:bodyPr rtlCol="0" anchor="ctr"/>
+          <a:lstStyle/>
+          <a:p>
+            <a:pPr algn="ctr"/>
+            <a:endParaRPr lang="pt-BR" dirty="0"/>
+          </a:p>
+        </p:txBody>
+      </p:sp>
+      <p:sp>
+        <p:nvSpPr>
+          <p:cNvPr id="25" name="Retângulo: Cantos Arredondados 24">
+            <a:extLst>
+              <a:ext uri="{FF2B5EF4-FFF2-40B4-BE49-F238E27FC236}">
+                <a16:creationId xmlns:a16="http://schemas.microsoft.com/office/drawing/2014/main" id="{743207FD-9D20-0F81-217F-29EA25F06E7A}"/>
+              </a:ext>
+            </a:extLst>
+          </p:cNvPr>
+          <p:cNvSpPr/>
+          <p:nvPr/>
+        </p:nvSpPr>
+        <p:spPr>
+          <a:xfrm>
+            <a:off x="73922" y="3710456"/>
+            <a:ext cx="1101600" cy="360000"/>
+          </a:xfrm>
+          <a:prstGeom prst="roundRect">
+            <a:avLst/>
+          </a:prstGeom>
+          <a:ln/>
+          <a:effectLst>
+            <a:outerShdw blurRad="50800" dist="38100" dir="2700000" algn="tl" rotWithShape="0">
+              <a:prstClr val="black">
+                <a:alpha val="40000"/>
+              </a:prstClr>
+            </a:outerShdw>
+          </a:effectLst>
+        </p:spPr>
+        <p:style>
+          <a:lnRef idx="1">
+            <a:schemeClr val="accent5"/>
+          </a:lnRef>
+          <a:fillRef idx="2">
+            <a:schemeClr val="accent5"/>
+          </a:fillRef>
+          <a:effectRef idx="1">
+            <a:schemeClr val="accent5"/>
+          </a:effectRef>
+          <a:fontRef idx="minor">
+            <a:schemeClr val="dk1"/>
+          </a:fontRef>
+        </p:style>
+        <p:txBody>
+          <a:bodyPr rtlCol="0" anchor="ctr"/>
+          <a:lstStyle/>
+          <a:p>
+            <a:pPr algn="ctr"/>
+            <a:endParaRPr lang="pt-BR" dirty="0"/>
+          </a:p>
+        </p:txBody>
+      </p:sp>
+      <p:sp>
+        <p:nvSpPr>
+          <p:cNvPr id="26" name="Retângulo: Cantos Arredondados 25">
+            <a:extLst>
+              <a:ext uri="{FF2B5EF4-FFF2-40B4-BE49-F238E27FC236}">
+                <a16:creationId xmlns:a16="http://schemas.microsoft.com/office/drawing/2014/main" id="{976FDFBB-3B17-4B1F-D6BD-3DEE185F5015}"/>
+              </a:ext>
+            </a:extLst>
+          </p:cNvPr>
+          <p:cNvSpPr/>
+          <p:nvPr/>
+        </p:nvSpPr>
+        <p:spPr>
+          <a:xfrm>
+            <a:off x="1959515" y="69767"/>
+            <a:ext cx="1857375" cy="819150"/>
+          </a:xfrm>
+          <a:prstGeom prst="roundRect">
+            <a:avLst/>
+          </a:prstGeom>
+          <a:ln/>
+          <a:effectLst>
+            <a:outerShdw blurRad="50800" dist="38100" dir="2700000" algn="tl" rotWithShape="0">
+              <a:prstClr val="black">
+                <a:alpha val="40000"/>
+              </a:prstClr>
+            </a:outerShdw>
+          </a:effectLst>
+        </p:spPr>
+        <p:style>
+          <a:lnRef idx="1">
+            <a:schemeClr val="accent5"/>
+          </a:lnRef>
+          <a:fillRef idx="2">
+            <a:schemeClr val="accent5"/>
+          </a:fillRef>
+          <a:effectRef idx="1">
+            <a:schemeClr val="accent5"/>
+          </a:effectRef>
+          <a:fontRef idx="minor">
+            <a:schemeClr val="dk1"/>
+          </a:fontRef>
+        </p:style>
+        <p:txBody>
+          <a:bodyPr rtlCol="0" anchor="ctr"/>
+          <a:lstStyle/>
+          <a:p>
+            <a:pPr algn="ctr"/>
+            <a:endParaRPr lang="pt-BR" dirty="0"/>
+          </a:p>
+        </p:txBody>
+      </p:sp>
+      <p:pic>
+        <p:nvPicPr>
+          <p:cNvPr id="3" name="Gráfico 2">
+            <a:extLst>
+              <a:ext uri="{FF2B5EF4-FFF2-40B4-BE49-F238E27FC236}">
+                <a16:creationId xmlns:a16="http://schemas.microsoft.com/office/drawing/2014/main" id="{4B2B17E6-BD27-45CA-3F7E-715B0E599CD7}"/>
+              </a:ext>
+            </a:extLst>
+          </p:cNvPr>
+          <p:cNvPicPr>
+            <a:picLocks noChangeAspect="1"/>
+          </p:cNvPicPr>
+          <p:nvPr/>
+        </p:nvPicPr>
+        <p:blipFill>
+          <a:blip r:embed="rId2">
+            <a:extLst>
+              <a:ext uri="{96DAC541-7B7A-43D3-8B79-37D633B846F1}">
+                <asvg:svgBlip xmlns:asvg="http://schemas.microsoft.com/office/drawing/2016/SVG/main" r:embed="rId3"/>
+              </a:ext>
+            </a:extLst>
+          </a:blip>
+          <a:stretch>
+            <a:fillRect/>
+          </a:stretch>
+        </p:blipFill>
+        <p:spPr>
+          <a:xfrm>
+            <a:off x="0" y="-18536"/>
+            <a:ext cx="12382500" cy="7207817"/>
+          </a:xfrm>
+          <a:prstGeom prst="rect">
+            <a:avLst/>
+          </a:prstGeom>
+        </p:spPr>
+      </p:pic>
+      <p:sp>
+        <p:nvSpPr>
+          <p:cNvPr id="2" name="Retângulo 1">
+            <a:extLst>
+              <a:ext uri="{FF2B5EF4-FFF2-40B4-BE49-F238E27FC236}">
+                <a16:creationId xmlns:a16="http://schemas.microsoft.com/office/drawing/2014/main" id="{A5A48345-BBE2-3BD9-933B-7FA3560DBE38}"/>
+              </a:ext>
+            </a:extLst>
+          </p:cNvPr>
+          <p:cNvSpPr/>
+          <p:nvPr/>
+        </p:nvSpPr>
+        <p:spPr>
+          <a:xfrm>
+            <a:off x="0" y="6048375"/>
+            <a:ext cx="12382500" cy="3476625"/>
+          </a:xfrm>
+          <a:prstGeom prst="rect">
+            <a:avLst/>
+          </a:prstGeom>
+          <a:solidFill>
+            <a:srgbClr val="1A1B22"/>
+          </a:solidFill>
+        </p:spPr>
+        <p:style>
+          <a:lnRef idx="2">
+            <a:schemeClr val="accent1">
+              <a:shade val="15000"/>
+            </a:schemeClr>
+          </a:lnRef>
+          <a:fillRef idx="1">
+            <a:schemeClr val="accent1"/>
+          </a:fillRef>
+          <a:effectRef idx="0">
+            <a:schemeClr val="accent1"/>
+          </a:effectRef>
+          <a:fontRef idx="minor">
+            <a:schemeClr val="lt1"/>
+          </a:fontRef>
+        </p:style>
+        <p:txBody>
+          <a:bodyPr rtlCol="0" anchor="ctr"/>
+          <a:lstStyle/>
+          <a:p>
+            <a:pPr algn="ctr"/>
+            <a:endParaRPr lang="pt-BR"/>
+          </a:p>
+        </p:txBody>
+      </p:sp>
+      <p:sp>
+        <p:nvSpPr>
+          <p:cNvPr id="4" name="Retângulo: Cantos Arredondados 3">
+            <a:extLst>
+              <a:ext uri="{FF2B5EF4-FFF2-40B4-BE49-F238E27FC236}">
+                <a16:creationId xmlns:a16="http://schemas.microsoft.com/office/drawing/2014/main" id="{47933AFD-0F81-30F3-573C-7AFA817B0066}"/>
+              </a:ext>
+            </a:extLst>
+          </p:cNvPr>
+          <p:cNvSpPr/>
+          <p:nvPr/>
+        </p:nvSpPr>
+        <p:spPr>
+          <a:xfrm>
+            <a:off x="8966834" y="592188"/>
+            <a:ext cx="3324225" cy="666750"/>
+          </a:xfrm>
+          <a:prstGeom prst="roundRect">
+            <a:avLst>
+              <a:gd name="adj" fmla="val 9896"/>
+            </a:avLst>
+          </a:prstGeom>
+          <a:noFill/>
+          <a:ln>
+            <a:solidFill>
+              <a:schemeClr val="bg1"/>
+            </a:solidFill>
+          </a:ln>
+          <a:effectLst>
+            <a:outerShdw blurRad="50800" dist="38100" dir="2700000" algn="tl" rotWithShape="0">
+              <a:prstClr val="black">
+                <a:alpha val="40000"/>
+              </a:prstClr>
+            </a:outerShdw>
+          </a:effectLst>
+        </p:spPr>
+        <p:style>
+          <a:lnRef idx="1">
+            <a:schemeClr val="accent5"/>
+          </a:lnRef>
+          <a:fillRef idx="2">
+            <a:schemeClr val="accent5"/>
+          </a:fillRef>
+          <a:effectRef idx="1">
+            <a:schemeClr val="accent5"/>
+          </a:effectRef>
+          <a:fontRef idx="minor">
+            <a:schemeClr val="dk1"/>
+          </a:fontRef>
+        </p:style>
+        <p:txBody>
+          <a:bodyPr rtlCol="0" anchor="ctr"/>
+          <a:lstStyle/>
+          <a:p>
+            <a:pPr algn="ctr"/>
+            <a:endParaRPr lang="pt-BR" dirty="0"/>
+          </a:p>
+        </p:txBody>
+      </p:sp>
+      <p:sp>
+        <p:nvSpPr>
+          <p:cNvPr id="6" name="Retângulo: Cantos Arredondados 5">
+            <a:extLst>
+              <a:ext uri="{FF2B5EF4-FFF2-40B4-BE49-F238E27FC236}">
+                <a16:creationId xmlns:a16="http://schemas.microsoft.com/office/drawing/2014/main" id="{14A23F02-134E-CC71-1D4F-8ABC76D69911}"/>
+              </a:ext>
+            </a:extLst>
+          </p:cNvPr>
+          <p:cNvSpPr/>
+          <p:nvPr/>
+        </p:nvSpPr>
+        <p:spPr>
+          <a:xfrm>
+            <a:off x="139026" y="1787437"/>
+            <a:ext cx="1101600" cy="360000"/>
+          </a:xfrm>
+          <a:prstGeom prst="roundRect">
+            <a:avLst/>
+          </a:prstGeom>
+          <a:noFill/>
+          <a:ln>
+            <a:solidFill>
+              <a:schemeClr val="bg1"/>
+            </a:solidFill>
+          </a:ln>
+          <a:effectLst>
+            <a:outerShdw blurRad="50800" dist="38100" dir="2700000" algn="tl" rotWithShape="0">
+              <a:prstClr val="black">
+                <a:alpha val="40000"/>
+              </a:prstClr>
+            </a:outerShdw>
+          </a:effectLst>
+        </p:spPr>
+        <p:style>
+          <a:lnRef idx="1">
+            <a:schemeClr val="accent5"/>
+          </a:lnRef>
+          <a:fillRef idx="2">
+            <a:schemeClr val="accent5"/>
+          </a:fillRef>
+          <a:effectRef idx="1">
+            <a:schemeClr val="accent5"/>
+          </a:effectRef>
+          <a:fontRef idx="minor">
+            <a:schemeClr val="dk1"/>
+          </a:fontRef>
+        </p:style>
+        <p:txBody>
+          <a:bodyPr rtlCol="0" anchor="ctr"/>
+          <a:lstStyle/>
+          <a:p>
+            <a:pPr algn="ctr"/>
+            <a:endParaRPr lang="pt-BR" dirty="0"/>
+          </a:p>
+        </p:txBody>
+      </p:sp>
+      <p:sp>
+        <p:nvSpPr>
+          <p:cNvPr id="15" name="Retângulo: Cantos Arredondados 14">
+            <a:extLst>
+              <a:ext uri="{FF2B5EF4-FFF2-40B4-BE49-F238E27FC236}">
+                <a16:creationId xmlns:a16="http://schemas.microsoft.com/office/drawing/2014/main" id="{A9E5A68C-19E0-0A34-B681-C1A886AF4253}"/>
+              </a:ext>
+            </a:extLst>
+          </p:cNvPr>
+          <p:cNvSpPr/>
+          <p:nvPr/>
+        </p:nvSpPr>
+        <p:spPr>
+          <a:xfrm>
+            <a:off x="139026" y="2220317"/>
+            <a:ext cx="1101600" cy="360000"/>
+          </a:xfrm>
+          <a:prstGeom prst="roundRect">
+            <a:avLst/>
+          </a:prstGeom>
+          <a:noFill/>
+          <a:ln>
+            <a:solidFill>
+              <a:schemeClr val="bg1"/>
+            </a:solidFill>
+          </a:ln>
+          <a:effectLst>
+            <a:outerShdw blurRad="50800" dist="38100" dir="2700000" algn="tl" rotWithShape="0">
+              <a:prstClr val="black">
+                <a:alpha val="40000"/>
+              </a:prstClr>
+            </a:outerShdw>
+          </a:effectLst>
+        </p:spPr>
+        <p:style>
+          <a:lnRef idx="1">
+            <a:schemeClr val="accent5"/>
+          </a:lnRef>
+          <a:fillRef idx="2">
+            <a:schemeClr val="accent5"/>
+          </a:fillRef>
+          <a:effectRef idx="1">
+            <a:schemeClr val="accent5"/>
+          </a:effectRef>
+          <a:fontRef idx="minor">
+            <a:schemeClr val="dk1"/>
+          </a:fontRef>
+        </p:style>
+        <p:txBody>
+          <a:bodyPr rtlCol="0" anchor="ctr"/>
+          <a:lstStyle/>
+          <a:p>
+            <a:pPr algn="ctr"/>
+            <a:endParaRPr lang="pt-BR" dirty="0"/>
+          </a:p>
+        </p:txBody>
+      </p:sp>
+      <p:sp>
+        <p:nvSpPr>
+          <p:cNvPr id="18" name="Retângulo: Cantos Arredondados 17">
+            <a:extLst>
+              <a:ext uri="{FF2B5EF4-FFF2-40B4-BE49-F238E27FC236}">
+                <a16:creationId xmlns:a16="http://schemas.microsoft.com/office/drawing/2014/main" id="{BFB254DC-7300-8DC0-CD27-3212A620827A}"/>
+              </a:ext>
+            </a:extLst>
+          </p:cNvPr>
+          <p:cNvSpPr/>
+          <p:nvPr/>
+        </p:nvSpPr>
+        <p:spPr>
+          <a:xfrm>
+            <a:off x="136914" y="2669863"/>
+            <a:ext cx="1112109" cy="360000"/>
+          </a:xfrm>
+          <a:prstGeom prst="roundRect">
+            <a:avLst/>
+          </a:prstGeom>
+          <a:noFill/>
+          <a:ln>
+            <a:solidFill>
+              <a:schemeClr val="bg1"/>
+            </a:solidFill>
+          </a:ln>
+          <a:effectLst>
+            <a:outerShdw blurRad="50800" dist="38100" dir="2700000" algn="tl" rotWithShape="0">
+              <a:prstClr val="black">
+                <a:alpha val="40000"/>
+              </a:prstClr>
+            </a:outerShdw>
+          </a:effectLst>
+        </p:spPr>
+        <p:style>
+          <a:lnRef idx="1">
+            <a:schemeClr val="accent5"/>
+          </a:lnRef>
+          <a:fillRef idx="2">
+            <a:schemeClr val="accent5"/>
+          </a:fillRef>
+          <a:effectRef idx="1">
+            <a:schemeClr val="accent5"/>
+          </a:effectRef>
+          <a:fontRef idx="minor">
+            <a:schemeClr val="dk1"/>
+          </a:fontRef>
+        </p:style>
+        <p:txBody>
+          <a:bodyPr rtlCol="0" anchor="ctr"/>
+          <a:lstStyle/>
+          <a:p>
+            <a:pPr algn="ctr"/>
+            <a:endParaRPr lang="pt-BR" dirty="0"/>
+          </a:p>
+        </p:txBody>
+      </p:sp>
+      <p:sp>
+        <p:nvSpPr>
+          <p:cNvPr id="19" name="Retângulo: Cantos Arredondados 18">
+            <a:extLst>
+              <a:ext uri="{FF2B5EF4-FFF2-40B4-BE49-F238E27FC236}">
+                <a16:creationId xmlns:a16="http://schemas.microsoft.com/office/drawing/2014/main" id="{F454E048-323F-91C4-F3F8-93F3CB352D0B}"/>
+              </a:ext>
+            </a:extLst>
+          </p:cNvPr>
+          <p:cNvSpPr/>
+          <p:nvPr/>
+        </p:nvSpPr>
+        <p:spPr>
+          <a:xfrm>
+            <a:off x="147422" y="3118666"/>
+            <a:ext cx="1093204" cy="360000"/>
+          </a:xfrm>
+          <a:prstGeom prst="roundRect">
+            <a:avLst/>
+          </a:prstGeom>
+          <a:noFill/>
+          <a:ln>
+            <a:solidFill>
+              <a:schemeClr val="bg1"/>
+            </a:solidFill>
+          </a:ln>
+          <a:effectLst>
+            <a:outerShdw blurRad="50800" dist="38100" dir="2700000" algn="tl" rotWithShape="0">
+              <a:prstClr val="black">
+                <a:alpha val="40000"/>
+              </a:prstClr>
+            </a:outerShdw>
+          </a:effectLst>
+        </p:spPr>
+        <p:style>
+          <a:lnRef idx="1">
+            <a:schemeClr val="accent5"/>
+          </a:lnRef>
+          <a:fillRef idx="2">
+            <a:schemeClr val="accent5"/>
+          </a:fillRef>
+          <a:effectRef idx="1">
+            <a:schemeClr val="accent5"/>
+          </a:effectRef>
+          <a:fontRef idx="minor">
+            <a:schemeClr val="dk1"/>
+          </a:fontRef>
+        </p:style>
+        <p:txBody>
+          <a:bodyPr rtlCol="0" anchor="ctr"/>
+          <a:lstStyle/>
+          <a:p>
+            <a:pPr algn="ctr"/>
+            <a:endParaRPr lang="pt-BR" dirty="0"/>
+          </a:p>
+        </p:txBody>
+      </p:sp>
+      <p:sp>
+        <p:nvSpPr>
+          <p:cNvPr id="20" name="Retângulo: Cantos Arredondados 19">
+            <a:extLst>
+              <a:ext uri="{FF2B5EF4-FFF2-40B4-BE49-F238E27FC236}">
+                <a16:creationId xmlns:a16="http://schemas.microsoft.com/office/drawing/2014/main" id="{438AF455-9178-7C2B-BB45-26D35E873F56}"/>
+              </a:ext>
+            </a:extLst>
+          </p:cNvPr>
+          <p:cNvSpPr/>
+          <p:nvPr/>
+        </p:nvSpPr>
+        <p:spPr>
+          <a:xfrm>
+            <a:off x="155819" y="3583281"/>
+            <a:ext cx="1084807" cy="360000"/>
+          </a:xfrm>
+          <a:prstGeom prst="roundRect">
+            <a:avLst/>
+          </a:prstGeom>
+          <a:noFill/>
+          <a:ln>
+            <a:solidFill>
+              <a:schemeClr val="bg1"/>
+            </a:solidFill>
+          </a:ln>
+          <a:effectLst>
+            <a:outerShdw blurRad="50800" dist="38100" dir="2700000" algn="tl" rotWithShape="0">
+              <a:prstClr val="black">
+                <a:alpha val="40000"/>
+              </a:prstClr>
+            </a:outerShdw>
+          </a:effectLst>
+        </p:spPr>
+        <p:style>
+          <a:lnRef idx="1">
+            <a:schemeClr val="accent5"/>
+          </a:lnRef>
+          <a:fillRef idx="2">
+            <a:schemeClr val="accent5"/>
+          </a:fillRef>
+          <a:effectRef idx="1">
+            <a:schemeClr val="accent5"/>
+          </a:effectRef>
+          <a:fontRef idx="minor">
+            <a:schemeClr val="dk1"/>
+          </a:fontRef>
+        </p:style>
+        <p:txBody>
+          <a:bodyPr rtlCol="0" anchor="ctr"/>
+          <a:lstStyle/>
+          <a:p>
+            <a:pPr algn="ctr"/>
+            <a:endParaRPr lang="pt-BR" dirty="0"/>
+          </a:p>
+        </p:txBody>
+      </p:sp>
+      <p:sp>
+        <p:nvSpPr>
+          <p:cNvPr id="32" name="Retângulo: Cantos Arredondados 31">
+            <a:extLst>
+              <a:ext uri="{FF2B5EF4-FFF2-40B4-BE49-F238E27FC236}">
+                <a16:creationId xmlns:a16="http://schemas.microsoft.com/office/drawing/2014/main" id="{BBAE40D1-B199-2541-B4DB-52F8EC55C5F4}"/>
+              </a:ext>
+            </a:extLst>
+          </p:cNvPr>
+          <p:cNvSpPr/>
+          <p:nvPr/>
+        </p:nvSpPr>
+        <p:spPr>
+          <a:xfrm>
+            <a:off x="73922" y="62877"/>
+            <a:ext cx="1551678" cy="1610627"/>
+          </a:xfrm>
+          <a:prstGeom prst="roundRect">
+            <a:avLst/>
+          </a:prstGeom>
+          <a:noFill/>
+          <a:ln>
+            <a:solidFill>
+              <a:schemeClr val="bg1"/>
+            </a:solidFill>
+          </a:ln>
+          <a:effectLst>
+            <a:outerShdw blurRad="50800" dist="38100" dir="2700000" algn="tl" rotWithShape="0">
+              <a:prstClr val="black">
+                <a:alpha val="40000"/>
+              </a:prstClr>
+            </a:outerShdw>
+          </a:effectLst>
+        </p:spPr>
+        <p:style>
+          <a:lnRef idx="1">
+            <a:schemeClr val="accent5"/>
+          </a:lnRef>
+          <a:fillRef idx="2">
+            <a:schemeClr val="accent5"/>
+          </a:fillRef>
+          <a:effectRef idx="1">
+            <a:schemeClr val="accent5"/>
+          </a:effectRef>
+          <a:fontRef idx="minor">
+            <a:schemeClr val="dk1"/>
+          </a:fontRef>
+        </p:style>
+        <p:txBody>
+          <a:bodyPr rtlCol="0" anchor="ctr"/>
+          <a:lstStyle/>
+          <a:p>
+            <a:pPr algn="ctr"/>
+            <a:endParaRPr lang="pt-BR" dirty="0"/>
+          </a:p>
+        </p:txBody>
+      </p:sp>
+      <p:sp>
+        <p:nvSpPr>
+          <p:cNvPr id="33" name="Retângulo: Cantos Arredondados 32">
+            <a:extLst>
+              <a:ext uri="{FF2B5EF4-FFF2-40B4-BE49-F238E27FC236}">
+                <a16:creationId xmlns:a16="http://schemas.microsoft.com/office/drawing/2014/main" id="{4CD66D5B-80D8-6DE9-F059-77EC7908665F}"/>
+              </a:ext>
+            </a:extLst>
+          </p:cNvPr>
+          <p:cNvSpPr/>
+          <p:nvPr/>
+        </p:nvSpPr>
+        <p:spPr>
+          <a:xfrm>
+            <a:off x="6200775" y="6103938"/>
+            <a:ext cx="6107803" cy="3354388"/>
+          </a:xfrm>
+          <a:prstGeom prst="roundRect">
+            <a:avLst>
+              <a:gd name="adj" fmla="val 4595"/>
+            </a:avLst>
+          </a:prstGeom>
+          <a:noFill/>
+          <a:ln>
+            <a:solidFill>
+              <a:schemeClr val="bg1"/>
+            </a:solidFill>
+          </a:ln>
+          <a:effectLst>
+            <a:outerShdw blurRad="50800" dist="38100" dir="2700000" algn="tl" rotWithShape="0">
+              <a:prstClr val="black">
+                <a:alpha val="40000"/>
+              </a:prstClr>
+            </a:outerShdw>
+          </a:effectLst>
+        </p:spPr>
+        <p:style>
+          <a:lnRef idx="1">
+            <a:schemeClr val="accent5"/>
+          </a:lnRef>
+          <a:fillRef idx="2">
+            <a:schemeClr val="accent5"/>
+          </a:fillRef>
+          <a:effectRef idx="1">
+            <a:schemeClr val="accent5"/>
+          </a:effectRef>
+          <a:fontRef idx="minor">
+            <a:schemeClr val="dk1"/>
+          </a:fontRef>
+        </p:style>
+        <p:txBody>
+          <a:bodyPr rtlCol="0" anchor="ctr"/>
+          <a:lstStyle/>
+          <a:p>
+            <a:pPr algn="ctr"/>
+            <a:endParaRPr lang="pt-BR" dirty="0"/>
+          </a:p>
+        </p:txBody>
+      </p:sp>
+      <p:sp>
+        <p:nvSpPr>
+          <p:cNvPr id="34" name="Retângulo: Cantos Arredondados 33">
+            <a:extLst>
+              <a:ext uri="{FF2B5EF4-FFF2-40B4-BE49-F238E27FC236}">
+                <a16:creationId xmlns:a16="http://schemas.microsoft.com/office/drawing/2014/main" id="{185FE7B0-4C92-5F7A-D42A-8E7EE6A12955}"/>
+              </a:ext>
+            </a:extLst>
+          </p:cNvPr>
+          <p:cNvSpPr/>
+          <p:nvPr/>
+        </p:nvSpPr>
+        <p:spPr>
+          <a:xfrm>
+            <a:off x="55688" y="6111412"/>
+            <a:ext cx="5972175" cy="3343822"/>
+          </a:xfrm>
+          <a:prstGeom prst="roundRect">
+            <a:avLst>
+              <a:gd name="adj" fmla="val 5878"/>
+            </a:avLst>
+          </a:prstGeom>
+          <a:noFill/>
+          <a:ln>
+            <a:solidFill>
+              <a:schemeClr val="bg1"/>
+            </a:solidFill>
+          </a:ln>
+          <a:effectLst>
+            <a:outerShdw blurRad="50800" dist="38100" dir="2700000" algn="tl" rotWithShape="0">
+              <a:prstClr val="black">
+                <a:alpha val="40000"/>
+              </a:prstClr>
+            </a:outerShdw>
+          </a:effectLst>
+        </p:spPr>
+        <p:style>
+          <a:lnRef idx="1">
+            <a:schemeClr val="accent5"/>
+          </a:lnRef>
+          <a:fillRef idx="2">
+            <a:schemeClr val="accent5"/>
+          </a:fillRef>
+          <a:effectRef idx="1">
+            <a:schemeClr val="accent5"/>
+          </a:effectRef>
+          <a:fontRef idx="minor">
+            <a:schemeClr val="dk1"/>
+          </a:fontRef>
+        </p:style>
+        <p:txBody>
+          <a:bodyPr rtlCol="0" anchor="ctr"/>
+          <a:lstStyle/>
+          <a:p>
+            <a:pPr algn="ctr"/>
+            <a:endParaRPr lang="pt-BR" dirty="0"/>
+          </a:p>
+        </p:txBody>
+      </p:sp>
+    </p:spTree>
+    <p:extLst>
+      <p:ext uri="{BB962C8B-B14F-4D97-AF65-F5344CB8AC3E}">
+        <p14:creationId xmlns:p14="http://schemas.microsoft.com/office/powerpoint/2010/main" val="3116733594"/>
+      </p:ext>
+    </p:extLst>
+  </p:cSld>
+  <p:clrMapOvr>
+    <a:masterClrMapping/>
+  </p:clrMapOvr>
+</p:sld>
+</file>
+
+<file path=ppt/slides/slide6.xml><?xml version="1.0" encoding="utf-8"?>
+<p:sld xmlns:a="http://schemas.openxmlformats.org/drawingml/2006/main" xmlns:r="http://schemas.openxmlformats.org/officeDocument/2006/relationships" xmlns:p="http://schemas.openxmlformats.org/presentationml/2006/main">
+  <p:cSld>
+    <p:spTree>
+      <p:nvGrpSpPr>
+        <p:cNvPr id="1" name="">
+          <a:extLst>
+            <a:ext uri="{FF2B5EF4-FFF2-40B4-BE49-F238E27FC236}">
+              <a16:creationId xmlns:a16="http://schemas.microsoft.com/office/drawing/2014/main" id="{40915224-0504-B4D3-1C6B-7F83FE170702}"/>
+            </a:ext>
+          </a:extLst>
+        </p:cNvPr>
+        <p:cNvGrpSpPr/>
+        <p:nvPr/>
+      </p:nvGrpSpPr>
+      <p:grpSpPr>
+        <a:xfrm>
+          <a:off x="0" y="0"/>
+          <a:ext cx="0" cy="0"/>
+          <a:chOff x="0" y="0"/>
+          <a:chExt cx="0" cy="0"/>
+        </a:xfrm>
+      </p:grpSpPr>
+      <p:pic>
+        <p:nvPicPr>
+          <p:cNvPr id="3" name="Gráfico 2">
+            <a:extLst>
+              <a:ext uri="{FF2B5EF4-FFF2-40B4-BE49-F238E27FC236}">
+                <a16:creationId xmlns:a16="http://schemas.microsoft.com/office/drawing/2014/main" id="{01E7C5CA-1402-F287-88F9-FA4F4FA45340}"/>
+              </a:ext>
+            </a:extLst>
+          </p:cNvPr>
+          <p:cNvPicPr>
+            <a:picLocks noChangeAspect="1"/>
+          </p:cNvPicPr>
+          <p:nvPr/>
+        </p:nvPicPr>
+        <p:blipFill>
+          <a:blip r:embed="rId2">
+            <a:extLst>
+              <a:ext uri="{96DAC541-7B7A-43D3-8B79-37D633B846F1}">
+                <asvg:svgBlip xmlns:asvg="http://schemas.microsoft.com/office/drawing/2016/SVG/main" r:embed="rId3"/>
+              </a:ext>
+            </a:extLst>
+          </a:blip>
+          <a:stretch>
+            <a:fillRect/>
+          </a:stretch>
+        </p:blipFill>
+        <p:spPr>
+          <a:xfrm>
+            <a:off x="0" y="0"/>
+            <a:ext cx="12382499" cy="7002179"/>
+          </a:xfrm>
+          <a:prstGeom prst="rect">
+            <a:avLst/>
+          </a:prstGeom>
+        </p:spPr>
+      </p:pic>
+      <p:sp>
+        <p:nvSpPr>
+          <p:cNvPr id="2" name="Retângulo 1">
+            <a:extLst>
+              <a:ext uri="{FF2B5EF4-FFF2-40B4-BE49-F238E27FC236}">
+                <a16:creationId xmlns:a16="http://schemas.microsoft.com/office/drawing/2014/main" id="{2A67B294-E0C9-DDAB-ADA3-C354FA03E44E}"/>
+              </a:ext>
+            </a:extLst>
+          </p:cNvPr>
+          <p:cNvSpPr/>
+          <p:nvPr/>
+        </p:nvSpPr>
+        <p:spPr>
+          <a:xfrm>
+            <a:off x="0" y="5964349"/>
+            <a:ext cx="12382500" cy="3560651"/>
+          </a:xfrm>
+          <a:prstGeom prst="rect">
+            <a:avLst/>
+          </a:prstGeom>
+          <a:solidFill>
+            <a:srgbClr val="1A1B22"/>
+          </a:solidFill>
+        </p:spPr>
+        <p:style>
+          <a:lnRef idx="2">
+            <a:schemeClr val="accent1">
+              <a:shade val="15000"/>
+            </a:schemeClr>
+          </a:lnRef>
+          <a:fillRef idx="1">
+            <a:schemeClr val="accent1"/>
+          </a:fillRef>
+          <a:effectRef idx="0">
+            <a:schemeClr val="accent1"/>
+          </a:effectRef>
+          <a:fontRef idx="minor">
+            <a:schemeClr val="lt1"/>
+          </a:fontRef>
+        </p:style>
+        <p:txBody>
+          <a:bodyPr rtlCol="0" anchor="ctr"/>
+          <a:lstStyle/>
+          <a:p>
+            <a:pPr algn="ctr"/>
+            <a:endParaRPr lang="pt-BR" dirty="0"/>
+          </a:p>
+        </p:txBody>
+      </p:sp>
+      <p:sp>
+        <p:nvSpPr>
+          <p:cNvPr id="6" name="Retângulo: Cantos Arredondados 5">
+            <a:extLst>
+              <a:ext uri="{FF2B5EF4-FFF2-40B4-BE49-F238E27FC236}">
+                <a16:creationId xmlns:a16="http://schemas.microsoft.com/office/drawing/2014/main" id="{730A766C-20D3-55CC-6AF9-D2BF9215090D}"/>
+              </a:ext>
+            </a:extLst>
+          </p:cNvPr>
+          <p:cNvSpPr/>
+          <p:nvPr/>
+        </p:nvSpPr>
+        <p:spPr>
+          <a:xfrm>
+            <a:off x="139026" y="1787437"/>
+            <a:ext cx="1101600" cy="360000"/>
+          </a:xfrm>
+          <a:prstGeom prst="roundRect">
+            <a:avLst/>
+          </a:prstGeom>
+          <a:noFill/>
+          <a:ln>
+            <a:solidFill>
+              <a:schemeClr val="bg1"/>
+            </a:solidFill>
+          </a:ln>
+          <a:effectLst>
+            <a:outerShdw blurRad="50800" dist="38100" dir="2700000" algn="tl" rotWithShape="0">
+              <a:prstClr val="black">
+                <a:alpha val="40000"/>
+              </a:prstClr>
+            </a:outerShdw>
+          </a:effectLst>
+        </p:spPr>
+        <p:style>
+          <a:lnRef idx="1">
+            <a:schemeClr val="accent5"/>
+          </a:lnRef>
+          <a:fillRef idx="2">
+            <a:schemeClr val="accent5"/>
+          </a:fillRef>
+          <a:effectRef idx="1">
+            <a:schemeClr val="accent5"/>
+          </a:effectRef>
+          <a:fontRef idx="minor">
+            <a:schemeClr val="dk1"/>
+          </a:fontRef>
+        </p:style>
+        <p:txBody>
+          <a:bodyPr rtlCol="0" anchor="ctr"/>
+          <a:lstStyle/>
+          <a:p>
+            <a:pPr algn="ctr"/>
+            <a:endParaRPr lang="pt-BR" dirty="0"/>
+          </a:p>
+        </p:txBody>
+      </p:sp>
+      <p:sp>
+        <p:nvSpPr>
+          <p:cNvPr id="15" name="Retângulo: Cantos Arredondados 14">
+            <a:extLst>
+              <a:ext uri="{FF2B5EF4-FFF2-40B4-BE49-F238E27FC236}">
+                <a16:creationId xmlns:a16="http://schemas.microsoft.com/office/drawing/2014/main" id="{A3718DE6-1434-0D8D-EF97-AE2E23019FB3}"/>
+              </a:ext>
+            </a:extLst>
+          </p:cNvPr>
+          <p:cNvSpPr/>
+          <p:nvPr/>
+        </p:nvSpPr>
+        <p:spPr>
+          <a:xfrm>
+            <a:off x="139026" y="2220317"/>
+            <a:ext cx="1101600" cy="360000"/>
+          </a:xfrm>
+          <a:prstGeom prst="roundRect">
+            <a:avLst/>
+          </a:prstGeom>
+          <a:noFill/>
+          <a:ln>
+            <a:solidFill>
+              <a:schemeClr val="bg1"/>
+            </a:solidFill>
+          </a:ln>
+          <a:effectLst>
+            <a:outerShdw blurRad="50800" dist="38100" dir="2700000" algn="tl" rotWithShape="0">
+              <a:prstClr val="black">
+                <a:alpha val="40000"/>
+              </a:prstClr>
+            </a:outerShdw>
+          </a:effectLst>
+        </p:spPr>
+        <p:style>
+          <a:lnRef idx="1">
+            <a:schemeClr val="accent5"/>
+          </a:lnRef>
+          <a:fillRef idx="2">
+            <a:schemeClr val="accent5"/>
+          </a:fillRef>
+          <a:effectRef idx="1">
+            <a:schemeClr val="accent5"/>
+          </a:effectRef>
+          <a:fontRef idx="minor">
+            <a:schemeClr val="dk1"/>
+          </a:fontRef>
+        </p:style>
+        <p:txBody>
+          <a:bodyPr rtlCol="0" anchor="ctr"/>
+          <a:lstStyle/>
+          <a:p>
+            <a:pPr algn="ctr"/>
+            <a:endParaRPr lang="pt-BR" dirty="0"/>
+          </a:p>
+        </p:txBody>
+      </p:sp>
+      <p:sp>
+        <p:nvSpPr>
+          <p:cNvPr id="18" name="Retângulo: Cantos Arredondados 17">
+            <a:extLst>
+              <a:ext uri="{FF2B5EF4-FFF2-40B4-BE49-F238E27FC236}">
+                <a16:creationId xmlns:a16="http://schemas.microsoft.com/office/drawing/2014/main" id="{247706C1-42E4-826F-5C73-FE652259DA0C}"/>
+              </a:ext>
+            </a:extLst>
+          </p:cNvPr>
+          <p:cNvSpPr/>
+          <p:nvPr/>
+        </p:nvSpPr>
+        <p:spPr>
+          <a:xfrm>
+            <a:off x="136914" y="2669863"/>
+            <a:ext cx="1112109" cy="360000"/>
+          </a:xfrm>
+          <a:prstGeom prst="roundRect">
+            <a:avLst/>
+          </a:prstGeom>
+          <a:noFill/>
+          <a:ln>
+            <a:solidFill>
+              <a:schemeClr val="bg1"/>
+            </a:solidFill>
+          </a:ln>
+          <a:effectLst>
+            <a:outerShdw blurRad="50800" dist="38100" dir="2700000" algn="tl" rotWithShape="0">
+              <a:prstClr val="black">
+                <a:alpha val="40000"/>
+              </a:prstClr>
+            </a:outerShdw>
+          </a:effectLst>
+        </p:spPr>
+        <p:style>
+          <a:lnRef idx="1">
+            <a:schemeClr val="accent5"/>
+          </a:lnRef>
+          <a:fillRef idx="2">
+            <a:schemeClr val="accent5"/>
+          </a:fillRef>
+          <a:effectRef idx="1">
+            <a:schemeClr val="accent5"/>
+          </a:effectRef>
+          <a:fontRef idx="minor">
+            <a:schemeClr val="dk1"/>
+          </a:fontRef>
+        </p:style>
+        <p:txBody>
+          <a:bodyPr rtlCol="0" anchor="ctr"/>
+          <a:lstStyle/>
+          <a:p>
+            <a:pPr algn="ctr"/>
+            <a:endParaRPr lang="pt-BR" dirty="0"/>
+          </a:p>
+        </p:txBody>
+      </p:sp>
+      <p:sp>
+        <p:nvSpPr>
+          <p:cNvPr id="19" name="Retângulo: Cantos Arredondados 18">
+            <a:extLst>
+              <a:ext uri="{FF2B5EF4-FFF2-40B4-BE49-F238E27FC236}">
+                <a16:creationId xmlns:a16="http://schemas.microsoft.com/office/drawing/2014/main" id="{EBC4FC4B-101B-7254-122E-C7E10AB59D80}"/>
+              </a:ext>
+            </a:extLst>
+          </p:cNvPr>
+          <p:cNvSpPr/>
+          <p:nvPr/>
+        </p:nvSpPr>
+        <p:spPr>
+          <a:xfrm>
+            <a:off x="147422" y="3118666"/>
+            <a:ext cx="1093204" cy="360000"/>
+          </a:xfrm>
+          <a:prstGeom prst="roundRect">
+            <a:avLst/>
+          </a:prstGeom>
+          <a:noFill/>
+          <a:ln>
+            <a:solidFill>
+              <a:schemeClr val="bg1"/>
+            </a:solidFill>
+          </a:ln>
+          <a:effectLst>
+            <a:outerShdw blurRad="50800" dist="38100" dir="2700000" algn="tl" rotWithShape="0">
+              <a:prstClr val="black">
+                <a:alpha val="40000"/>
+              </a:prstClr>
+            </a:outerShdw>
+          </a:effectLst>
+        </p:spPr>
+        <p:style>
+          <a:lnRef idx="1">
+            <a:schemeClr val="accent5"/>
+          </a:lnRef>
+          <a:fillRef idx="2">
+            <a:schemeClr val="accent5"/>
+          </a:fillRef>
+          <a:effectRef idx="1">
+            <a:schemeClr val="accent5"/>
+          </a:effectRef>
+          <a:fontRef idx="minor">
+            <a:schemeClr val="dk1"/>
+          </a:fontRef>
+        </p:style>
+        <p:txBody>
+          <a:bodyPr rtlCol="0" anchor="ctr"/>
+          <a:lstStyle/>
+          <a:p>
+            <a:pPr algn="ctr"/>
+            <a:endParaRPr lang="pt-BR" dirty="0"/>
+          </a:p>
+        </p:txBody>
+      </p:sp>
+      <p:sp>
+        <p:nvSpPr>
+          <p:cNvPr id="20" name="Retângulo: Cantos Arredondados 19">
+            <a:extLst>
+              <a:ext uri="{FF2B5EF4-FFF2-40B4-BE49-F238E27FC236}">
+                <a16:creationId xmlns:a16="http://schemas.microsoft.com/office/drawing/2014/main" id="{20FFE293-1899-9685-8354-8BD363A49513}"/>
+              </a:ext>
+            </a:extLst>
+          </p:cNvPr>
+          <p:cNvSpPr/>
+          <p:nvPr/>
+        </p:nvSpPr>
+        <p:spPr>
+          <a:xfrm>
+            <a:off x="155819" y="3583281"/>
+            <a:ext cx="1084807" cy="360000"/>
+          </a:xfrm>
+          <a:prstGeom prst="roundRect">
+            <a:avLst/>
+          </a:prstGeom>
+          <a:noFill/>
+          <a:ln>
+            <a:solidFill>
+              <a:schemeClr val="bg1"/>
+            </a:solidFill>
+          </a:ln>
+          <a:effectLst>
+            <a:outerShdw blurRad="50800" dist="38100" dir="2700000" algn="tl" rotWithShape="0">
+              <a:prstClr val="black">
+                <a:alpha val="40000"/>
+              </a:prstClr>
+            </a:outerShdw>
+          </a:effectLst>
+        </p:spPr>
+        <p:style>
+          <a:lnRef idx="1">
+            <a:schemeClr val="accent5"/>
+          </a:lnRef>
+          <a:fillRef idx="2">
+            <a:schemeClr val="accent5"/>
+          </a:fillRef>
+          <a:effectRef idx="1">
+            <a:schemeClr val="accent5"/>
+          </a:effectRef>
+          <a:fontRef idx="minor">
+            <a:schemeClr val="dk1"/>
+          </a:fontRef>
+        </p:style>
+        <p:txBody>
+          <a:bodyPr rtlCol="0" anchor="ctr"/>
+          <a:lstStyle/>
+          <a:p>
+            <a:pPr algn="ctr"/>
+            <a:endParaRPr lang="pt-BR" dirty="0"/>
+          </a:p>
+        </p:txBody>
+      </p:sp>
+      <p:sp>
+        <p:nvSpPr>
+          <p:cNvPr id="21" name="Retângulo: Cantos Arredondados 20">
+            <a:extLst>
+              <a:ext uri="{FF2B5EF4-FFF2-40B4-BE49-F238E27FC236}">
+                <a16:creationId xmlns:a16="http://schemas.microsoft.com/office/drawing/2014/main" id="{E7BED4AB-2DF0-C75C-8315-FAEB91D8144B}"/>
+              </a:ext>
+            </a:extLst>
+          </p:cNvPr>
+          <p:cNvSpPr/>
+          <p:nvPr/>
+        </p:nvSpPr>
+        <p:spPr>
+          <a:xfrm>
+            <a:off x="2113089" y="131673"/>
+            <a:ext cx="1857375" cy="819150"/>
+          </a:xfrm>
+          <a:prstGeom prst="roundRect">
+            <a:avLst/>
+          </a:prstGeom>
+          <a:noFill/>
+          <a:ln>
+            <a:solidFill>
+              <a:schemeClr val="bg1"/>
+            </a:solidFill>
+          </a:ln>
+          <a:effectLst>
+            <a:outerShdw blurRad="50800" dist="38100" dir="2700000" algn="tl" rotWithShape="0">
+              <a:prstClr val="black">
+                <a:alpha val="40000"/>
+              </a:prstClr>
+            </a:outerShdw>
+          </a:effectLst>
+        </p:spPr>
+        <p:style>
+          <a:lnRef idx="1">
+            <a:schemeClr val="accent5"/>
+          </a:lnRef>
+          <a:fillRef idx="2">
+            <a:schemeClr val="accent5"/>
+          </a:fillRef>
+          <a:effectRef idx="1">
+            <a:schemeClr val="accent5"/>
+          </a:effectRef>
+          <a:fontRef idx="minor">
+            <a:schemeClr val="dk1"/>
+          </a:fontRef>
+        </p:style>
+        <p:txBody>
+          <a:bodyPr rtlCol="0" anchor="ctr"/>
+          <a:lstStyle/>
+          <a:p>
+            <a:pPr algn="ctr"/>
+            <a:endParaRPr lang="pt-BR" dirty="0"/>
+          </a:p>
+        </p:txBody>
+      </p:sp>
+      <p:sp>
+        <p:nvSpPr>
+          <p:cNvPr id="32" name="Retângulo: Cantos Arredondados 31">
+            <a:extLst>
+              <a:ext uri="{FF2B5EF4-FFF2-40B4-BE49-F238E27FC236}">
+                <a16:creationId xmlns:a16="http://schemas.microsoft.com/office/drawing/2014/main" id="{27595350-7E9D-D5A2-5A6B-8C1F72B17285}"/>
+              </a:ext>
+            </a:extLst>
+          </p:cNvPr>
+          <p:cNvSpPr/>
+          <p:nvPr/>
+        </p:nvSpPr>
+        <p:spPr>
+          <a:xfrm>
+            <a:off x="73922" y="62877"/>
+            <a:ext cx="1551678" cy="1610627"/>
+          </a:xfrm>
+          <a:prstGeom prst="roundRect">
+            <a:avLst/>
+          </a:prstGeom>
+          <a:noFill/>
+          <a:ln>
+            <a:solidFill>
+              <a:schemeClr val="bg1"/>
+            </a:solidFill>
+          </a:ln>
+          <a:effectLst>
+            <a:outerShdw blurRad="50800" dist="38100" dir="2700000" algn="tl" rotWithShape="0">
+              <a:prstClr val="black">
+                <a:alpha val="40000"/>
+              </a:prstClr>
+            </a:outerShdw>
+          </a:effectLst>
+        </p:spPr>
+        <p:style>
+          <a:lnRef idx="1">
+            <a:schemeClr val="accent5"/>
+          </a:lnRef>
+          <a:fillRef idx="2">
+            <a:schemeClr val="accent5"/>
+          </a:fillRef>
+          <a:effectRef idx="1">
+            <a:schemeClr val="accent5"/>
+          </a:effectRef>
+          <a:fontRef idx="minor">
+            <a:schemeClr val="dk1"/>
+          </a:fontRef>
+        </p:style>
+        <p:txBody>
+          <a:bodyPr rtlCol="0" anchor="ctr"/>
+          <a:lstStyle/>
+          <a:p>
+            <a:pPr algn="ctr"/>
+            <a:endParaRPr lang="pt-BR" dirty="0"/>
+          </a:p>
+        </p:txBody>
+      </p:sp>
+      <p:sp>
+        <p:nvSpPr>
+          <p:cNvPr id="33" name="Retângulo: Cantos Arredondados 32">
+            <a:extLst>
+              <a:ext uri="{FF2B5EF4-FFF2-40B4-BE49-F238E27FC236}">
+                <a16:creationId xmlns:a16="http://schemas.microsoft.com/office/drawing/2014/main" id="{A39593D1-8256-E5BF-1C58-64E8821F5455}"/>
+              </a:ext>
+            </a:extLst>
+          </p:cNvPr>
+          <p:cNvSpPr/>
+          <p:nvPr/>
+        </p:nvSpPr>
+        <p:spPr>
+          <a:xfrm>
+            <a:off x="5785300" y="5964349"/>
+            <a:ext cx="6505575" cy="3219450"/>
+          </a:xfrm>
+          <a:prstGeom prst="roundRect">
+            <a:avLst>
+              <a:gd name="adj" fmla="val 2472"/>
+            </a:avLst>
+          </a:prstGeom>
+          <a:noFill/>
+          <a:ln>
+            <a:solidFill>
+              <a:schemeClr val="bg1"/>
+            </a:solidFill>
+          </a:ln>
+          <a:effectLst>
+            <a:outerShdw blurRad="50800" dist="38100" dir="2700000" algn="tl" rotWithShape="0">
+              <a:prstClr val="black">
+                <a:alpha val="40000"/>
+              </a:prstClr>
+            </a:outerShdw>
+          </a:effectLst>
+        </p:spPr>
+        <p:style>
+          <a:lnRef idx="1">
+            <a:schemeClr val="accent5"/>
+          </a:lnRef>
+          <a:fillRef idx="2">
+            <a:schemeClr val="accent5"/>
+          </a:fillRef>
+          <a:effectRef idx="1">
+            <a:schemeClr val="accent5"/>
+          </a:effectRef>
+          <a:fontRef idx="minor">
+            <a:schemeClr val="dk1"/>
+          </a:fontRef>
+        </p:style>
+        <p:txBody>
+          <a:bodyPr rtlCol="0" anchor="ctr"/>
+          <a:lstStyle/>
+          <a:p>
+            <a:pPr algn="ctr"/>
+            <a:endParaRPr lang="pt-BR" dirty="0"/>
+          </a:p>
+        </p:txBody>
+      </p:sp>
+    </p:spTree>
+    <p:extLst>
+      <p:ext uri="{BB962C8B-B14F-4D97-AF65-F5344CB8AC3E}">
+        <p14:creationId xmlns:p14="http://schemas.microsoft.com/office/powerpoint/2010/main" val="1684712831"/>
+      </p:ext>
+    </p:extLst>
+  </p:cSld>
+  <p:clrMapOvr>
+    <a:masterClrMapping/>
+  </p:clrMapOvr>
+</p:sld>
+</file>
+
+<file path=ppt/slides/slide7.xml><?xml version="1.0" encoding="utf-8"?>
+<p:sld xmlns:a="http://schemas.openxmlformats.org/drawingml/2006/main" xmlns:r="http://schemas.openxmlformats.org/officeDocument/2006/relationships" xmlns:p="http://schemas.openxmlformats.org/presentationml/2006/main">
+  <p:cSld>
+    <p:spTree>
+      <p:nvGrpSpPr>
+        <p:cNvPr id="1" name="">
+          <a:extLst>
+            <a:ext uri="{FF2B5EF4-FFF2-40B4-BE49-F238E27FC236}">
+              <a16:creationId xmlns:a16="http://schemas.microsoft.com/office/drawing/2014/main" id="{831464D7-DD3F-310C-EE71-A13FD398CC96}"/>
+            </a:ext>
+          </a:extLst>
+        </p:cNvPr>
+        <p:cNvGrpSpPr/>
+        <p:nvPr/>
+      </p:nvGrpSpPr>
+      <p:grpSpPr>
+        <a:xfrm>
+          <a:off x="0" y="0"/>
+          <a:ext cx="0" cy="0"/>
+          <a:chOff x="0" y="0"/>
+          <a:chExt cx="0" cy="0"/>
+        </a:xfrm>
+      </p:grpSpPr>
+      <p:sp>
+        <p:nvSpPr>
+          <p:cNvPr id="8" name="Retângulo: Cantos Arredondados 7">
+            <a:extLst>
+              <a:ext uri="{FF2B5EF4-FFF2-40B4-BE49-F238E27FC236}">
+                <a16:creationId xmlns:a16="http://schemas.microsoft.com/office/drawing/2014/main" id="{608DC120-71D7-87F1-EA00-AFC457F835C9}"/>
+              </a:ext>
+            </a:extLst>
+          </p:cNvPr>
+          <p:cNvSpPr/>
+          <p:nvPr/>
+        </p:nvSpPr>
+        <p:spPr>
+          <a:xfrm>
+            <a:off x="152729" y="2701880"/>
+            <a:ext cx="1112109" cy="514350"/>
+          </a:xfrm>
+          <a:prstGeom prst="roundRect">
+            <a:avLst/>
+          </a:prstGeom>
+          <a:ln/>
+          <a:effectLst>
+            <a:outerShdw blurRad="50800" dist="38100" dir="2700000" algn="tl" rotWithShape="0">
+              <a:prstClr val="black">
+                <a:alpha val="40000"/>
+              </a:prstClr>
+            </a:outerShdw>
+          </a:effectLst>
+        </p:spPr>
+        <p:style>
+          <a:lnRef idx="1">
+            <a:schemeClr val="accent5"/>
+          </a:lnRef>
+          <a:fillRef idx="2">
+            <a:schemeClr val="accent5"/>
+          </a:fillRef>
+          <a:effectRef idx="1">
+            <a:schemeClr val="accent5"/>
+          </a:effectRef>
+          <a:fontRef idx="minor">
+            <a:schemeClr val="dk1"/>
+          </a:fontRef>
+        </p:style>
+        <p:txBody>
+          <a:bodyPr rtlCol="0" anchor="ctr"/>
+          <a:lstStyle/>
+          <a:p>
+            <a:pPr algn="ctr"/>
+            <a:endParaRPr lang="pt-BR"/>
+          </a:p>
+        </p:txBody>
+      </p:sp>
+      <p:sp>
+        <p:nvSpPr>
+          <p:cNvPr id="9" name="Retângulo: Cantos Arredondados 8">
+            <a:extLst>
+              <a:ext uri="{FF2B5EF4-FFF2-40B4-BE49-F238E27FC236}">
+                <a16:creationId xmlns:a16="http://schemas.microsoft.com/office/drawing/2014/main" id="{0919FC97-AAA4-1937-1EE4-461B85D84805}"/>
+              </a:ext>
+            </a:extLst>
+          </p:cNvPr>
+          <p:cNvSpPr/>
+          <p:nvPr/>
+        </p:nvSpPr>
+        <p:spPr>
+          <a:xfrm>
+            <a:off x="152729" y="3376106"/>
+            <a:ext cx="1112109" cy="514350"/>
+          </a:xfrm>
+          <a:prstGeom prst="roundRect">
+            <a:avLst/>
+          </a:prstGeom>
+          <a:ln/>
+          <a:effectLst>
+            <a:outerShdw blurRad="50800" dist="38100" dir="2700000" algn="tl" rotWithShape="0">
+              <a:prstClr val="black">
+                <a:alpha val="40000"/>
+              </a:prstClr>
+            </a:outerShdw>
+          </a:effectLst>
+        </p:spPr>
+        <p:style>
+          <a:lnRef idx="1">
+            <a:schemeClr val="accent5"/>
+          </a:lnRef>
+          <a:fillRef idx="2">
+            <a:schemeClr val="accent5"/>
+          </a:fillRef>
+          <a:effectRef idx="1">
+            <a:schemeClr val="accent5"/>
+          </a:effectRef>
+          <a:fontRef idx="minor">
+            <a:schemeClr val="dk1"/>
+          </a:fontRef>
+        </p:style>
+        <p:txBody>
+          <a:bodyPr rtlCol="0" anchor="ctr"/>
+          <a:lstStyle/>
+          <a:p>
+            <a:pPr algn="ctr"/>
+            <a:endParaRPr lang="pt-BR"/>
+          </a:p>
+        </p:txBody>
+      </p:sp>
+      <p:sp>
+        <p:nvSpPr>
+          <p:cNvPr id="10" name="Retângulo: Cantos Arredondados 9">
+            <a:extLst>
+              <a:ext uri="{FF2B5EF4-FFF2-40B4-BE49-F238E27FC236}">
+                <a16:creationId xmlns:a16="http://schemas.microsoft.com/office/drawing/2014/main" id="{A7E3DCED-3FAB-97FF-16D8-FB1EFA3C0B26}"/>
+              </a:ext>
+            </a:extLst>
+          </p:cNvPr>
+          <p:cNvSpPr/>
+          <p:nvPr/>
+        </p:nvSpPr>
+        <p:spPr>
+          <a:xfrm>
+            <a:off x="152729" y="4713851"/>
+            <a:ext cx="1112109" cy="514350"/>
+          </a:xfrm>
+          <a:prstGeom prst="roundRect">
+            <a:avLst/>
+          </a:prstGeom>
+          <a:ln/>
+          <a:effectLst>
+            <a:outerShdw blurRad="50800" dist="38100" dir="2700000" algn="tl" rotWithShape="0">
+              <a:prstClr val="black">
+                <a:alpha val="40000"/>
+              </a:prstClr>
+            </a:outerShdw>
+          </a:effectLst>
+        </p:spPr>
+        <p:style>
+          <a:lnRef idx="1">
+            <a:schemeClr val="accent5"/>
+          </a:lnRef>
+          <a:fillRef idx="2">
+            <a:schemeClr val="accent5"/>
+          </a:fillRef>
+          <a:effectRef idx="1">
+            <a:schemeClr val="accent5"/>
+          </a:effectRef>
+          <a:fontRef idx="minor">
+            <a:schemeClr val="dk1"/>
+          </a:fontRef>
+        </p:style>
+        <p:txBody>
+          <a:bodyPr rtlCol="0" anchor="ctr"/>
+          <a:lstStyle/>
+          <a:p>
+            <a:pPr algn="ctr"/>
+            <a:endParaRPr lang="pt-BR"/>
+          </a:p>
+        </p:txBody>
+      </p:sp>
+      <p:sp>
+        <p:nvSpPr>
+          <p:cNvPr id="11" name="Retângulo: Cantos Arredondados 10">
+            <a:extLst>
+              <a:ext uri="{FF2B5EF4-FFF2-40B4-BE49-F238E27FC236}">
+                <a16:creationId xmlns:a16="http://schemas.microsoft.com/office/drawing/2014/main" id="{65427238-7F8F-A19C-509E-10D72F2F3E49}"/>
+              </a:ext>
+            </a:extLst>
+          </p:cNvPr>
+          <p:cNvSpPr/>
+          <p:nvPr/>
+        </p:nvSpPr>
+        <p:spPr>
+          <a:xfrm>
+            <a:off x="152729" y="4039625"/>
+            <a:ext cx="1112109" cy="514350"/>
+          </a:xfrm>
+          <a:prstGeom prst="roundRect">
+            <a:avLst/>
+          </a:prstGeom>
+          <a:ln/>
+          <a:effectLst>
+            <a:outerShdw blurRad="50800" dist="38100" dir="2700000" algn="tl" rotWithShape="0">
+              <a:prstClr val="black">
+                <a:alpha val="40000"/>
+              </a:prstClr>
+            </a:outerShdw>
+          </a:effectLst>
+        </p:spPr>
+        <p:style>
+          <a:lnRef idx="1">
+            <a:schemeClr val="accent5"/>
+          </a:lnRef>
+          <a:fillRef idx="2">
+            <a:schemeClr val="accent5"/>
+          </a:fillRef>
+          <a:effectRef idx="1">
+            <a:schemeClr val="accent5"/>
+          </a:effectRef>
+          <a:fontRef idx="minor">
+            <a:schemeClr val="dk1"/>
+          </a:fontRef>
+        </p:style>
+        <p:txBody>
+          <a:bodyPr rtlCol="0" anchor="ctr"/>
+          <a:lstStyle/>
+          <a:p>
+            <a:pPr algn="ctr"/>
+            <a:endParaRPr lang="pt-BR" dirty="0"/>
+          </a:p>
+        </p:txBody>
+      </p:sp>
+      <p:sp>
+        <p:nvSpPr>
+          <p:cNvPr id="12" name="Retângulo: Cantos Arredondados 11">
+            <a:extLst>
+              <a:ext uri="{FF2B5EF4-FFF2-40B4-BE49-F238E27FC236}">
+                <a16:creationId xmlns:a16="http://schemas.microsoft.com/office/drawing/2014/main" id="{29BF2B20-AF56-3CE1-1801-DF7DA6D12445}"/>
+              </a:ext>
+            </a:extLst>
+          </p:cNvPr>
+          <p:cNvSpPr/>
+          <p:nvPr/>
+        </p:nvSpPr>
+        <p:spPr>
+          <a:xfrm>
+            <a:off x="136914" y="2042195"/>
+            <a:ext cx="1112109" cy="447675"/>
+          </a:xfrm>
+          <a:prstGeom prst="roundRect">
+            <a:avLst/>
+          </a:prstGeom>
+          <a:ln/>
+          <a:effectLst>
+            <a:outerShdw blurRad="50800" dist="38100" dir="2700000" algn="tl" rotWithShape="0">
+              <a:prstClr val="black">
+                <a:alpha val="40000"/>
+              </a:prstClr>
+            </a:outerShdw>
+          </a:effectLst>
+        </p:spPr>
+        <p:style>
+          <a:lnRef idx="1">
+            <a:schemeClr val="accent5"/>
+          </a:lnRef>
+          <a:fillRef idx="2">
+            <a:schemeClr val="accent5"/>
+          </a:fillRef>
+          <a:effectRef idx="1">
+            <a:schemeClr val="accent5"/>
+          </a:effectRef>
+          <a:fontRef idx="minor">
+            <a:schemeClr val="dk1"/>
+          </a:fontRef>
+        </p:style>
+        <p:txBody>
+          <a:bodyPr rtlCol="0" anchor="ctr"/>
+          <a:lstStyle/>
+          <a:p>
+            <a:pPr algn="ctr"/>
+            <a:endParaRPr lang="pt-BR" dirty="0"/>
+          </a:p>
+        </p:txBody>
+      </p:sp>
+      <p:sp>
+        <p:nvSpPr>
+          <p:cNvPr id="13" name="Retângulo: Cantos Arredondados 12">
+            <a:extLst>
+              <a:ext uri="{FF2B5EF4-FFF2-40B4-BE49-F238E27FC236}">
+                <a16:creationId xmlns:a16="http://schemas.microsoft.com/office/drawing/2014/main" id="{22617175-4CD0-7149-A023-4818645D232E}"/>
+              </a:ext>
+            </a:extLst>
+          </p:cNvPr>
+          <p:cNvSpPr/>
+          <p:nvPr/>
+        </p:nvSpPr>
+        <p:spPr>
+          <a:xfrm>
+            <a:off x="83038" y="147504"/>
+            <a:ext cx="1809750" cy="1714500"/>
+          </a:xfrm>
+          <a:prstGeom prst="roundRect">
+            <a:avLst/>
+          </a:prstGeom>
+          <a:ln/>
+          <a:effectLst>
+            <a:outerShdw blurRad="50800" dist="38100" dir="2700000" algn="tl" rotWithShape="0">
+              <a:prstClr val="black">
+                <a:alpha val="40000"/>
+              </a:prstClr>
+            </a:outerShdw>
+          </a:effectLst>
+        </p:spPr>
+        <p:style>
+          <a:lnRef idx="1">
+            <a:schemeClr val="accent5"/>
+          </a:lnRef>
+          <a:fillRef idx="2">
+            <a:schemeClr val="accent5"/>
+          </a:fillRef>
+          <a:effectRef idx="1">
+            <a:schemeClr val="accent5"/>
+          </a:effectRef>
+          <a:fontRef idx="minor">
+            <a:schemeClr val="dk1"/>
+          </a:fontRef>
+        </p:style>
+        <p:txBody>
+          <a:bodyPr rtlCol="0" anchor="ctr"/>
+          <a:lstStyle/>
+          <a:p>
+            <a:pPr algn="ctr"/>
+            <a:endParaRPr lang="pt-BR" dirty="0"/>
+          </a:p>
+        </p:txBody>
+      </p:sp>
+      <p:sp>
+        <p:nvSpPr>
+          <p:cNvPr id="16" name="Retângulo: Cantos Arredondados 15">
+            <a:extLst>
+              <a:ext uri="{FF2B5EF4-FFF2-40B4-BE49-F238E27FC236}">
+                <a16:creationId xmlns:a16="http://schemas.microsoft.com/office/drawing/2014/main" id="{96C128DE-3F07-3ADB-1744-D0FDF485E784}"/>
+              </a:ext>
+            </a:extLst>
+          </p:cNvPr>
+          <p:cNvSpPr/>
+          <p:nvPr/>
+        </p:nvSpPr>
+        <p:spPr>
+          <a:xfrm>
+            <a:off x="91441" y="68313"/>
+            <a:ext cx="1714500" cy="1714500"/>
+          </a:xfrm>
+          <a:prstGeom prst="roundRect">
+            <a:avLst/>
+          </a:prstGeom>
+          <a:ln/>
+          <a:effectLst>
+            <a:outerShdw blurRad="50800" dist="38100" dir="2700000" algn="tl" rotWithShape="0">
+              <a:prstClr val="black">
+                <a:alpha val="40000"/>
+              </a:prstClr>
+            </a:outerShdw>
+          </a:effectLst>
+        </p:spPr>
+        <p:style>
+          <a:lnRef idx="1">
+            <a:schemeClr val="accent5"/>
+          </a:lnRef>
+          <a:fillRef idx="2">
+            <a:schemeClr val="accent5"/>
+          </a:fillRef>
+          <a:effectRef idx="1">
+            <a:schemeClr val="accent5"/>
+          </a:effectRef>
+          <a:fontRef idx="minor">
+            <a:schemeClr val="dk1"/>
+          </a:fontRef>
+        </p:style>
+        <p:txBody>
+          <a:bodyPr rtlCol="0" anchor="ctr"/>
+          <a:lstStyle/>
+          <a:p>
+            <a:pPr algn="ctr"/>
+            <a:endParaRPr lang="pt-BR" dirty="0"/>
+          </a:p>
+        </p:txBody>
+      </p:sp>
+      <p:sp>
+        <p:nvSpPr>
+          <p:cNvPr id="17" name="Retângulo: Cantos Arredondados 16">
+            <a:extLst>
+              <a:ext uri="{FF2B5EF4-FFF2-40B4-BE49-F238E27FC236}">
+                <a16:creationId xmlns:a16="http://schemas.microsoft.com/office/drawing/2014/main" id="{3470AB7A-1DB0-05F3-1A74-ED8695869A58}"/>
+              </a:ext>
+            </a:extLst>
+          </p:cNvPr>
+          <p:cNvSpPr/>
+          <p:nvPr/>
+        </p:nvSpPr>
+        <p:spPr>
+          <a:xfrm>
+            <a:off x="80259" y="1878183"/>
+            <a:ext cx="1101600" cy="360000"/>
+          </a:xfrm>
+          <a:prstGeom prst="roundRect">
+            <a:avLst/>
+          </a:prstGeom>
+          <a:ln/>
+          <a:effectLst>
+            <a:outerShdw blurRad="50800" dist="38100" dir="2700000" algn="tl" rotWithShape="0">
+              <a:prstClr val="black">
+                <a:alpha val="40000"/>
+              </a:prstClr>
+            </a:outerShdw>
+          </a:effectLst>
+        </p:spPr>
+        <p:style>
+          <a:lnRef idx="1">
+            <a:schemeClr val="accent5"/>
+          </a:lnRef>
+          <a:fillRef idx="2">
+            <a:schemeClr val="accent5"/>
+          </a:fillRef>
+          <a:effectRef idx="1">
+            <a:schemeClr val="accent5"/>
+          </a:effectRef>
+          <a:fontRef idx="minor">
+            <a:schemeClr val="dk1"/>
+          </a:fontRef>
+        </p:style>
+        <p:txBody>
+          <a:bodyPr rtlCol="0" anchor="ctr"/>
+          <a:lstStyle/>
+          <a:p>
+            <a:pPr algn="ctr"/>
+            <a:endParaRPr lang="pt-BR" dirty="0"/>
+          </a:p>
+        </p:txBody>
+      </p:sp>
+      <p:sp>
+        <p:nvSpPr>
+          <p:cNvPr id="22" name="Retângulo: Cantos Arredondados 21">
+            <a:extLst>
+              <a:ext uri="{FF2B5EF4-FFF2-40B4-BE49-F238E27FC236}">
+                <a16:creationId xmlns:a16="http://schemas.microsoft.com/office/drawing/2014/main" id="{E57DC37B-74C3-EFA8-EABA-A5462F8BDD98}"/>
+              </a:ext>
+            </a:extLst>
+          </p:cNvPr>
+          <p:cNvSpPr/>
+          <p:nvPr/>
+        </p:nvSpPr>
+        <p:spPr>
+          <a:xfrm>
+            <a:off x="80259" y="2311063"/>
+            <a:ext cx="1101600" cy="360000"/>
+          </a:xfrm>
+          <a:prstGeom prst="roundRect">
+            <a:avLst/>
+          </a:prstGeom>
+          <a:ln/>
+          <a:effectLst>
+            <a:outerShdw blurRad="50800" dist="38100" dir="2700000" algn="tl" rotWithShape="0">
+              <a:prstClr val="black">
+                <a:alpha val="40000"/>
+              </a:prstClr>
+            </a:outerShdw>
+          </a:effectLst>
+        </p:spPr>
+        <p:style>
+          <a:lnRef idx="1">
+            <a:schemeClr val="accent5"/>
+          </a:lnRef>
+          <a:fillRef idx="2">
+            <a:schemeClr val="accent5"/>
+          </a:fillRef>
+          <a:effectRef idx="1">
+            <a:schemeClr val="accent5"/>
+          </a:effectRef>
+          <a:fontRef idx="minor">
+            <a:schemeClr val="dk1"/>
+          </a:fontRef>
+        </p:style>
+        <p:txBody>
+          <a:bodyPr rtlCol="0" anchor="ctr"/>
+          <a:lstStyle/>
+          <a:p>
+            <a:pPr algn="ctr"/>
+            <a:endParaRPr lang="pt-BR" dirty="0"/>
+          </a:p>
+        </p:txBody>
+      </p:sp>
+      <p:sp>
+        <p:nvSpPr>
+          <p:cNvPr id="23" name="Retângulo: Cantos Arredondados 22">
+            <a:extLst>
+              <a:ext uri="{FF2B5EF4-FFF2-40B4-BE49-F238E27FC236}">
+                <a16:creationId xmlns:a16="http://schemas.microsoft.com/office/drawing/2014/main" id="{07396254-C2F7-AE95-53AA-C7847E4F57FD}"/>
+              </a:ext>
+            </a:extLst>
+          </p:cNvPr>
+          <p:cNvSpPr/>
+          <p:nvPr/>
+        </p:nvSpPr>
+        <p:spPr>
+          <a:xfrm>
+            <a:off x="73922" y="2785503"/>
+            <a:ext cx="1101600" cy="360000"/>
+          </a:xfrm>
+          <a:prstGeom prst="roundRect">
+            <a:avLst/>
+          </a:prstGeom>
+          <a:ln/>
+          <a:effectLst>
+            <a:outerShdw blurRad="50800" dist="38100" dir="2700000" algn="tl" rotWithShape="0">
+              <a:prstClr val="black">
+                <a:alpha val="40000"/>
+              </a:prstClr>
+            </a:outerShdw>
+          </a:effectLst>
+        </p:spPr>
+        <p:style>
+          <a:lnRef idx="1">
+            <a:schemeClr val="accent5"/>
+          </a:lnRef>
+          <a:fillRef idx="2">
+            <a:schemeClr val="accent5"/>
+          </a:fillRef>
+          <a:effectRef idx="1">
+            <a:schemeClr val="accent5"/>
+          </a:effectRef>
+          <a:fontRef idx="minor">
+            <a:schemeClr val="dk1"/>
+          </a:fontRef>
+        </p:style>
+        <p:txBody>
+          <a:bodyPr rtlCol="0" anchor="ctr"/>
+          <a:lstStyle/>
+          <a:p>
+            <a:pPr algn="ctr"/>
+            <a:endParaRPr lang="pt-BR" dirty="0"/>
+          </a:p>
+        </p:txBody>
+      </p:sp>
+      <p:sp>
+        <p:nvSpPr>
+          <p:cNvPr id="24" name="Retângulo: Cantos Arredondados 23">
+            <a:extLst>
+              <a:ext uri="{FF2B5EF4-FFF2-40B4-BE49-F238E27FC236}">
+                <a16:creationId xmlns:a16="http://schemas.microsoft.com/office/drawing/2014/main" id="{3D4439C1-D49B-5BF7-168D-28BB4DC9DA43}"/>
+              </a:ext>
+            </a:extLst>
+          </p:cNvPr>
+          <p:cNvSpPr/>
+          <p:nvPr/>
+        </p:nvSpPr>
+        <p:spPr>
+          <a:xfrm>
+            <a:off x="82371" y="3248240"/>
+            <a:ext cx="1101600" cy="360000"/>
+          </a:xfrm>
+          <a:prstGeom prst="roundRect">
+            <a:avLst/>
+          </a:prstGeom>
+          <a:ln/>
+          <a:effectLst>
+            <a:outerShdw blurRad="50800" dist="38100" dir="2700000" algn="tl" rotWithShape="0">
+              <a:prstClr val="black">
+                <a:alpha val="40000"/>
+              </a:prstClr>
+            </a:outerShdw>
+          </a:effectLst>
+        </p:spPr>
+        <p:style>
+          <a:lnRef idx="1">
+            <a:schemeClr val="accent5"/>
+          </a:lnRef>
+          <a:fillRef idx="2">
+            <a:schemeClr val="accent5"/>
+          </a:fillRef>
+          <a:effectRef idx="1">
+            <a:schemeClr val="accent5"/>
+          </a:effectRef>
+          <a:fontRef idx="minor">
+            <a:schemeClr val="dk1"/>
+          </a:fontRef>
+        </p:style>
+        <p:txBody>
+          <a:bodyPr rtlCol="0" anchor="ctr"/>
+          <a:lstStyle/>
+          <a:p>
+            <a:pPr algn="ctr"/>
+            <a:endParaRPr lang="pt-BR" dirty="0"/>
+          </a:p>
+        </p:txBody>
+      </p:sp>
+      <p:sp>
+        <p:nvSpPr>
+          <p:cNvPr id="25" name="Retângulo: Cantos Arredondados 24">
+            <a:extLst>
+              <a:ext uri="{FF2B5EF4-FFF2-40B4-BE49-F238E27FC236}">
+                <a16:creationId xmlns:a16="http://schemas.microsoft.com/office/drawing/2014/main" id="{695E6A4A-2448-2A9D-6595-1ACD755C9EA2}"/>
+              </a:ext>
+            </a:extLst>
+          </p:cNvPr>
+          <p:cNvSpPr/>
+          <p:nvPr/>
+        </p:nvSpPr>
+        <p:spPr>
+          <a:xfrm>
+            <a:off x="73922" y="3710456"/>
+            <a:ext cx="1101600" cy="360000"/>
+          </a:xfrm>
+          <a:prstGeom prst="roundRect">
+            <a:avLst/>
+          </a:prstGeom>
+          <a:ln/>
+          <a:effectLst>
+            <a:outerShdw blurRad="50800" dist="38100" dir="2700000" algn="tl" rotWithShape="0">
+              <a:prstClr val="black">
+                <a:alpha val="40000"/>
+              </a:prstClr>
+            </a:outerShdw>
+          </a:effectLst>
+        </p:spPr>
+        <p:style>
+          <a:lnRef idx="1">
+            <a:schemeClr val="accent5"/>
+          </a:lnRef>
+          <a:fillRef idx="2">
+            <a:schemeClr val="accent5"/>
+          </a:fillRef>
+          <a:effectRef idx="1">
+            <a:schemeClr val="accent5"/>
+          </a:effectRef>
+          <a:fontRef idx="minor">
+            <a:schemeClr val="dk1"/>
+          </a:fontRef>
+        </p:style>
+        <p:txBody>
+          <a:bodyPr rtlCol="0" anchor="ctr"/>
+          <a:lstStyle/>
+          <a:p>
+            <a:pPr algn="ctr"/>
+            <a:endParaRPr lang="pt-BR" dirty="0"/>
+          </a:p>
+        </p:txBody>
+      </p:sp>
+      <p:sp>
+        <p:nvSpPr>
+          <p:cNvPr id="26" name="Retângulo: Cantos Arredondados 25">
+            <a:extLst>
+              <a:ext uri="{FF2B5EF4-FFF2-40B4-BE49-F238E27FC236}">
+                <a16:creationId xmlns:a16="http://schemas.microsoft.com/office/drawing/2014/main" id="{32EBF382-7C35-DB28-759B-CE4582555DCE}"/>
+              </a:ext>
+            </a:extLst>
+          </p:cNvPr>
+          <p:cNvSpPr/>
+          <p:nvPr/>
+        </p:nvSpPr>
+        <p:spPr>
+          <a:xfrm>
+            <a:off x="1959515" y="69767"/>
+            <a:ext cx="1857375" cy="819150"/>
+          </a:xfrm>
+          <a:prstGeom prst="roundRect">
+            <a:avLst/>
+          </a:prstGeom>
+          <a:ln/>
+          <a:effectLst>
+            <a:outerShdw blurRad="50800" dist="38100" dir="2700000" algn="tl" rotWithShape="0">
+              <a:prstClr val="black">
+                <a:alpha val="40000"/>
+              </a:prstClr>
+            </a:outerShdw>
+          </a:effectLst>
+        </p:spPr>
+        <p:style>
+          <a:lnRef idx="1">
+            <a:schemeClr val="accent5"/>
+          </a:lnRef>
+          <a:fillRef idx="2">
+            <a:schemeClr val="accent5"/>
+          </a:fillRef>
+          <a:effectRef idx="1">
+            <a:schemeClr val="accent5"/>
+          </a:effectRef>
+          <a:fontRef idx="minor">
+            <a:schemeClr val="dk1"/>
+          </a:fontRef>
+        </p:style>
+        <p:txBody>
+          <a:bodyPr rtlCol="0" anchor="ctr"/>
+          <a:lstStyle/>
+          <a:p>
+            <a:pPr algn="ctr"/>
+            <a:endParaRPr lang="pt-BR" dirty="0"/>
+          </a:p>
+        </p:txBody>
+      </p:sp>
+      <p:pic>
+        <p:nvPicPr>
+          <p:cNvPr id="3" name="Gráfico 2">
+            <a:extLst>
+              <a:ext uri="{FF2B5EF4-FFF2-40B4-BE49-F238E27FC236}">
+                <a16:creationId xmlns:a16="http://schemas.microsoft.com/office/drawing/2014/main" id="{94D1AF9C-D2B4-547F-949E-39D2AC182887}"/>
+              </a:ext>
+            </a:extLst>
+          </p:cNvPr>
+          <p:cNvPicPr>
+            <a:picLocks noChangeAspect="1"/>
+          </p:cNvPicPr>
+          <p:nvPr/>
+        </p:nvPicPr>
+        <p:blipFill>
+          <a:blip r:embed="rId2">
+            <a:extLst>
+              <a:ext uri="{96DAC541-7B7A-43D3-8B79-37D633B846F1}">
+                <asvg:svgBlip xmlns:asvg="http://schemas.microsoft.com/office/drawing/2016/SVG/main" r:embed="rId3"/>
+              </a:ext>
+            </a:extLst>
+          </a:blip>
+          <a:stretch>
+            <a:fillRect/>
+          </a:stretch>
+        </p:blipFill>
+        <p:spPr>
+          <a:xfrm>
+            <a:off x="0" y="-18536"/>
+            <a:ext cx="12398848" cy="7207817"/>
+          </a:xfrm>
+          <a:prstGeom prst="rect">
+            <a:avLst/>
+          </a:prstGeom>
+        </p:spPr>
+      </p:pic>
+      <p:sp>
+        <p:nvSpPr>
+          <p:cNvPr id="2" name="Retângulo 1">
+            <a:extLst>
+              <a:ext uri="{FF2B5EF4-FFF2-40B4-BE49-F238E27FC236}">
+                <a16:creationId xmlns:a16="http://schemas.microsoft.com/office/drawing/2014/main" id="{77E79D5C-45CB-050C-6D05-F40B03AB261D}"/>
+              </a:ext>
+            </a:extLst>
+          </p:cNvPr>
+          <p:cNvSpPr/>
+          <p:nvPr/>
+        </p:nvSpPr>
+        <p:spPr>
+          <a:xfrm>
+            <a:off x="0" y="7189281"/>
+            <a:ext cx="12382500" cy="2335719"/>
+          </a:xfrm>
+          <a:prstGeom prst="rect">
+            <a:avLst/>
+          </a:prstGeom>
+          <a:solidFill>
+            <a:srgbClr val="1A1B22"/>
+          </a:solidFill>
+        </p:spPr>
+        <p:style>
+          <a:lnRef idx="2">
+            <a:schemeClr val="accent1">
+              <a:shade val="15000"/>
+            </a:schemeClr>
+          </a:lnRef>
+          <a:fillRef idx="1">
+            <a:schemeClr val="accent1"/>
+          </a:fillRef>
+          <a:effectRef idx="0">
+            <a:schemeClr val="accent1"/>
+          </a:effectRef>
+          <a:fontRef idx="minor">
+            <a:schemeClr val="lt1"/>
+          </a:fontRef>
+        </p:style>
+        <p:txBody>
+          <a:bodyPr rtlCol="0" anchor="ctr"/>
+          <a:lstStyle/>
+          <a:p>
+            <a:pPr algn="ctr"/>
+            <a:endParaRPr lang="pt-BR"/>
+          </a:p>
+        </p:txBody>
+      </p:sp>
+      <p:sp>
+        <p:nvSpPr>
+          <p:cNvPr id="4" name="Retângulo: Cantos Arredondados 3">
+            <a:extLst>
+              <a:ext uri="{FF2B5EF4-FFF2-40B4-BE49-F238E27FC236}">
+                <a16:creationId xmlns:a16="http://schemas.microsoft.com/office/drawing/2014/main" id="{A659A21A-8622-E53C-2550-A1EBD3EB2769}"/>
+              </a:ext>
+            </a:extLst>
+          </p:cNvPr>
+          <p:cNvSpPr/>
+          <p:nvPr/>
+        </p:nvSpPr>
+        <p:spPr>
+          <a:xfrm>
+            <a:off x="73922" y="55546"/>
+            <a:ext cx="1551678" cy="1610627"/>
+          </a:xfrm>
+          <a:prstGeom prst="roundRect">
+            <a:avLst/>
+          </a:prstGeom>
+          <a:solidFill>
+            <a:schemeClr val="bg1"/>
+          </a:solidFill>
+          <a:ln/>
+          <a:effectLst>
+            <a:outerShdw blurRad="50800" dist="38100" dir="2700000" algn="tl" rotWithShape="0">
+              <a:prstClr val="black">
+                <a:alpha val="40000"/>
+              </a:prstClr>
+            </a:outerShdw>
+          </a:effectLst>
+        </p:spPr>
+        <p:style>
+          <a:lnRef idx="1">
+            <a:schemeClr val="accent5"/>
+          </a:lnRef>
+          <a:fillRef idx="2">
+            <a:schemeClr val="accent5"/>
+          </a:fillRef>
+          <a:effectRef idx="1">
+            <a:schemeClr val="accent5"/>
+          </a:effectRef>
+          <a:fontRef idx="minor">
+            <a:schemeClr val="dk1"/>
+          </a:fontRef>
+        </p:style>
+        <p:txBody>
+          <a:bodyPr rtlCol="0" anchor="ctr"/>
+          <a:lstStyle/>
+          <a:p>
+            <a:pPr algn="ctr"/>
+            <a:endParaRPr lang="pt-BR" dirty="0"/>
+          </a:p>
+        </p:txBody>
+      </p:sp>
+      <p:sp>
+        <p:nvSpPr>
+          <p:cNvPr id="6" name="Retângulo: Cantos Arredondados 5">
+            <a:extLst>
+              <a:ext uri="{FF2B5EF4-FFF2-40B4-BE49-F238E27FC236}">
+                <a16:creationId xmlns:a16="http://schemas.microsoft.com/office/drawing/2014/main" id="{6D06C4F5-9A66-1BB7-4389-2DDBC2E6BEF4}"/>
+              </a:ext>
+            </a:extLst>
+          </p:cNvPr>
+          <p:cNvSpPr/>
+          <p:nvPr/>
+        </p:nvSpPr>
+        <p:spPr>
+          <a:xfrm>
+            <a:off x="139026" y="1787437"/>
+            <a:ext cx="1101600" cy="360000"/>
+          </a:xfrm>
+          <a:prstGeom prst="roundRect">
+            <a:avLst/>
+          </a:prstGeom>
+          <a:solidFill>
+            <a:schemeClr val="bg1"/>
+          </a:solidFill>
+          <a:ln/>
+          <a:effectLst>
+            <a:outerShdw blurRad="50800" dist="38100" dir="2700000" algn="tl" rotWithShape="0">
+              <a:prstClr val="black">
+                <a:alpha val="40000"/>
+              </a:prstClr>
+            </a:outerShdw>
+          </a:effectLst>
+        </p:spPr>
+        <p:style>
+          <a:lnRef idx="1">
+            <a:schemeClr val="accent5"/>
+          </a:lnRef>
+          <a:fillRef idx="2">
+            <a:schemeClr val="accent5"/>
+          </a:fillRef>
+          <a:effectRef idx="1">
+            <a:schemeClr val="accent5"/>
+          </a:effectRef>
+          <a:fontRef idx="minor">
+            <a:schemeClr val="dk1"/>
+          </a:fontRef>
+        </p:style>
+        <p:txBody>
+          <a:bodyPr rtlCol="0" anchor="ctr"/>
+          <a:lstStyle/>
+          <a:p>
+            <a:pPr algn="ctr"/>
+            <a:endParaRPr lang="pt-BR" dirty="0"/>
+          </a:p>
+        </p:txBody>
+      </p:sp>
+      <p:sp>
+        <p:nvSpPr>
+          <p:cNvPr id="15" name="Retângulo: Cantos Arredondados 14">
+            <a:extLst>
+              <a:ext uri="{FF2B5EF4-FFF2-40B4-BE49-F238E27FC236}">
+                <a16:creationId xmlns:a16="http://schemas.microsoft.com/office/drawing/2014/main" id="{EEA2976E-1AF3-D114-30FC-2E5AECFCC506}"/>
+              </a:ext>
+            </a:extLst>
+          </p:cNvPr>
+          <p:cNvSpPr/>
+          <p:nvPr/>
+        </p:nvSpPr>
+        <p:spPr>
+          <a:xfrm>
+            <a:off x="139026" y="2220317"/>
+            <a:ext cx="1101600" cy="360000"/>
+          </a:xfrm>
+          <a:prstGeom prst="roundRect">
+            <a:avLst/>
+          </a:prstGeom>
+          <a:solidFill>
+            <a:schemeClr val="bg1"/>
+          </a:solidFill>
+          <a:ln/>
+          <a:effectLst>
+            <a:outerShdw blurRad="50800" dist="38100" dir="2700000" algn="tl" rotWithShape="0">
+              <a:prstClr val="black">
+                <a:alpha val="40000"/>
+              </a:prstClr>
+            </a:outerShdw>
+          </a:effectLst>
+        </p:spPr>
+        <p:style>
+          <a:lnRef idx="1">
+            <a:schemeClr val="accent5"/>
+          </a:lnRef>
+          <a:fillRef idx="2">
+            <a:schemeClr val="accent5"/>
+          </a:fillRef>
+          <a:effectRef idx="1">
+            <a:schemeClr val="accent5"/>
+          </a:effectRef>
+          <a:fontRef idx="minor">
+            <a:schemeClr val="dk1"/>
+          </a:fontRef>
+        </p:style>
+        <p:txBody>
+          <a:bodyPr rtlCol="0" anchor="ctr"/>
+          <a:lstStyle/>
+          <a:p>
+            <a:pPr algn="ctr"/>
+            <a:endParaRPr lang="pt-BR" dirty="0"/>
+          </a:p>
+        </p:txBody>
+      </p:sp>
+      <p:sp>
+        <p:nvSpPr>
+          <p:cNvPr id="18" name="Retângulo: Cantos Arredondados 17">
+            <a:extLst>
+              <a:ext uri="{FF2B5EF4-FFF2-40B4-BE49-F238E27FC236}">
+                <a16:creationId xmlns:a16="http://schemas.microsoft.com/office/drawing/2014/main" id="{7E6A7059-30D2-6923-AF67-1622E8737DCD}"/>
+              </a:ext>
+            </a:extLst>
+          </p:cNvPr>
+          <p:cNvSpPr/>
+          <p:nvPr/>
+        </p:nvSpPr>
+        <p:spPr>
+          <a:xfrm>
+            <a:off x="136914" y="2669863"/>
+            <a:ext cx="1112109" cy="360000"/>
+          </a:xfrm>
+          <a:prstGeom prst="roundRect">
+            <a:avLst/>
+          </a:prstGeom>
+          <a:solidFill>
+            <a:schemeClr val="bg1"/>
+          </a:solidFill>
+          <a:ln/>
+          <a:effectLst>
+            <a:outerShdw blurRad="50800" dist="38100" dir="2700000" algn="tl" rotWithShape="0">
+              <a:prstClr val="black">
+                <a:alpha val="40000"/>
+              </a:prstClr>
+            </a:outerShdw>
+          </a:effectLst>
+        </p:spPr>
+        <p:style>
+          <a:lnRef idx="1">
+            <a:schemeClr val="accent5"/>
+          </a:lnRef>
+          <a:fillRef idx="2">
+            <a:schemeClr val="accent5"/>
+          </a:fillRef>
+          <a:effectRef idx="1">
+            <a:schemeClr val="accent5"/>
+          </a:effectRef>
+          <a:fontRef idx="minor">
+            <a:schemeClr val="dk1"/>
+          </a:fontRef>
+        </p:style>
+        <p:txBody>
+          <a:bodyPr rtlCol="0" anchor="ctr"/>
+          <a:lstStyle/>
+          <a:p>
+            <a:pPr algn="ctr"/>
+            <a:endParaRPr lang="pt-BR" dirty="0"/>
+          </a:p>
+        </p:txBody>
+      </p:sp>
+      <p:sp>
+        <p:nvSpPr>
+          <p:cNvPr id="19" name="Retângulo: Cantos Arredondados 18">
+            <a:extLst>
+              <a:ext uri="{FF2B5EF4-FFF2-40B4-BE49-F238E27FC236}">
+                <a16:creationId xmlns:a16="http://schemas.microsoft.com/office/drawing/2014/main" id="{DC491380-D666-7016-1956-76B5A96EEAE2}"/>
+              </a:ext>
+            </a:extLst>
+          </p:cNvPr>
+          <p:cNvSpPr/>
+          <p:nvPr/>
+        </p:nvSpPr>
+        <p:spPr>
+          <a:xfrm>
+            <a:off x="147422" y="3118666"/>
+            <a:ext cx="1093204" cy="360000"/>
+          </a:xfrm>
+          <a:prstGeom prst="roundRect">
+            <a:avLst/>
+          </a:prstGeom>
+          <a:solidFill>
+            <a:schemeClr val="bg1"/>
+          </a:solidFill>
+          <a:ln/>
+          <a:effectLst>
+            <a:outerShdw blurRad="50800" dist="38100" dir="2700000" algn="tl" rotWithShape="0">
+              <a:prstClr val="black">
+                <a:alpha val="40000"/>
+              </a:prstClr>
+            </a:outerShdw>
+          </a:effectLst>
+        </p:spPr>
+        <p:style>
+          <a:lnRef idx="1">
+            <a:schemeClr val="accent5"/>
+          </a:lnRef>
+          <a:fillRef idx="2">
+            <a:schemeClr val="accent5"/>
+          </a:fillRef>
+          <a:effectRef idx="1">
+            <a:schemeClr val="accent5"/>
+          </a:effectRef>
+          <a:fontRef idx="minor">
+            <a:schemeClr val="dk1"/>
+          </a:fontRef>
+        </p:style>
+        <p:txBody>
+          <a:bodyPr rtlCol="0" anchor="ctr"/>
+          <a:lstStyle/>
+          <a:p>
+            <a:pPr algn="ctr"/>
+            <a:endParaRPr lang="pt-BR" dirty="0"/>
+          </a:p>
+        </p:txBody>
+      </p:sp>
+      <p:sp>
+        <p:nvSpPr>
+          <p:cNvPr id="20" name="Retângulo: Cantos Arredondados 19">
+            <a:extLst>
+              <a:ext uri="{FF2B5EF4-FFF2-40B4-BE49-F238E27FC236}">
+                <a16:creationId xmlns:a16="http://schemas.microsoft.com/office/drawing/2014/main" id="{330BCF25-6F4A-6A07-2F6B-636E517F297A}"/>
+              </a:ext>
+            </a:extLst>
+          </p:cNvPr>
+          <p:cNvSpPr/>
+          <p:nvPr/>
+        </p:nvSpPr>
+        <p:spPr>
+          <a:xfrm>
+            <a:off x="155819" y="3583281"/>
+            <a:ext cx="1084807" cy="360000"/>
+          </a:xfrm>
+          <a:prstGeom prst="roundRect">
+            <a:avLst/>
+          </a:prstGeom>
+          <a:solidFill>
+            <a:schemeClr val="bg1"/>
+          </a:solidFill>
+          <a:ln/>
+          <a:effectLst>
+            <a:outerShdw blurRad="50800" dist="38100" dir="2700000" algn="tl" rotWithShape="0">
+              <a:prstClr val="black">
+                <a:alpha val="40000"/>
+              </a:prstClr>
+            </a:outerShdw>
+          </a:effectLst>
+        </p:spPr>
+        <p:style>
+          <a:lnRef idx="1">
+            <a:schemeClr val="accent5"/>
+          </a:lnRef>
+          <a:fillRef idx="2">
+            <a:schemeClr val="accent5"/>
+          </a:fillRef>
+          <a:effectRef idx="1">
+            <a:schemeClr val="accent5"/>
+          </a:effectRef>
+          <a:fontRef idx="minor">
+            <a:schemeClr val="dk1"/>
+          </a:fontRef>
+        </p:style>
+        <p:txBody>
+          <a:bodyPr rtlCol="0" anchor="ctr"/>
+          <a:lstStyle/>
+          <a:p>
+            <a:pPr algn="ctr"/>
+            <a:endParaRPr lang="pt-BR" dirty="0"/>
+          </a:p>
+        </p:txBody>
+      </p:sp>
+      <p:sp>
+        <p:nvSpPr>
+          <p:cNvPr id="21" name="Retângulo: Cantos Arredondados 20">
+            <a:extLst>
+              <a:ext uri="{FF2B5EF4-FFF2-40B4-BE49-F238E27FC236}">
+                <a16:creationId xmlns:a16="http://schemas.microsoft.com/office/drawing/2014/main" id="{E382CCB9-F3AF-E8CA-915F-F86E733DF1C9}"/>
+              </a:ext>
+            </a:extLst>
+          </p:cNvPr>
+          <p:cNvSpPr/>
+          <p:nvPr/>
+        </p:nvSpPr>
+        <p:spPr>
+          <a:xfrm>
+            <a:off x="8966834" y="671379"/>
+            <a:ext cx="3324225" cy="666750"/>
+          </a:xfrm>
+          <a:prstGeom prst="roundRect">
+            <a:avLst/>
+          </a:prstGeom>
+          <a:solidFill>
+            <a:schemeClr val="bg1"/>
+          </a:solidFill>
+          <a:ln/>
+          <a:effectLst>
+            <a:outerShdw blurRad="50800" dist="38100" dir="2700000" algn="tl" rotWithShape="0">
+              <a:prstClr val="black">
+                <a:alpha val="40000"/>
+              </a:prstClr>
+            </a:outerShdw>
+          </a:effectLst>
+        </p:spPr>
+        <p:style>
+          <a:lnRef idx="1">
+            <a:schemeClr val="accent5"/>
+          </a:lnRef>
+          <a:fillRef idx="2">
+            <a:schemeClr val="accent5"/>
+          </a:fillRef>
+          <a:effectRef idx="1">
+            <a:schemeClr val="accent5"/>
+          </a:effectRef>
+          <a:fontRef idx="minor">
+            <a:schemeClr val="dk1"/>
+          </a:fontRef>
+        </p:style>
+        <p:txBody>
+          <a:bodyPr rtlCol="0" anchor="ctr"/>
+          <a:lstStyle/>
+          <a:p>
+            <a:pPr algn="ctr"/>
+            <a:endParaRPr lang="pt-BR" dirty="0"/>
+          </a:p>
+        </p:txBody>
+      </p:sp>
+    </p:spTree>
+    <p:extLst>
+      <p:ext uri="{BB962C8B-B14F-4D97-AF65-F5344CB8AC3E}">
+        <p14:creationId xmlns:p14="http://schemas.microsoft.com/office/powerpoint/2010/main" val="3362817052"/>
+      </p:ext>
+    </p:extLst>
+  </p:cSld>
+  <p:clrMapOvr>
+    <a:masterClrMapping/>
+  </p:clrMapOvr>
+</p:sld>
+</file>
+
+<file path=ppt/slides/slide8.xml><?xml version="1.0" encoding="utf-8"?>
+<p:sld xmlns:a="http://schemas.openxmlformats.org/drawingml/2006/main" xmlns:r="http://schemas.openxmlformats.org/officeDocument/2006/relationships" xmlns:p="http://schemas.openxmlformats.org/presentationml/2006/main">
+  <p:cSld>
+    <p:spTree>
+      <p:nvGrpSpPr>
+        <p:cNvPr id="1" name="">
+          <a:extLst>
+            <a:ext uri="{FF2B5EF4-FFF2-40B4-BE49-F238E27FC236}">
+              <a16:creationId xmlns:a16="http://schemas.microsoft.com/office/drawing/2014/main" id="{F160ACCF-EB46-9AA9-8DC8-E63E1DF3F10C}"/>
+            </a:ext>
+          </a:extLst>
+        </p:cNvPr>
+        <p:cNvGrpSpPr/>
+        <p:nvPr/>
+      </p:nvGrpSpPr>
+      <p:grpSpPr>
+        <a:xfrm>
+          <a:off x="0" y="0"/>
+          <a:ext cx="0" cy="0"/>
+          <a:chOff x="0" y="0"/>
+          <a:chExt cx="0" cy="0"/>
+        </a:xfrm>
+      </p:grpSpPr>
+      <p:pic>
+        <p:nvPicPr>
           <p:cNvPr id="5" name="Imagem 4">
             <a:extLst>
               <a:ext uri="{FF2B5EF4-FFF2-40B4-BE49-F238E27FC236}">
-                <a16:creationId xmlns:a16="http://schemas.microsoft.com/office/drawing/2014/main" id="{8CA9A792-7552-AC23-095C-3D73F9DB961F}"/>
+                <a16:creationId xmlns:a16="http://schemas.microsoft.com/office/drawing/2014/main" id="{1775D56F-8444-EED3-E166-6919FF668A57}"/>
               </a:ext>
             </a:extLst>
           </p:cNvPr>
@@ -3006,7 +9815,7 @@
           <p:cNvPr id="7" name="Imagem 6">
             <a:extLst>
               <a:ext uri="{FF2B5EF4-FFF2-40B4-BE49-F238E27FC236}">
-                <a16:creationId xmlns:a16="http://schemas.microsoft.com/office/drawing/2014/main" id="{B08F14AE-A553-46B2-E0CD-273DDA12E238}"/>
+                <a16:creationId xmlns:a16="http://schemas.microsoft.com/office/drawing/2014/main" id="{32BFE89F-4072-DD1A-59EB-6ACEFE04673A}"/>
               </a:ext>
             </a:extLst>
           </p:cNvPr>
@@ -3042,7 +9851,7 @@
           <p:cNvPr id="8" name="Retângulo: Cantos Arredondados 7">
             <a:extLst>
               <a:ext uri="{FF2B5EF4-FFF2-40B4-BE49-F238E27FC236}">
-                <a16:creationId xmlns:a16="http://schemas.microsoft.com/office/drawing/2014/main" id="{A5743FF6-52B8-DF22-7468-C44F801CF777}"/>
+                <a16:creationId xmlns:a16="http://schemas.microsoft.com/office/drawing/2014/main" id="{7F831A13-C0C9-9FF8-994D-976D85439BF7}"/>
               </a:ext>
             </a:extLst>
           </p:cNvPr>
@@ -3094,7 +9903,7 @@
           <p:cNvPr id="9" name="Retângulo: Cantos Arredondados 8">
             <a:extLst>
               <a:ext uri="{FF2B5EF4-FFF2-40B4-BE49-F238E27FC236}">
-                <a16:creationId xmlns:a16="http://schemas.microsoft.com/office/drawing/2014/main" id="{28F78B5F-1A7E-A98F-665E-814ABC9B77B7}"/>
+                <a16:creationId xmlns:a16="http://schemas.microsoft.com/office/drawing/2014/main" id="{F5B30E9D-FCBE-75E3-92FB-0267B261772D}"/>
               </a:ext>
             </a:extLst>
           </p:cNvPr>
@@ -3146,7 +9955,7 @@
           <p:cNvPr id="10" name="Retângulo: Cantos Arredondados 9">
             <a:extLst>
               <a:ext uri="{FF2B5EF4-FFF2-40B4-BE49-F238E27FC236}">
-                <a16:creationId xmlns:a16="http://schemas.microsoft.com/office/drawing/2014/main" id="{6CE0C088-7327-1534-50D2-BE616463C996}"/>
+                <a16:creationId xmlns:a16="http://schemas.microsoft.com/office/drawing/2014/main" id="{4FEDD1C3-49DB-95F0-A2C8-426D0054C175}"/>
               </a:ext>
             </a:extLst>
           </p:cNvPr>
@@ -3198,7 +10007,7 @@
           <p:cNvPr id="11" name="Retângulo: Cantos Arredondados 10">
             <a:extLst>
               <a:ext uri="{FF2B5EF4-FFF2-40B4-BE49-F238E27FC236}">
-                <a16:creationId xmlns:a16="http://schemas.microsoft.com/office/drawing/2014/main" id="{F11CBFC4-9274-EF5C-1A99-6E2B0EFC4619}"/>
+                <a16:creationId xmlns:a16="http://schemas.microsoft.com/office/drawing/2014/main" id="{DAC03C5B-9A01-8617-3C93-8C21418236C1}"/>
               </a:ext>
             </a:extLst>
           </p:cNvPr>
@@ -3250,7 +10059,7 @@
           <p:cNvPr id="12" name="Retângulo: Cantos Arredondados 11">
             <a:extLst>
               <a:ext uri="{FF2B5EF4-FFF2-40B4-BE49-F238E27FC236}">
-                <a16:creationId xmlns:a16="http://schemas.microsoft.com/office/drawing/2014/main" id="{01BD7CC7-7C18-657C-448E-A51AC6B1EE09}"/>
+                <a16:creationId xmlns:a16="http://schemas.microsoft.com/office/drawing/2014/main" id="{9D719E06-5FD2-BA3D-B309-D6B936669E91}"/>
               </a:ext>
             </a:extLst>
           </p:cNvPr>
@@ -3302,7 +10111,7 @@
           <p:cNvPr id="13" name="Retângulo: Cantos Arredondados 12">
             <a:extLst>
               <a:ext uri="{FF2B5EF4-FFF2-40B4-BE49-F238E27FC236}">
-                <a16:creationId xmlns:a16="http://schemas.microsoft.com/office/drawing/2014/main" id="{EC23B424-7F9A-89C1-CCA1-3E30A950EEA6}"/>
+                <a16:creationId xmlns:a16="http://schemas.microsoft.com/office/drawing/2014/main" id="{710024DB-615B-5ABA-AB85-A433BB11B71C}"/>
               </a:ext>
             </a:extLst>
           </p:cNvPr>
@@ -3354,7 +10163,7 @@
           <p:cNvPr id="14" name="Imagem 13">
             <a:extLst>
               <a:ext uri="{FF2B5EF4-FFF2-40B4-BE49-F238E27FC236}">
-                <a16:creationId xmlns:a16="http://schemas.microsoft.com/office/drawing/2014/main" id="{6D61F570-FCFE-2EFB-586D-CAC2F9E79850}"/>
+                <a16:creationId xmlns:a16="http://schemas.microsoft.com/office/drawing/2014/main" id="{D37E5D5E-3851-0110-1836-53A83AE02FFF}"/>
               </a:ext>
             </a:extLst>
           </p:cNvPr>
@@ -3377,7 +10186,7 @@
         </p:blipFill>
         <p:spPr>
           <a:xfrm>
-            <a:off x="-7946" y="18536"/>
+            <a:off x="0" y="0"/>
             <a:ext cx="12381586" cy="9525000"/>
           </a:xfrm>
           <a:prstGeom prst="rect">
@@ -3390,7 +10199,7 @@
           <p:cNvPr id="16" name="Retângulo: Cantos Arredondados 15">
             <a:extLst>
               <a:ext uri="{FF2B5EF4-FFF2-40B4-BE49-F238E27FC236}">
-                <a16:creationId xmlns:a16="http://schemas.microsoft.com/office/drawing/2014/main" id="{61BDC0B3-18EC-877F-F524-3FAB0FC786CA}"/>
+                <a16:creationId xmlns:a16="http://schemas.microsoft.com/office/drawing/2014/main" id="{970454C6-B126-00B9-1F5A-72578BF1CCC0}"/>
               </a:ext>
             </a:extLst>
           </p:cNvPr>
@@ -3442,7 +10251,7 @@
           <p:cNvPr id="17" name="Retângulo: Cantos Arredondados 16">
             <a:extLst>
               <a:ext uri="{FF2B5EF4-FFF2-40B4-BE49-F238E27FC236}">
-                <a16:creationId xmlns:a16="http://schemas.microsoft.com/office/drawing/2014/main" id="{21FE3064-08A4-AEF6-2DC6-16DD49893346}"/>
+                <a16:creationId xmlns:a16="http://schemas.microsoft.com/office/drawing/2014/main" id="{1ED3E20C-7E92-98A4-9114-DC3C4ABBA817}"/>
               </a:ext>
             </a:extLst>
           </p:cNvPr>
@@ -3494,7 +10303,7 @@
           <p:cNvPr id="22" name="Retângulo: Cantos Arredondados 21">
             <a:extLst>
               <a:ext uri="{FF2B5EF4-FFF2-40B4-BE49-F238E27FC236}">
-                <a16:creationId xmlns:a16="http://schemas.microsoft.com/office/drawing/2014/main" id="{D205EFBA-5997-6510-050B-F4D795087F5B}"/>
+                <a16:creationId xmlns:a16="http://schemas.microsoft.com/office/drawing/2014/main" id="{60EE2ECF-0684-4549-49AD-4F1C042B1F14}"/>
               </a:ext>
             </a:extLst>
           </p:cNvPr>
@@ -3546,7 +10355,7 @@
           <p:cNvPr id="23" name="Retângulo: Cantos Arredondados 22">
             <a:extLst>
               <a:ext uri="{FF2B5EF4-FFF2-40B4-BE49-F238E27FC236}">
-                <a16:creationId xmlns:a16="http://schemas.microsoft.com/office/drawing/2014/main" id="{BA91A2B6-5499-68ED-E2FE-5F3C980353CE}"/>
+                <a16:creationId xmlns:a16="http://schemas.microsoft.com/office/drawing/2014/main" id="{128B7A79-BC3F-37FA-F0FC-C08AD0B6DA13}"/>
               </a:ext>
             </a:extLst>
           </p:cNvPr>
@@ -3598,7 +10407,7 @@
           <p:cNvPr id="24" name="Retângulo: Cantos Arredondados 23">
             <a:extLst>
               <a:ext uri="{FF2B5EF4-FFF2-40B4-BE49-F238E27FC236}">
-                <a16:creationId xmlns:a16="http://schemas.microsoft.com/office/drawing/2014/main" id="{4A3B83B3-AC8E-5F3D-EAA6-A5B1AC15709B}"/>
+                <a16:creationId xmlns:a16="http://schemas.microsoft.com/office/drawing/2014/main" id="{8339416C-73BA-8C28-ED2A-A91BDC2B1F84}"/>
               </a:ext>
             </a:extLst>
           </p:cNvPr>
@@ -3650,7 +10459,7 @@
           <p:cNvPr id="25" name="Retângulo: Cantos Arredondados 24">
             <a:extLst>
               <a:ext uri="{FF2B5EF4-FFF2-40B4-BE49-F238E27FC236}">
-                <a16:creationId xmlns:a16="http://schemas.microsoft.com/office/drawing/2014/main" id="{F867450E-9221-C3C3-0A12-E6D4B9C06503}"/>
+                <a16:creationId xmlns:a16="http://schemas.microsoft.com/office/drawing/2014/main" id="{9843E4EE-6227-B5D4-7471-49418308C91D}"/>
               </a:ext>
             </a:extLst>
           </p:cNvPr>
@@ -3702,16 +10511,16 @@
           <p:cNvPr id="26" name="Retângulo: Cantos Arredondados 25">
             <a:extLst>
               <a:ext uri="{FF2B5EF4-FFF2-40B4-BE49-F238E27FC236}">
-                <a16:creationId xmlns:a16="http://schemas.microsoft.com/office/drawing/2014/main" id="{D6FBD8EE-F5F9-1B6C-D289-D5D8FE312DB2}"/>
-              </a:ext>
-            </a:extLst>
-          </p:cNvPr>
-          <p:cNvSpPr/>
-          <p:nvPr/>
-        </p:nvSpPr>
-        <p:spPr>
-          <a:xfrm>
-            <a:off x="1962699" y="88977"/>
+                <a16:creationId xmlns:a16="http://schemas.microsoft.com/office/drawing/2014/main" id="{1C17DCF3-53F3-0BC9-C6EC-F6E1B084334F}"/>
+              </a:ext>
+            </a:extLst>
+          </p:cNvPr>
+          <p:cNvSpPr/>
+          <p:nvPr/>
+        </p:nvSpPr>
+        <p:spPr>
+          <a:xfrm>
+            <a:off x="1959515" y="69767"/>
             <a:ext cx="1857375" cy="819150"/>
           </a:xfrm>
           <a:prstGeom prst="roundRect">
@@ -3752,7 +10561,7 @@
     </p:spTree>
     <p:extLst>
       <p:ext uri="{BB962C8B-B14F-4D97-AF65-F5344CB8AC3E}">
-        <p14:creationId xmlns:p14="http://schemas.microsoft.com/office/powerpoint/2010/main" val="3090787106"/>
+        <p14:creationId xmlns:p14="http://schemas.microsoft.com/office/powerpoint/2010/main" val="3456349647"/>
       </p:ext>
     </p:extLst>
   </p:cSld>
